--- a/Expocom/Apresentação_Final.pptx
+++ b/Expocom/Apresentação_Final.pptx
@@ -5,7 +5,7 @@
     <p:sldMasterId id="2147484111" r:id="rId1"/>
   </p:sldMasterIdLst>
   <p:notesMasterIdLst>
-    <p:notesMasterId r:id="rId14"/>
+    <p:notesMasterId r:id="rId16"/>
   </p:notesMasterIdLst>
   <p:sldIdLst>
     <p:sldId id="260" r:id="rId2"/>
@@ -20,6 +20,8 @@
     <p:sldId id="277" r:id="rId11"/>
     <p:sldId id="278" r:id="rId12"/>
     <p:sldId id="279" r:id="rId13"/>
+    <p:sldId id="280" r:id="rId14"/>
+    <p:sldId id="281" r:id="rId15"/>
   </p:sldIdLst>
   <p:sldSz cx="9144000" cy="6858000" type="screen4x3"/>
   <p:notesSz cx="6858000" cy="9144000"/>
@@ -3870,7 +3872,7 @@
               <a:buNone/>
             </a:pPr>
             <a:r>
-              <a:rPr lang="pt-BR" b="1" dirty="0" smtClean="0"/>
+              <a:rPr lang="pt-BR" sz="2800" b="1" dirty="0" smtClean="0"/>
               <a:t>Integrantes:</a:t>
             </a:r>
           </a:p>
@@ -3880,7 +3882,7 @@
               <a:buNone/>
             </a:pPr>
             <a:r>
-              <a:rPr lang="pt-BR" dirty="0" smtClean="0"/>
+              <a:rPr lang="pt-BR" sz="2800" dirty="0" smtClean="0"/>
               <a:t>Thiago Mizutani</a:t>
             </a:r>
           </a:p>
@@ -3890,7 +3892,7 @@
               <a:buNone/>
             </a:pPr>
             <a:r>
-              <a:rPr lang="pt-BR" dirty="0" smtClean="0"/>
+              <a:rPr lang="pt-BR" sz="2800" dirty="0" smtClean="0"/>
               <a:t>Fabrício Lopes de Souza</a:t>
             </a:r>
           </a:p>
@@ -3900,22 +3902,22 @@
               <a:buNone/>
             </a:pPr>
             <a:r>
-              <a:rPr lang="pt-BR" dirty="0" smtClean="0"/>
+              <a:rPr lang="pt-BR" sz="2800" dirty="0" smtClean="0"/>
               <a:t>Maurício </a:t>
             </a:r>
             <a:r>
-              <a:rPr lang="pt-BR" dirty="0" err="1" smtClean="0"/>
+              <a:rPr lang="pt-BR" sz="2800" dirty="0" err="1" smtClean="0"/>
               <a:t>Keniti</a:t>
             </a:r>
             <a:r>
-              <a:rPr lang="pt-BR" dirty="0" smtClean="0"/>
+              <a:rPr lang="pt-BR" sz="2800" dirty="0" smtClean="0"/>
               <a:t> </a:t>
             </a:r>
             <a:r>
-              <a:rPr lang="pt-BR" dirty="0" err="1" smtClean="0"/>
+              <a:rPr lang="pt-BR" sz="2800" dirty="0" err="1" smtClean="0"/>
               <a:t>Hirota</a:t>
             </a:r>
-            <a:endParaRPr lang="pt-BR" dirty="0" smtClean="0"/>
+            <a:endParaRPr lang="pt-BR" sz="2800" dirty="0" smtClean="0"/>
           </a:p>
           <a:p>
             <a:pPr eaLnBrk="1" hangingPunct="1">
@@ -3923,22 +3925,29 @@
               <a:buNone/>
             </a:pPr>
             <a:r>
-              <a:rPr lang="pt-BR" dirty="0" smtClean="0"/>
+              <a:rPr lang="pt-BR" sz="2800" dirty="0" smtClean="0"/>
               <a:t>Ivan </a:t>
             </a:r>
             <a:r>
-              <a:rPr lang="pt-BR" dirty="0" err="1" smtClean="0"/>
+              <a:rPr lang="pt-BR" sz="2800" dirty="0" err="1" smtClean="0"/>
               <a:t>Shiguenori</a:t>
             </a:r>
             <a:r>
-              <a:rPr lang="pt-BR" dirty="0" smtClean="0"/>
+              <a:rPr lang="pt-BR" sz="2800" dirty="0" smtClean="0"/>
               <a:t> </a:t>
             </a:r>
             <a:r>
-              <a:rPr lang="pt-BR" dirty="0" err="1" smtClean="0"/>
+              <a:rPr lang="pt-BR" sz="2800" dirty="0" err="1" smtClean="0"/>
               <a:t>Machida</a:t>
             </a:r>
-            <a:endParaRPr lang="pt-BR" dirty="0" smtClean="0"/>
+            <a:endParaRPr lang="pt-BR" sz="2800" dirty="0" smtClean="0"/>
+          </a:p>
+          <a:p>
+            <a:pPr eaLnBrk="1" hangingPunct="1">
+              <a:buFont typeface="Wingdings" pitchFamily="2" charset="2"/>
+              <a:buNone/>
+            </a:pPr>
+            <a:endParaRPr lang="pt-BR" sz="2800" dirty="0" smtClean="0"/>
           </a:p>
           <a:p>
             <a:pPr eaLnBrk="1" hangingPunct="1">
@@ -3946,11 +3955,11 @@
               <a:buNone/>
             </a:pPr>
             <a:r>
-              <a:rPr lang="pt-BR" b="1" dirty="0" smtClean="0"/>
+              <a:rPr lang="pt-BR" sz="2800" b="1" dirty="0" smtClean="0"/>
               <a:t>Orientador: </a:t>
             </a:r>
             <a:r>
-              <a:rPr lang="pt-BR" dirty="0" smtClean="0"/>
+              <a:rPr lang="pt-BR" sz="2800" dirty="0" smtClean="0"/>
               <a:t>Paulo Sérgio Silva Rodrigues</a:t>
             </a:r>
           </a:p>
@@ -4073,17 +4082,6 @@
               </a:rPr>
               <a:t>O sistema</a:t>
             </a:r>
-            <a:endParaRPr lang="pt-BR" sz="6600" b="1" cap="all" spc="0" dirty="0" smtClean="0">
-              <a:ln w="0"/>
-              <a:solidFill>
-                <a:schemeClr val="tx2"/>
-              </a:solidFill>
-              <a:effectLst>
-                <a:reflection blurRad="12700" stA="50000" endPos="50000" dist="5000" dir="5400000" sy="-100000" rotWithShape="0"/>
-              </a:effectLst>
-              <a:latin typeface="Tahoma" pitchFamily="34" charset="0"/>
-              <a:cs typeface="Tahoma" pitchFamily="34" charset="0"/>
-            </a:endParaRPr>
           </a:p>
         </p:txBody>
       </p:sp>
@@ -4280,17 +4278,6 @@
               </a:rPr>
               <a:t>O sistema</a:t>
             </a:r>
-            <a:endParaRPr lang="pt-BR" sz="6600" b="1" cap="all" spc="0" dirty="0" smtClean="0">
-              <a:ln w="0"/>
-              <a:solidFill>
-                <a:schemeClr val="tx2"/>
-              </a:solidFill>
-              <a:effectLst>
-                <a:reflection blurRad="12700" stA="50000" endPos="50000" dist="5000" dir="5400000" sy="-100000" rotWithShape="0"/>
-              </a:effectLst>
-              <a:latin typeface="Tahoma" pitchFamily="34" charset="0"/>
-              <a:cs typeface="Tahoma" pitchFamily="34" charset="0"/>
-            </a:endParaRPr>
           </a:p>
         </p:txBody>
       </p:sp>
@@ -4513,7 +4500,7 @@
         </p:nvSpPr>
         <p:spPr>
           <a:xfrm>
-            <a:off x="642910" y="357166"/>
+            <a:off x="642910" y="357167"/>
             <a:ext cx="7772400" cy="914400"/>
           </a:xfrm>
         </p:spPr>
@@ -4559,17 +4546,6 @@
               </a:rPr>
               <a:t>O sistema</a:t>
             </a:r>
-            <a:endParaRPr lang="pt-BR" sz="6600" b="1" cap="all" spc="0" dirty="0" smtClean="0">
-              <a:ln w="0"/>
-              <a:solidFill>
-                <a:schemeClr val="tx2"/>
-              </a:solidFill>
-              <a:effectLst>
-                <a:reflection blurRad="12700" stA="50000" endPos="50000" dist="5000" dir="5400000" sy="-100000" rotWithShape="0"/>
-              </a:effectLst>
-              <a:latin typeface="Tahoma" pitchFamily="34" charset="0"/>
-              <a:cs typeface="Tahoma" pitchFamily="34" charset="0"/>
-            </a:endParaRPr>
           </a:p>
         </p:txBody>
       </p:sp>
@@ -4590,7 +4566,7 @@
         </p:blipFill>
         <p:spPr bwMode="auto">
           <a:xfrm>
-            <a:off x="6929454" y="214289"/>
+            <a:off x="6929454" y="214290"/>
             <a:ext cx="1714512" cy="1293403"/>
           </a:xfrm>
           <a:prstGeom prst="rect">
@@ -4674,6 +4650,4877 @@
       </p:par>
     </p:tnLst>
   </p:timing>
+</p:sld>
+</file>
+
+<file path=ppt/slides/slide13.xml><?xml version="1.0" encoding="utf-8"?>
+<p:sld xmlns:a="http://schemas.openxmlformats.org/drawingml/2006/main" xmlns:r="http://schemas.openxmlformats.org/officeDocument/2006/relationships" xmlns:p="http://schemas.openxmlformats.org/presentationml/2006/main">
+  <p:cSld>
+    <p:spTree>
+      <p:nvGrpSpPr>
+        <p:cNvPr id="1" name=""/>
+        <p:cNvGrpSpPr/>
+        <p:nvPr/>
+      </p:nvGrpSpPr>
+      <p:grpSpPr>
+        <a:xfrm>
+          <a:off x="0" y="0"/>
+          <a:ext cx="0" cy="0"/>
+          <a:chOff x="0" y="0"/>
+          <a:chExt cx="0" cy="0"/>
+        </a:xfrm>
+      </p:grpSpPr>
+      <p:sp>
+        <p:nvSpPr>
+          <p:cNvPr id="4" name="Título 1"/>
+          <p:cNvSpPr>
+            <a:spLocks noGrp="1"/>
+          </p:cNvSpPr>
+          <p:nvPr>
+            <p:ph type="title"/>
+          </p:nvPr>
+        </p:nvSpPr>
+        <p:spPr>
+          <a:xfrm>
+            <a:off x="642910" y="357166"/>
+            <a:ext cx="7772400" cy="914400"/>
+          </a:xfrm>
+        </p:spPr>
+        <p:txBody>
+          <a:bodyPr>
+            <a:normAutofit fontScale="90000"/>
+            <a:scene3d>
+              <a:camera prst="orthographicFront">
+                <a:rot lat="0" lon="0" rev="0"/>
+              </a:camera>
+              <a:lightRig rig="contrasting" dir="t">
+                <a:rot lat="0" lon="0" rev="4500000"/>
+              </a:lightRig>
+            </a:scene3d>
+            <a:sp3d contourW="6350" prstMaterial="metal">
+              <a:bevelT w="127000" h="31750" prst="relaxedInset"/>
+              <a:contourClr>
+                <a:schemeClr val="accent1">
+                  <a:shade val="75000"/>
+                </a:schemeClr>
+              </a:contourClr>
+            </a:sp3d>
+          </a:bodyPr>
+          <a:lstStyle/>
+          <a:p>
+            <a:pPr algn="ctr" eaLnBrk="1" fontAlgn="auto" hangingPunct="1">
+              <a:spcAft>
+                <a:spcPts val="0"/>
+              </a:spcAft>
+              <a:defRPr/>
+            </a:pPr>
+            <a:r>
+              <a:rPr lang="pt-BR" sz="6600" b="1" cap="all" dirty="0" smtClean="0">
+                <a:ln w="0"/>
+                <a:solidFill>
+                  <a:schemeClr val="tx2"/>
+                </a:solidFill>
+                <a:effectLst>
+                  <a:reflection blurRad="12700" stA="50000" endPos="50000" dist="5000" dir="5400000" sy="-100000" rotWithShape="0"/>
+                </a:effectLst>
+                <a:latin typeface="Tahoma" pitchFamily="34" charset="0"/>
+                <a:cs typeface="Tahoma" pitchFamily="34" charset="0"/>
+              </a:rPr>
+              <a:t>resultados</a:t>
+            </a:r>
+            <a:endParaRPr lang="pt-BR" sz="6600" b="1" cap="all" spc="0" dirty="0" smtClean="0">
+              <a:ln w="0"/>
+              <a:solidFill>
+                <a:schemeClr val="tx2"/>
+              </a:solidFill>
+              <a:effectLst>
+                <a:reflection blurRad="12700" stA="50000" endPos="50000" dist="5000" dir="5400000" sy="-100000" rotWithShape="0"/>
+              </a:effectLst>
+              <a:latin typeface="Tahoma" pitchFamily="34" charset="0"/>
+              <a:cs typeface="Tahoma" pitchFamily="34" charset="0"/>
+            </a:endParaRPr>
+          </a:p>
+        </p:txBody>
+      </p:sp>
+      <p:pic>
+        <p:nvPicPr>
+          <p:cNvPr id="5" name="Picture 1" descr="C:\Documents and Settings\Mizu\Meus documentos\FEI\TCC\Expocom\logo.png"/>
+          <p:cNvPicPr>
+            <a:picLocks noChangeAspect="1" noChangeArrowheads="1"/>
+          </p:cNvPicPr>
+          <p:nvPr/>
+        </p:nvPicPr>
+        <p:blipFill>
+          <a:blip r:embed="rId2" cstate="print"/>
+          <a:srcRect/>
+          <a:stretch>
+            <a:fillRect/>
+          </a:stretch>
+        </p:blipFill>
+        <p:spPr bwMode="auto">
+          <a:xfrm>
+            <a:off x="7072330" y="214289"/>
+            <a:ext cx="1714512" cy="1293403"/>
+          </a:xfrm>
+          <a:prstGeom prst="rect">
+            <a:avLst/>
+          </a:prstGeom>
+          <a:noFill/>
+        </p:spPr>
+      </p:pic>
+      <p:graphicFrame>
+        <p:nvGraphicFramePr>
+          <p:cNvPr id="6" name="Group 902"/>
+          <p:cNvGraphicFramePr>
+            <a:graphicFrameLocks noGrp="1"/>
+          </p:cNvGraphicFramePr>
+          <p:nvPr/>
+        </p:nvGraphicFramePr>
+        <p:xfrm>
+          <a:off x="785786" y="1928803"/>
+          <a:ext cx="7534301" cy="3830797"/>
+        </p:xfrm>
+        <a:graphic>
+          <a:graphicData uri="http://schemas.openxmlformats.org/drawingml/2006/table">
+            <a:tbl>
+              <a:tblPr/>
+              <a:tblGrid>
+                <a:gridCol w="2836929"/>
+                <a:gridCol w="1356504"/>
+                <a:gridCol w="1414334"/>
+                <a:gridCol w="1026053"/>
+                <a:gridCol w="900481"/>
+              </a:tblGrid>
+              <a:tr h="314860">
+                <a:tc>
+                  <a:txBody>
+                    <a:bodyPr/>
+                    <a:lstStyle/>
+                    <a:p>
+                      <a:pPr marL="68263" marR="0" lvl="0" indent="0" algn="ctr" defTabSz="914400" rtl="0" eaLnBrk="0" fontAlgn="base" latinLnBrk="0" hangingPunct="0">
+                        <a:lnSpc>
+                          <a:spcPct val="100000"/>
+                        </a:lnSpc>
+                        <a:spcBef>
+                          <a:spcPts val="700"/>
+                        </a:spcBef>
+                        <a:spcAft>
+                          <a:spcPct val="0"/>
+                        </a:spcAft>
+                        <a:buClr>
+                          <a:schemeClr val="tx2"/>
+                        </a:buClr>
+                        <a:buSzPct val="95000"/>
+                        <a:buFont typeface="Wingdings" pitchFamily="2" charset="2"/>
+                        <a:buNone/>
+                        <a:tabLst/>
+                      </a:pPr>
+                      <a:r>
+                        <a:rPr kumimoji="0" lang="pt-BR" sz="1400" b="1" i="0" u="none" strike="noStrike" cap="none" normalizeH="0" baseline="0" dirty="0" smtClean="0">
+                          <a:ln>
+                            <a:noFill/>
+                          </a:ln>
+                          <a:solidFill>
+                            <a:schemeClr val="tx1"/>
+                          </a:solidFill>
+                          <a:effectLst/>
+                          <a:latin typeface="Corbel" pitchFamily="34" charset="0"/>
+                        </a:rPr>
+                        <a:t>Vídeo</a:t>
+                      </a:r>
+                    </a:p>
+                  </a:txBody>
+                  <a:tcPr horzOverflow="overflow">
+                    <a:lnL w="28575" cap="flat" cmpd="sng" algn="ctr">
+                      <a:solidFill>
+                        <a:schemeClr val="tx1"/>
+                      </a:solidFill>
+                      <a:prstDash val="solid"/>
+                      <a:round/>
+                      <a:headEnd type="none" w="med" len="med"/>
+                      <a:tailEnd type="none" w="med" len="med"/>
+                    </a:lnL>
+                    <a:lnR w="12700" cap="flat" cmpd="sng" algn="ctr">
+                      <a:solidFill>
+                        <a:schemeClr val="tx1"/>
+                      </a:solidFill>
+                      <a:prstDash val="solid"/>
+                      <a:round/>
+                      <a:headEnd type="none" w="med" len="med"/>
+                      <a:tailEnd type="none" w="med" len="med"/>
+                    </a:lnR>
+                    <a:lnT w="28575" cap="flat" cmpd="sng" algn="ctr">
+                      <a:solidFill>
+                        <a:schemeClr val="tx1"/>
+                      </a:solidFill>
+                      <a:prstDash val="solid"/>
+                      <a:round/>
+                      <a:headEnd type="none" w="med" len="med"/>
+                      <a:tailEnd type="none" w="med" len="med"/>
+                    </a:lnT>
+                    <a:lnB w="12700" cap="flat" cmpd="sng" algn="ctr">
+                      <a:solidFill>
+                        <a:schemeClr val="tx1"/>
+                      </a:solidFill>
+                      <a:prstDash val="solid"/>
+                      <a:round/>
+                      <a:headEnd type="none" w="med" len="med"/>
+                      <a:tailEnd type="none" w="med" len="med"/>
+                    </a:lnB>
+                    <a:lnTlToBr>
+                      <a:noFill/>
+                    </a:lnTlToBr>
+                    <a:lnBlToTr>
+                      <a:noFill/>
+                    </a:lnBlToTr>
+                    <a:noFill/>
+                  </a:tcPr>
+                </a:tc>
+                <a:tc>
+                  <a:txBody>
+                    <a:bodyPr/>
+                    <a:lstStyle/>
+                    <a:p>
+                      <a:pPr marL="68263" marR="0" lvl="0" indent="0" algn="ctr" defTabSz="914400" rtl="0" eaLnBrk="0" fontAlgn="base" latinLnBrk="0" hangingPunct="0">
+                        <a:lnSpc>
+                          <a:spcPct val="100000"/>
+                        </a:lnSpc>
+                        <a:spcBef>
+                          <a:spcPts val="700"/>
+                        </a:spcBef>
+                        <a:spcAft>
+                          <a:spcPct val="0"/>
+                        </a:spcAft>
+                        <a:buClr>
+                          <a:schemeClr val="tx2"/>
+                        </a:buClr>
+                        <a:buSzPct val="95000"/>
+                        <a:buFont typeface="Wingdings" pitchFamily="2" charset="2"/>
+                        <a:buNone/>
+                        <a:tabLst/>
+                      </a:pPr>
+                      <a:r>
+                        <a:rPr kumimoji="0" lang="pt-BR" sz="1400" b="1" i="0" u="none" strike="noStrike" cap="none" normalizeH="0" baseline="0" smtClean="0">
+                          <a:ln>
+                            <a:noFill/>
+                          </a:ln>
+                          <a:solidFill>
+                            <a:schemeClr val="tx1"/>
+                          </a:solidFill>
+                          <a:effectLst/>
+                          <a:latin typeface="Corbel" pitchFamily="34" charset="0"/>
+                        </a:rPr>
+                        <a:t>Batman</a:t>
+                      </a:r>
+                    </a:p>
+                  </a:txBody>
+                  <a:tcPr horzOverflow="overflow">
+                    <a:lnL w="12700" cap="flat" cmpd="sng" algn="ctr">
+                      <a:solidFill>
+                        <a:schemeClr val="tx1"/>
+                      </a:solidFill>
+                      <a:prstDash val="solid"/>
+                      <a:round/>
+                      <a:headEnd type="none" w="med" len="med"/>
+                      <a:tailEnd type="none" w="med" len="med"/>
+                    </a:lnL>
+                    <a:lnR w="12700" cap="flat" cmpd="sng" algn="ctr">
+                      <a:solidFill>
+                        <a:schemeClr val="tx1"/>
+                      </a:solidFill>
+                      <a:prstDash val="solid"/>
+                      <a:round/>
+                      <a:headEnd type="none" w="med" len="med"/>
+                      <a:tailEnd type="none" w="med" len="med"/>
+                    </a:lnR>
+                    <a:lnT w="28575" cap="flat" cmpd="sng" algn="ctr">
+                      <a:solidFill>
+                        <a:schemeClr val="tx1"/>
+                      </a:solidFill>
+                      <a:prstDash val="solid"/>
+                      <a:round/>
+                      <a:headEnd type="none" w="med" len="med"/>
+                      <a:tailEnd type="none" w="med" len="med"/>
+                    </a:lnT>
+                    <a:lnB w="12700" cap="flat" cmpd="sng" algn="ctr">
+                      <a:solidFill>
+                        <a:schemeClr val="tx1"/>
+                      </a:solidFill>
+                      <a:prstDash val="solid"/>
+                      <a:round/>
+                      <a:headEnd type="none" w="med" len="med"/>
+                      <a:tailEnd type="none" w="med" len="med"/>
+                    </a:lnB>
+                    <a:lnTlToBr>
+                      <a:noFill/>
+                    </a:lnTlToBr>
+                    <a:lnBlToTr>
+                      <a:noFill/>
+                    </a:lnBlToTr>
+                    <a:noFill/>
+                  </a:tcPr>
+                </a:tc>
+                <a:tc>
+                  <a:txBody>
+                    <a:bodyPr/>
+                    <a:lstStyle/>
+                    <a:p>
+                      <a:pPr marL="68263" marR="0" lvl="0" indent="0" algn="ctr" defTabSz="914400" rtl="0" eaLnBrk="0" fontAlgn="base" latinLnBrk="0" hangingPunct="0">
+                        <a:lnSpc>
+                          <a:spcPct val="100000"/>
+                        </a:lnSpc>
+                        <a:spcBef>
+                          <a:spcPts val="700"/>
+                        </a:spcBef>
+                        <a:spcAft>
+                          <a:spcPct val="0"/>
+                        </a:spcAft>
+                        <a:buClr>
+                          <a:schemeClr val="tx2"/>
+                        </a:buClr>
+                        <a:buSzPct val="95000"/>
+                        <a:buFont typeface="Wingdings" pitchFamily="2" charset="2"/>
+                        <a:buNone/>
+                        <a:tabLst/>
+                      </a:pPr>
+                      <a:r>
+                        <a:rPr kumimoji="0" lang="pt-BR" sz="1400" b="1" i="0" u="none" strike="noStrike" cap="none" normalizeH="0" baseline="0" smtClean="0">
+                          <a:ln>
+                            <a:noFill/>
+                          </a:ln>
+                          <a:solidFill>
+                            <a:schemeClr val="tx1"/>
+                          </a:solidFill>
+                          <a:effectLst/>
+                          <a:latin typeface="Corbel" pitchFamily="34" charset="0"/>
+                        </a:rPr>
+                        <a:t>IronMan</a:t>
+                      </a:r>
+                    </a:p>
+                  </a:txBody>
+                  <a:tcPr horzOverflow="overflow">
+                    <a:lnL w="12700" cap="flat" cmpd="sng" algn="ctr">
+                      <a:solidFill>
+                        <a:schemeClr val="tx1"/>
+                      </a:solidFill>
+                      <a:prstDash val="solid"/>
+                      <a:round/>
+                      <a:headEnd type="none" w="med" len="med"/>
+                      <a:tailEnd type="none" w="med" len="med"/>
+                    </a:lnL>
+                    <a:lnR w="12700" cap="flat" cmpd="sng" algn="ctr">
+                      <a:solidFill>
+                        <a:schemeClr val="tx1"/>
+                      </a:solidFill>
+                      <a:prstDash val="solid"/>
+                      <a:round/>
+                      <a:headEnd type="none" w="med" len="med"/>
+                      <a:tailEnd type="none" w="med" len="med"/>
+                    </a:lnR>
+                    <a:lnT w="28575" cap="flat" cmpd="sng" algn="ctr">
+                      <a:solidFill>
+                        <a:schemeClr val="tx1"/>
+                      </a:solidFill>
+                      <a:prstDash val="solid"/>
+                      <a:round/>
+                      <a:headEnd type="none" w="med" len="med"/>
+                      <a:tailEnd type="none" w="med" len="med"/>
+                    </a:lnT>
+                    <a:lnB w="12700" cap="flat" cmpd="sng" algn="ctr">
+                      <a:solidFill>
+                        <a:schemeClr val="tx1"/>
+                      </a:solidFill>
+                      <a:prstDash val="solid"/>
+                      <a:round/>
+                      <a:headEnd type="none" w="med" len="med"/>
+                      <a:tailEnd type="none" w="med" len="med"/>
+                    </a:lnB>
+                    <a:lnTlToBr>
+                      <a:noFill/>
+                    </a:lnTlToBr>
+                    <a:lnBlToTr>
+                      <a:noFill/>
+                    </a:lnBlToTr>
+                    <a:noFill/>
+                  </a:tcPr>
+                </a:tc>
+                <a:tc>
+                  <a:txBody>
+                    <a:bodyPr/>
+                    <a:lstStyle/>
+                    <a:p>
+                      <a:pPr marL="68263" marR="0" lvl="0" indent="0" algn="ctr" defTabSz="914400" rtl="0" eaLnBrk="0" fontAlgn="base" latinLnBrk="0" hangingPunct="0">
+                        <a:lnSpc>
+                          <a:spcPct val="100000"/>
+                        </a:lnSpc>
+                        <a:spcBef>
+                          <a:spcPts val="700"/>
+                        </a:spcBef>
+                        <a:spcAft>
+                          <a:spcPct val="0"/>
+                        </a:spcAft>
+                        <a:buClr>
+                          <a:schemeClr val="tx2"/>
+                        </a:buClr>
+                        <a:buSzPct val="95000"/>
+                        <a:buFont typeface="Wingdings" pitchFamily="2" charset="2"/>
+                        <a:buNone/>
+                        <a:tabLst/>
+                      </a:pPr>
+                      <a:r>
+                        <a:rPr kumimoji="0" lang="pt-BR" sz="1400" b="1" i="0" u="none" strike="noStrike" cap="none" normalizeH="0" baseline="0" smtClean="0">
+                          <a:ln>
+                            <a:noFill/>
+                          </a:ln>
+                          <a:solidFill>
+                            <a:schemeClr val="tx1"/>
+                          </a:solidFill>
+                          <a:effectLst/>
+                          <a:latin typeface="Corbel" pitchFamily="34" charset="0"/>
+                        </a:rPr>
+                        <a:t>Teste</a:t>
+                      </a:r>
+                    </a:p>
+                  </a:txBody>
+                  <a:tcPr horzOverflow="overflow">
+                    <a:lnL w="12700" cap="flat" cmpd="sng" algn="ctr">
+                      <a:solidFill>
+                        <a:schemeClr val="tx1"/>
+                      </a:solidFill>
+                      <a:prstDash val="solid"/>
+                      <a:round/>
+                      <a:headEnd type="none" w="med" len="med"/>
+                      <a:tailEnd type="none" w="med" len="med"/>
+                    </a:lnL>
+                    <a:lnR w="12700" cap="flat" cmpd="sng" algn="ctr">
+                      <a:solidFill>
+                        <a:schemeClr val="tx1"/>
+                      </a:solidFill>
+                      <a:prstDash val="solid"/>
+                      <a:round/>
+                      <a:headEnd type="none" w="med" len="med"/>
+                      <a:tailEnd type="none" w="med" len="med"/>
+                    </a:lnR>
+                    <a:lnT w="28575" cap="flat" cmpd="sng" algn="ctr">
+                      <a:solidFill>
+                        <a:schemeClr val="tx1"/>
+                      </a:solidFill>
+                      <a:prstDash val="solid"/>
+                      <a:round/>
+                      <a:headEnd type="none" w="med" len="med"/>
+                      <a:tailEnd type="none" w="med" len="med"/>
+                    </a:lnT>
+                    <a:lnB w="12700" cap="flat" cmpd="sng" algn="ctr">
+                      <a:solidFill>
+                        <a:schemeClr val="tx1"/>
+                      </a:solidFill>
+                      <a:prstDash val="solid"/>
+                      <a:round/>
+                      <a:headEnd type="none" w="med" len="med"/>
+                      <a:tailEnd type="none" w="med" len="med"/>
+                    </a:lnB>
+                    <a:lnTlToBr>
+                      <a:noFill/>
+                    </a:lnTlToBr>
+                    <a:lnBlToTr>
+                      <a:noFill/>
+                    </a:lnBlToTr>
+                    <a:noFill/>
+                  </a:tcPr>
+                </a:tc>
+                <a:tc>
+                  <a:txBody>
+                    <a:bodyPr/>
+                    <a:lstStyle/>
+                    <a:p>
+                      <a:pPr marL="68263" marR="0" lvl="0" indent="0" algn="ctr" defTabSz="914400" rtl="0" eaLnBrk="0" fontAlgn="base" latinLnBrk="0" hangingPunct="0">
+                        <a:lnSpc>
+                          <a:spcPct val="100000"/>
+                        </a:lnSpc>
+                        <a:spcBef>
+                          <a:spcPts val="700"/>
+                        </a:spcBef>
+                        <a:spcAft>
+                          <a:spcPct val="0"/>
+                        </a:spcAft>
+                        <a:buClr>
+                          <a:schemeClr val="tx2"/>
+                        </a:buClr>
+                        <a:buSzPct val="95000"/>
+                        <a:buFont typeface="Wingdings" pitchFamily="2" charset="2"/>
+                        <a:buNone/>
+                        <a:tabLst/>
+                      </a:pPr>
+                      <a:r>
+                        <a:rPr kumimoji="0" lang="pt-BR" sz="1400" b="1" i="0" u="none" strike="noStrike" cap="none" normalizeH="0" baseline="0" smtClean="0">
+                          <a:ln>
+                            <a:noFill/>
+                          </a:ln>
+                          <a:solidFill>
+                            <a:schemeClr val="tx1"/>
+                          </a:solidFill>
+                          <a:effectLst/>
+                          <a:latin typeface="Corbel" pitchFamily="34" charset="0"/>
+                        </a:rPr>
+                        <a:t>Total</a:t>
+                      </a:r>
+                    </a:p>
+                  </a:txBody>
+                  <a:tcPr horzOverflow="overflow">
+                    <a:lnL w="12700" cap="flat" cmpd="sng" algn="ctr">
+                      <a:solidFill>
+                        <a:schemeClr val="tx1"/>
+                      </a:solidFill>
+                      <a:prstDash val="solid"/>
+                      <a:round/>
+                      <a:headEnd type="none" w="med" len="med"/>
+                      <a:tailEnd type="none" w="med" len="med"/>
+                    </a:lnL>
+                    <a:lnR w="28575" cap="flat" cmpd="sng" algn="ctr">
+                      <a:solidFill>
+                        <a:schemeClr val="tx1"/>
+                      </a:solidFill>
+                      <a:prstDash val="solid"/>
+                      <a:round/>
+                      <a:headEnd type="none" w="med" len="med"/>
+                      <a:tailEnd type="none" w="med" len="med"/>
+                    </a:lnR>
+                    <a:lnT w="28575" cap="flat" cmpd="sng" algn="ctr">
+                      <a:solidFill>
+                        <a:schemeClr val="tx1"/>
+                      </a:solidFill>
+                      <a:prstDash val="solid"/>
+                      <a:round/>
+                      <a:headEnd type="none" w="med" len="med"/>
+                      <a:tailEnd type="none" w="med" len="med"/>
+                    </a:lnT>
+                    <a:lnB w="12700" cap="flat" cmpd="sng" algn="ctr">
+                      <a:solidFill>
+                        <a:schemeClr val="tx1"/>
+                      </a:solidFill>
+                      <a:prstDash val="solid"/>
+                      <a:round/>
+                      <a:headEnd type="none" w="med" len="med"/>
+                      <a:tailEnd type="none" w="med" len="med"/>
+                    </a:lnB>
+                    <a:lnTlToBr>
+                      <a:noFill/>
+                    </a:lnTlToBr>
+                    <a:lnBlToTr>
+                      <a:noFill/>
+                    </a:lnBlToTr>
+                    <a:noFill/>
+                  </a:tcPr>
+                </a:tc>
+              </a:tr>
+              <a:tr h="359137">
+                <a:tc>
+                  <a:txBody>
+                    <a:bodyPr/>
+                    <a:lstStyle/>
+                    <a:p>
+                      <a:pPr marL="68263" marR="0" lvl="0" indent="0" algn="ctr" defTabSz="914400" rtl="0" eaLnBrk="0" fontAlgn="base" latinLnBrk="0" hangingPunct="0">
+                        <a:lnSpc>
+                          <a:spcPct val="100000"/>
+                        </a:lnSpc>
+                        <a:spcBef>
+                          <a:spcPts val="700"/>
+                        </a:spcBef>
+                        <a:spcAft>
+                          <a:spcPct val="0"/>
+                        </a:spcAft>
+                        <a:buClr>
+                          <a:schemeClr val="tx2"/>
+                        </a:buClr>
+                        <a:buSzPct val="95000"/>
+                        <a:buFont typeface="Wingdings" pitchFamily="2" charset="2"/>
+                        <a:buNone/>
+                        <a:tabLst/>
+                      </a:pPr>
+                      <a:r>
+                        <a:rPr kumimoji="0" lang="pt-BR" sz="1400" b="0" i="0" u="none" strike="noStrike" cap="none" normalizeH="0" baseline="0" dirty="0" smtClean="0">
+                          <a:ln>
+                            <a:noFill/>
+                          </a:ln>
+                          <a:solidFill>
+                            <a:schemeClr val="tx1"/>
+                          </a:solidFill>
+                          <a:effectLst/>
+                          <a:latin typeface="Corbel" pitchFamily="34" charset="0"/>
+                        </a:rPr>
+                        <a:t>Nº de </a:t>
+                      </a:r>
+                      <a:r>
+                        <a:rPr kumimoji="0" lang="pt-BR" sz="1400" b="1" i="0" u="none" strike="noStrike" cap="none" normalizeH="0" baseline="0" dirty="0" smtClean="0">
+                          <a:ln>
+                            <a:noFill/>
+                          </a:ln>
+                          <a:solidFill>
+                            <a:schemeClr val="tx1"/>
+                          </a:solidFill>
+                          <a:effectLst/>
+                          <a:latin typeface="Corbel" pitchFamily="34" charset="0"/>
+                        </a:rPr>
+                        <a:t>Frames</a:t>
+                      </a:r>
+                    </a:p>
+                  </a:txBody>
+                  <a:tcPr horzOverflow="overflow">
+                    <a:lnL w="28575" cap="flat" cmpd="sng" algn="ctr">
+                      <a:solidFill>
+                        <a:schemeClr val="tx1"/>
+                      </a:solidFill>
+                      <a:prstDash val="solid"/>
+                      <a:round/>
+                      <a:headEnd type="none" w="med" len="med"/>
+                      <a:tailEnd type="none" w="med" len="med"/>
+                    </a:lnL>
+                    <a:lnR w="12700" cap="flat" cmpd="sng" algn="ctr">
+                      <a:solidFill>
+                        <a:schemeClr val="tx1"/>
+                      </a:solidFill>
+                      <a:prstDash val="solid"/>
+                      <a:round/>
+                      <a:headEnd type="none" w="med" len="med"/>
+                      <a:tailEnd type="none" w="med" len="med"/>
+                    </a:lnR>
+                    <a:lnT w="12700" cap="flat" cmpd="sng" algn="ctr">
+                      <a:solidFill>
+                        <a:schemeClr val="tx1"/>
+                      </a:solidFill>
+                      <a:prstDash val="solid"/>
+                      <a:round/>
+                      <a:headEnd type="none" w="med" len="med"/>
+                      <a:tailEnd type="none" w="med" len="med"/>
+                    </a:lnT>
+                    <a:lnB w="12700" cap="flat" cmpd="sng" algn="ctr">
+                      <a:solidFill>
+                        <a:schemeClr val="tx1"/>
+                      </a:solidFill>
+                      <a:prstDash val="solid"/>
+                      <a:round/>
+                      <a:headEnd type="none" w="med" len="med"/>
+                      <a:tailEnd type="none" w="med" len="med"/>
+                    </a:lnB>
+                    <a:lnTlToBr>
+                      <a:noFill/>
+                    </a:lnTlToBr>
+                    <a:lnBlToTr>
+                      <a:noFill/>
+                    </a:lnBlToTr>
+                    <a:noFill/>
+                  </a:tcPr>
+                </a:tc>
+                <a:tc>
+                  <a:txBody>
+                    <a:bodyPr/>
+                    <a:lstStyle/>
+                    <a:p>
+                      <a:pPr marL="68263" marR="0" lvl="0" indent="0" algn="ctr" defTabSz="914400" rtl="0" eaLnBrk="0" fontAlgn="base" latinLnBrk="0" hangingPunct="0">
+                        <a:lnSpc>
+                          <a:spcPct val="100000"/>
+                        </a:lnSpc>
+                        <a:spcBef>
+                          <a:spcPts val="700"/>
+                        </a:spcBef>
+                        <a:spcAft>
+                          <a:spcPct val="0"/>
+                        </a:spcAft>
+                        <a:buClr>
+                          <a:schemeClr val="tx2"/>
+                        </a:buClr>
+                        <a:buSzPct val="95000"/>
+                        <a:buFont typeface="Wingdings" pitchFamily="2" charset="2"/>
+                        <a:buNone/>
+                        <a:tabLst/>
+                      </a:pPr>
+                      <a:r>
+                        <a:rPr kumimoji="0" lang="pt-BR" sz="1400" b="0" i="0" u="none" strike="noStrike" cap="none" normalizeH="0" baseline="0" smtClean="0">
+                          <a:ln>
+                            <a:noFill/>
+                          </a:ln>
+                          <a:solidFill>
+                            <a:schemeClr val="tx1"/>
+                          </a:solidFill>
+                          <a:effectLst/>
+                          <a:latin typeface="Corbel" pitchFamily="34" charset="0"/>
+                        </a:rPr>
+                        <a:t>3859</a:t>
+                      </a:r>
+                    </a:p>
+                  </a:txBody>
+                  <a:tcPr horzOverflow="overflow">
+                    <a:lnL w="12700" cap="flat" cmpd="sng" algn="ctr">
+                      <a:solidFill>
+                        <a:schemeClr val="tx1"/>
+                      </a:solidFill>
+                      <a:prstDash val="solid"/>
+                      <a:round/>
+                      <a:headEnd type="none" w="med" len="med"/>
+                      <a:tailEnd type="none" w="med" len="med"/>
+                    </a:lnL>
+                    <a:lnR w="12700" cap="flat" cmpd="sng" algn="ctr">
+                      <a:solidFill>
+                        <a:schemeClr val="tx1"/>
+                      </a:solidFill>
+                      <a:prstDash val="solid"/>
+                      <a:round/>
+                      <a:headEnd type="none" w="med" len="med"/>
+                      <a:tailEnd type="none" w="med" len="med"/>
+                    </a:lnR>
+                    <a:lnT w="12700" cap="flat" cmpd="sng" algn="ctr">
+                      <a:solidFill>
+                        <a:schemeClr val="tx1"/>
+                      </a:solidFill>
+                      <a:prstDash val="solid"/>
+                      <a:round/>
+                      <a:headEnd type="none" w="med" len="med"/>
+                      <a:tailEnd type="none" w="med" len="med"/>
+                    </a:lnT>
+                    <a:lnB w="12700" cap="flat" cmpd="sng" algn="ctr">
+                      <a:solidFill>
+                        <a:schemeClr val="tx1"/>
+                      </a:solidFill>
+                      <a:prstDash val="solid"/>
+                      <a:round/>
+                      <a:headEnd type="none" w="med" len="med"/>
+                      <a:tailEnd type="none" w="med" len="med"/>
+                    </a:lnB>
+                    <a:lnTlToBr>
+                      <a:noFill/>
+                    </a:lnTlToBr>
+                    <a:lnBlToTr>
+                      <a:noFill/>
+                    </a:lnBlToTr>
+                    <a:noFill/>
+                  </a:tcPr>
+                </a:tc>
+                <a:tc>
+                  <a:txBody>
+                    <a:bodyPr/>
+                    <a:lstStyle/>
+                    <a:p>
+                      <a:pPr marL="68263" marR="0" lvl="0" indent="0" algn="ctr" defTabSz="914400" rtl="0" eaLnBrk="0" fontAlgn="base" latinLnBrk="0" hangingPunct="0">
+                        <a:lnSpc>
+                          <a:spcPct val="100000"/>
+                        </a:lnSpc>
+                        <a:spcBef>
+                          <a:spcPts val="700"/>
+                        </a:spcBef>
+                        <a:spcAft>
+                          <a:spcPct val="0"/>
+                        </a:spcAft>
+                        <a:buClr>
+                          <a:schemeClr val="tx2"/>
+                        </a:buClr>
+                        <a:buSzPct val="95000"/>
+                        <a:buFont typeface="Wingdings" pitchFamily="2" charset="2"/>
+                        <a:buNone/>
+                        <a:tabLst/>
+                      </a:pPr>
+                      <a:r>
+                        <a:rPr kumimoji="0" lang="pt-BR" sz="1400" b="0" i="0" u="none" strike="noStrike" cap="none" normalizeH="0" baseline="0" smtClean="0">
+                          <a:ln>
+                            <a:noFill/>
+                          </a:ln>
+                          <a:solidFill>
+                            <a:schemeClr val="tx1"/>
+                          </a:solidFill>
+                          <a:effectLst/>
+                          <a:latin typeface="Corbel" pitchFamily="34" charset="0"/>
+                        </a:rPr>
+                        <a:t>3580</a:t>
+                      </a:r>
+                    </a:p>
+                  </a:txBody>
+                  <a:tcPr horzOverflow="overflow">
+                    <a:lnL w="12700" cap="flat" cmpd="sng" algn="ctr">
+                      <a:solidFill>
+                        <a:schemeClr val="tx1"/>
+                      </a:solidFill>
+                      <a:prstDash val="solid"/>
+                      <a:round/>
+                      <a:headEnd type="none" w="med" len="med"/>
+                      <a:tailEnd type="none" w="med" len="med"/>
+                    </a:lnL>
+                    <a:lnR w="12700" cap="flat" cmpd="sng" algn="ctr">
+                      <a:solidFill>
+                        <a:schemeClr val="tx1"/>
+                      </a:solidFill>
+                      <a:prstDash val="solid"/>
+                      <a:round/>
+                      <a:headEnd type="none" w="med" len="med"/>
+                      <a:tailEnd type="none" w="med" len="med"/>
+                    </a:lnR>
+                    <a:lnT w="12700" cap="flat" cmpd="sng" algn="ctr">
+                      <a:solidFill>
+                        <a:schemeClr val="tx1"/>
+                      </a:solidFill>
+                      <a:prstDash val="solid"/>
+                      <a:round/>
+                      <a:headEnd type="none" w="med" len="med"/>
+                      <a:tailEnd type="none" w="med" len="med"/>
+                    </a:lnT>
+                    <a:lnB w="12700" cap="flat" cmpd="sng" algn="ctr">
+                      <a:solidFill>
+                        <a:schemeClr val="tx1"/>
+                      </a:solidFill>
+                      <a:prstDash val="solid"/>
+                      <a:round/>
+                      <a:headEnd type="none" w="med" len="med"/>
+                      <a:tailEnd type="none" w="med" len="med"/>
+                    </a:lnB>
+                    <a:lnTlToBr>
+                      <a:noFill/>
+                    </a:lnTlToBr>
+                    <a:lnBlToTr>
+                      <a:noFill/>
+                    </a:lnBlToTr>
+                    <a:noFill/>
+                  </a:tcPr>
+                </a:tc>
+                <a:tc>
+                  <a:txBody>
+                    <a:bodyPr/>
+                    <a:lstStyle/>
+                    <a:p>
+                      <a:pPr marL="68263" marR="0" lvl="0" indent="0" algn="ctr" defTabSz="914400" rtl="0" eaLnBrk="0" fontAlgn="base" latinLnBrk="0" hangingPunct="0">
+                        <a:lnSpc>
+                          <a:spcPct val="100000"/>
+                        </a:lnSpc>
+                        <a:spcBef>
+                          <a:spcPts val="700"/>
+                        </a:spcBef>
+                        <a:spcAft>
+                          <a:spcPct val="0"/>
+                        </a:spcAft>
+                        <a:buClr>
+                          <a:schemeClr val="tx2"/>
+                        </a:buClr>
+                        <a:buSzPct val="95000"/>
+                        <a:buFont typeface="Wingdings" pitchFamily="2" charset="2"/>
+                        <a:buNone/>
+                        <a:tabLst/>
+                      </a:pPr>
+                      <a:r>
+                        <a:rPr kumimoji="0" lang="pt-BR" sz="1400" b="0" i="0" u="none" strike="noStrike" cap="none" normalizeH="0" baseline="0" dirty="0" smtClean="0">
+                          <a:ln>
+                            <a:noFill/>
+                          </a:ln>
+                          <a:solidFill>
+                            <a:schemeClr val="tx1"/>
+                          </a:solidFill>
+                          <a:effectLst/>
+                          <a:latin typeface="Corbel" pitchFamily="34" charset="0"/>
+                        </a:rPr>
+                        <a:t>385</a:t>
+                      </a:r>
+                    </a:p>
+                  </a:txBody>
+                  <a:tcPr horzOverflow="overflow">
+                    <a:lnL w="12700" cap="flat" cmpd="sng" algn="ctr">
+                      <a:solidFill>
+                        <a:schemeClr val="tx1"/>
+                      </a:solidFill>
+                      <a:prstDash val="solid"/>
+                      <a:round/>
+                      <a:headEnd type="none" w="med" len="med"/>
+                      <a:tailEnd type="none" w="med" len="med"/>
+                    </a:lnL>
+                    <a:lnR w="12700" cap="flat" cmpd="sng" algn="ctr">
+                      <a:solidFill>
+                        <a:schemeClr val="tx1"/>
+                      </a:solidFill>
+                      <a:prstDash val="solid"/>
+                      <a:round/>
+                      <a:headEnd type="none" w="med" len="med"/>
+                      <a:tailEnd type="none" w="med" len="med"/>
+                    </a:lnR>
+                    <a:lnT w="12700" cap="flat" cmpd="sng" algn="ctr">
+                      <a:solidFill>
+                        <a:schemeClr val="tx1"/>
+                      </a:solidFill>
+                      <a:prstDash val="solid"/>
+                      <a:round/>
+                      <a:headEnd type="none" w="med" len="med"/>
+                      <a:tailEnd type="none" w="med" len="med"/>
+                    </a:lnT>
+                    <a:lnB w="12700" cap="flat" cmpd="sng" algn="ctr">
+                      <a:solidFill>
+                        <a:schemeClr val="tx1"/>
+                      </a:solidFill>
+                      <a:prstDash val="solid"/>
+                      <a:round/>
+                      <a:headEnd type="none" w="med" len="med"/>
+                      <a:tailEnd type="none" w="med" len="med"/>
+                    </a:lnB>
+                    <a:lnTlToBr>
+                      <a:noFill/>
+                    </a:lnTlToBr>
+                    <a:lnBlToTr>
+                      <a:noFill/>
+                    </a:lnBlToTr>
+                    <a:noFill/>
+                  </a:tcPr>
+                </a:tc>
+                <a:tc>
+                  <a:txBody>
+                    <a:bodyPr/>
+                    <a:lstStyle/>
+                    <a:p>
+                      <a:pPr marL="68263" marR="0" lvl="0" indent="0" algn="ctr" defTabSz="914400" rtl="0" eaLnBrk="0" fontAlgn="base" latinLnBrk="0" hangingPunct="0">
+                        <a:lnSpc>
+                          <a:spcPct val="100000"/>
+                        </a:lnSpc>
+                        <a:spcBef>
+                          <a:spcPts val="700"/>
+                        </a:spcBef>
+                        <a:spcAft>
+                          <a:spcPct val="0"/>
+                        </a:spcAft>
+                        <a:buClr>
+                          <a:schemeClr val="tx2"/>
+                        </a:buClr>
+                        <a:buSzPct val="95000"/>
+                        <a:buFont typeface="Wingdings" pitchFamily="2" charset="2"/>
+                        <a:buNone/>
+                        <a:tabLst/>
+                      </a:pPr>
+                      <a:r>
+                        <a:rPr kumimoji="0" lang="pt-BR" sz="1400" b="1" i="0" u="none" strike="noStrike" cap="none" normalizeH="0" baseline="0" smtClean="0">
+                          <a:ln>
+                            <a:noFill/>
+                          </a:ln>
+                          <a:solidFill>
+                            <a:schemeClr val="tx1"/>
+                          </a:solidFill>
+                          <a:effectLst/>
+                          <a:latin typeface="Corbel" pitchFamily="34" charset="0"/>
+                        </a:rPr>
+                        <a:t>7824</a:t>
+                      </a:r>
+                    </a:p>
+                  </a:txBody>
+                  <a:tcPr horzOverflow="overflow">
+                    <a:lnL w="12700" cap="flat" cmpd="sng" algn="ctr">
+                      <a:solidFill>
+                        <a:schemeClr val="tx1"/>
+                      </a:solidFill>
+                      <a:prstDash val="solid"/>
+                      <a:round/>
+                      <a:headEnd type="none" w="med" len="med"/>
+                      <a:tailEnd type="none" w="med" len="med"/>
+                    </a:lnL>
+                    <a:lnR w="28575" cap="flat" cmpd="sng" algn="ctr">
+                      <a:solidFill>
+                        <a:schemeClr val="tx1"/>
+                      </a:solidFill>
+                      <a:prstDash val="solid"/>
+                      <a:round/>
+                      <a:headEnd type="none" w="med" len="med"/>
+                      <a:tailEnd type="none" w="med" len="med"/>
+                    </a:lnR>
+                    <a:lnT w="12700" cap="flat" cmpd="sng" algn="ctr">
+                      <a:solidFill>
+                        <a:schemeClr val="tx1"/>
+                      </a:solidFill>
+                      <a:prstDash val="solid"/>
+                      <a:round/>
+                      <a:headEnd type="none" w="med" len="med"/>
+                      <a:tailEnd type="none" w="med" len="med"/>
+                    </a:lnT>
+                    <a:lnB w="12700" cap="flat" cmpd="sng" algn="ctr">
+                      <a:solidFill>
+                        <a:schemeClr val="tx1"/>
+                      </a:solidFill>
+                      <a:prstDash val="solid"/>
+                      <a:round/>
+                      <a:headEnd type="none" w="med" len="med"/>
+                      <a:tailEnd type="none" w="med" len="med"/>
+                    </a:lnB>
+                    <a:lnTlToBr>
+                      <a:noFill/>
+                    </a:lnTlToBr>
+                    <a:lnBlToTr>
+                      <a:noFill/>
+                    </a:lnBlToTr>
+                    <a:noFill/>
+                  </a:tcPr>
+                </a:tc>
+              </a:tr>
+              <a:tr h="359137">
+                <a:tc>
+                  <a:txBody>
+                    <a:bodyPr/>
+                    <a:lstStyle/>
+                    <a:p>
+                      <a:pPr marL="68263" marR="0" lvl="0" indent="0" algn="ctr" defTabSz="914400" rtl="0" eaLnBrk="0" fontAlgn="base" latinLnBrk="0" hangingPunct="0">
+                        <a:lnSpc>
+                          <a:spcPct val="100000"/>
+                        </a:lnSpc>
+                        <a:spcBef>
+                          <a:spcPts val="700"/>
+                        </a:spcBef>
+                        <a:spcAft>
+                          <a:spcPct val="0"/>
+                        </a:spcAft>
+                        <a:buClr>
+                          <a:schemeClr val="tx2"/>
+                        </a:buClr>
+                        <a:buSzPct val="95000"/>
+                        <a:buFont typeface="Wingdings" pitchFamily="2" charset="2"/>
+                        <a:buNone/>
+                        <a:tabLst/>
+                      </a:pPr>
+                      <a:r>
+                        <a:rPr kumimoji="0" lang="pt-BR" sz="1400" b="0" i="0" u="none" strike="noStrike" cap="none" normalizeH="0" baseline="0" smtClean="0">
+                          <a:ln>
+                            <a:noFill/>
+                          </a:ln>
+                          <a:solidFill>
+                            <a:schemeClr val="tx1"/>
+                          </a:solidFill>
+                          <a:effectLst/>
+                          <a:latin typeface="Corbel" pitchFamily="34" charset="0"/>
+                        </a:rPr>
+                        <a:t>Nº de </a:t>
+                      </a:r>
+                      <a:r>
+                        <a:rPr kumimoji="0" lang="pt-BR" sz="1400" b="1" i="0" u="none" strike="noStrike" cap="none" normalizeH="0" baseline="0" smtClean="0">
+                          <a:ln>
+                            <a:noFill/>
+                          </a:ln>
+                          <a:solidFill>
+                            <a:schemeClr val="tx1"/>
+                          </a:solidFill>
+                          <a:effectLst/>
+                          <a:latin typeface="Corbel" pitchFamily="34" charset="0"/>
+                        </a:rPr>
+                        <a:t>Cortes</a:t>
+                      </a:r>
+                    </a:p>
+                  </a:txBody>
+                  <a:tcPr horzOverflow="overflow">
+                    <a:lnL w="28575" cap="flat" cmpd="sng" algn="ctr">
+                      <a:solidFill>
+                        <a:schemeClr val="tx1"/>
+                      </a:solidFill>
+                      <a:prstDash val="solid"/>
+                      <a:round/>
+                      <a:headEnd type="none" w="med" len="med"/>
+                      <a:tailEnd type="none" w="med" len="med"/>
+                    </a:lnL>
+                    <a:lnR w="12700" cap="flat" cmpd="sng" algn="ctr">
+                      <a:solidFill>
+                        <a:schemeClr val="tx1"/>
+                      </a:solidFill>
+                      <a:prstDash val="solid"/>
+                      <a:round/>
+                      <a:headEnd type="none" w="med" len="med"/>
+                      <a:tailEnd type="none" w="med" len="med"/>
+                    </a:lnR>
+                    <a:lnT w="12700" cap="flat" cmpd="sng" algn="ctr">
+                      <a:solidFill>
+                        <a:schemeClr val="tx1"/>
+                      </a:solidFill>
+                      <a:prstDash val="solid"/>
+                      <a:round/>
+                      <a:headEnd type="none" w="med" len="med"/>
+                      <a:tailEnd type="none" w="med" len="med"/>
+                    </a:lnT>
+                    <a:lnB w="12700" cap="flat" cmpd="sng" algn="ctr">
+                      <a:solidFill>
+                        <a:schemeClr val="tx1"/>
+                      </a:solidFill>
+                      <a:prstDash val="solid"/>
+                      <a:round/>
+                      <a:headEnd type="none" w="med" len="med"/>
+                      <a:tailEnd type="none" w="med" len="med"/>
+                    </a:lnB>
+                    <a:lnTlToBr>
+                      <a:noFill/>
+                    </a:lnTlToBr>
+                    <a:lnBlToTr>
+                      <a:noFill/>
+                    </a:lnBlToTr>
+                    <a:noFill/>
+                  </a:tcPr>
+                </a:tc>
+                <a:tc>
+                  <a:txBody>
+                    <a:bodyPr/>
+                    <a:lstStyle/>
+                    <a:p>
+                      <a:pPr marL="68263" marR="0" lvl="0" indent="0" algn="ctr" defTabSz="914400" rtl="0" eaLnBrk="0" fontAlgn="base" latinLnBrk="0" hangingPunct="0">
+                        <a:lnSpc>
+                          <a:spcPct val="100000"/>
+                        </a:lnSpc>
+                        <a:spcBef>
+                          <a:spcPts val="700"/>
+                        </a:spcBef>
+                        <a:spcAft>
+                          <a:spcPct val="0"/>
+                        </a:spcAft>
+                        <a:buClr>
+                          <a:schemeClr val="tx2"/>
+                        </a:buClr>
+                        <a:buSzPct val="95000"/>
+                        <a:buFont typeface="Wingdings" pitchFamily="2" charset="2"/>
+                        <a:buNone/>
+                        <a:tabLst/>
+                      </a:pPr>
+                      <a:r>
+                        <a:rPr kumimoji="0" lang="pt-BR" sz="1400" b="0" i="0" u="none" strike="noStrike" cap="none" normalizeH="0" baseline="0" smtClean="0">
+                          <a:ln>
+                            <a:noFill/>
+                          </a:ln>
+                          <a:solidFill>
+                            <a:schemeClr val="tx1"/>
+                          </a:solidFill>
+                          <a:effectLst/>
+                          <a:latin typeface="Corbel" pitchFamily="34" charset="0"/>
+                        </a:rPr>
+                        <a:t>48</a:t>
+                      </a:r>
+                    </a:p>
+                  </a:txBody>
+                  <a:tcPr horzOverflow="overflow">
+                    <a:lnL w="12700" cap="flat" cmpd="sng" algn="ctr">
+                      <a:solidFill>
+                        <a:schemeClr val="tx1"/>
+                      </a:solidFill>
+                      <a:prstDash val="solid"/>
+                      <a:round/>
+                      <a:headEnd type="none" w="med" len="med"/>
+                      <a:tailEnd type="none" w="med" len="med"/>
+                    </a:lnL>
+                    <a:lnR w="12700" cap="flat" cmpd="sng" algn="ctr">
+                      <a:solidFill>
+                        <a:schemeClr val="tx1"/>
+                      </a:solidFill>
+                      <a:prstDash val="solid"/>
+                      <a:round/>
+                      <a:headEnd type="none" w="med" len="med"/>
+                      <a:tailEnd type="none" w="med" len="med"/>
+                    </a:lnR>
+                    <a:lnT w="12700" cap="flat" cmpd="sng" algn="ctr">
+                      <a:solidFill>
+                        <a:schemeClr val="tx1"/>
+                      </a:solidFill>
+                      <a:prstDash val="solid"/>
+                      <a:round/>
+                      <a:headEnd type="none" w="med" len="med"/>
+                      <a:tailEnd type="none" w="med" len="med"/>
+                    </a:lnT>
+                    <a:lnB w="12700" cap="flat" cmpd="sng" algn="ctr">
+                      <a:solidFill>
+                        <a:schemeClr val="tx1"/>
+                      </a:solidFill>
+                      <a:prstDash val="solid"/>
+                      <a:round/>
+                      <a:headEnd type="none" w="med" len="med"/>
+                      <a:tailEnd type="none" w="med" len="med"/>
+                    </a:lnB>
+                    <a:lnTlToBr>
+                      <a:noFill/>
+                    </a:lnTlToBr>
+                    <a:lnBlToTr>
+                      <a:noFill/>
+                    </a:lnBlToTr>
+                    <a:noFill/>
+                  </a:tcPr>
+                </a:tc>
+                <a:tc>
+                  <a:txBody>
+                    <a:bodyPr/>
+                    <a:lstStyle/>
+                    <a:p>
+                      <a:pPr marL="68263" marR="0" lvl="0" indent="0" algn="ctr" defTabSz="914400" rtl="0" eaLnBrk="0" fontAlgn="base" latinLnBrk="0" hangingPunct="0">
+                        <a:lnSpc>
+                          <a:spcPct val="100000"/>
+                        </a:lnSpc>
+                        <a:spcBef>
+                          <a:spcPts val="700"/>
+                        </a:spcBef>
+                        <a:spcAft>
+                          <a:spcPct val="0"/>
+                        </a:spcAft>
+                        <a:buClr>
+                          <a:schemeClr val="tx2"/>
+                        </a:buClr>
+                        <a:buSzPct val="95000"/>
+                        <a:buFont typeface="Wingdings" pitchFamily="2" charset="2"/>
+                        <a:buNone/>
+                        <a:tabLst/>
+                      </a:pPr>
+                      <a:r>
+                        <a:rPr kumimoji="0" lang="pt-BR" sz="1400" b="0" i="0" u="none" strike="noStrike" cap="none" normalizeH="0" baseline="0" dirty="0" smtClean="0">
+                          <a:ln>
+                            <a:noFill/>
+                          </a:ln>
+                          <a:solidFill>
+                            <a:schemeClr val="tx1"/>
+                          </a:solidFill>
+                          <a:effectLst/>
+                          <a:latin typeface="Corbel" pitchFamily="34" charset="0"/>
+                        </a:rPr>
+                        <a:t>107</a:t>
+                      </a:r>
+                    </a:p>
+                  </a:txBody>
+                  <a:tcPr horzOverflow="overflow">
+                    <a:lnL w="12700" cap="flat" cmpd="sng" algn="ctr">
+                      <a:solidFill>
+                        <a:schemeClr val="tx1"/>
+                      </a:solidFill>
+                      <a:prstDash val="solid"/>
+                      <a:round/>
+                      <a:headEnd type="none" w="med" len="med"/>
+                      <a:tailEnd type="none" w="med" len="med"/>
+                    </a:lnL>
+                    <a:lnR w="12700" cap="flat" cmpd="sng" algn="ctr">
+                      <a:solidFill>
+                        <a:schemeClr val="tx1"/>
+                      </a:solidFill>
+                      <a:prstDash val="solid"/>
+                      <a:round/>
+                      <a:headEnd type="none" w="med" len="med"/>
+                      <a:tailEnd type="none" w="med" len="med"/>
+                    </a:lnR>
+                    <a:lnT w="12700" cap="flat" cmpd="sng" algn="ctr">
+                      <a:solidFill>
+                        <a:schemeClr val="tx1"/>
+                      </a:solidFill>
+                      <a:prstDash val="solid"/>
+                      <a:round/>
+                      <a:headEnd type="none" w="med" len="med"/>
+                      <a:tailEnd type="none" w="med" len="med"/>
+                    </a:lnT>
+                    <a:lnB w="12700" cap="flat" cmpd="sng" algn="ctr">
+                      <a:solidFill>
+                        <a:schemeClr val="tx1"/>
+                      </a:solidFill>
+                      <a:prstDash val="solid"/>
+                      <a:round/>
+                      <a:headEnd type="none" w="med" len="med"/>
+                      <a:tailEnd type="none" w="med" len="med"/>
+                    </a:lnB>
+                    <a:lnTlToBr>
+                      <a:noFill/>
+                    </a:lnTlToBr>
+                    <a:lnBlToTr>
+                      <a:noFill/>
+                    </a:lnBlToTr>
+                    <a:noFill/>
+                  </a:tcPr>
+                </a:tc>
+                <a:tc>
+                  <a:txBody>
+                    <a:bodyPr/>
+                    <a:lstStyle/>
+                    <a:p>
+                      <a:pPr marL="68263" marR="0" lvl="0" indent="0" algn="ctr" defTabSz="914400" rtl="0" eaLnBrk="0" fontAlgn="base" latinLnBrk="0" hangingPunct="0">
+                        <a:lnSpc>
+                          <a:spcPct val="100000"/>
+                        </a:lnSpc>
+                        <a:spcBef>
+                          <a:spcPts val="700"/>
+                        </a:spcBef>
+                        <a:spcAft>
+                          <a:spcPct val="0"/>
+                        </a:spcAft>
+                        <a:buClr>
+                          <a:schemeClr val="tx2"/>
+                        </a:buClr>
+                        <a:buSzPct val="95000"/>
+                        <a:buFont typeface="Wingdings" pitchFamily="2" charset="2"/>
+                        <a:buNone/>
+                        <a:tabLst/>
+                      </a:pPr>
+                      <a:r>
+                        <a:rPr kumimoji="0" lang="pt-BR" sz="1400" b="0" i="0" u="none" strike="noStrike" cap="none" normalizeH="0" baseline="0" smtClean="0">
+                          <a:ln>
+                            <a:noFill/>
+                          </a:ln>
+                          <a:solidFill>
+                            <a:schemeClr val="tx1"/>
+                          </a:solidFill>
+                          <a:effectLst/>
+                          <a:latin typeface="Corbel" pitchFamily="34" charset="0"/>
+                        </a:rPr>
+                        <a:t>2</a:t>
+                      </a:r>
+                    </a:p>
+                  </a:txBody>
+                  <a:tcPr horzOverflow="overflow">
+                    <a:lnL w="12700" cap="flat" cmpd="sng" algn="ctr">
+                      <a:solidFill>
+                        <a:schemeClr val="tx1"/>
+                      </a:solidFill>
+                      <a:prstDash val="solid"/>
+                      <a:round/>
+                      <a:headEnd type="none" w="med" len="med"/>
+                      <a:tailEnd type="none" w="med" len="med"/>
+                    </a:lnL>
+                    <a:lnR w="12700" cap="flat" cmpd="sng" algn="ctr">
+                      <a:solidFill>
+                        <a:schemeClr val="tx1"/>
+                      </a:solidFill>
+                      <a:prstDash val="solid"/>
+                      <a:round/>
+                      <a:headEnd type="none" w="med" len="med"/>
+                      <a:tailEnd type="none" w="med" len="med"/>
+                    </a:lnR>
+                    <a:lnT w="12700" cap="flat" cmpd="sng" algn="ctr">
+                      <a:solidFill>
+                        <a:schemeClr val="tx1"/>
+                      </a:solidFill>
+                      <a:prstDash val="solid"/>
+                      <a:round/>
+                      <a:headEnd type="none" w="med" len="med"/>
+                      <a:tailEnd type="none" w="med" len="med"/>
+                    </a:lnT>
+                    <a:lnB w="12700" cap="flat" cmpd="sng" algn="ctr">
+                      <a:solidFill>
+                        <a:schemeClr val="tx1"/>
+                      </a:solidFill>
+                      <a:prstDash val="solid"/>
+                      <a:round/>
+                      <a:headEnd type="none" w="med" len="med"/>
+                      <a:tailEnd type="none" w="med" len="med"/>
+                    </a:lnB>
+                    <a:lnTlToBr>
+                      <a:noFill/>
+                    </a:lnTlToBr>
+                    <a:lnBlToTr>
+                      <a:noFill/>
+                    </a:lnBlToTr>
+                    <a:noFill/>
+                  </a:tcPr>
+                </a:tc>
+                <a:tc>
+                  <a:txBody>
+                    <a:bodyPr/>
+                    <a:lstStyle/>
+                    <a:p>
+                      <a:pPr marL="68263" marR="0" lvl="0" indent="0" algn="ctr" defTabSz="914400" rtl="0" eaLnBrk="0" fontAlgn="base" latinLnBrk="0" hangingPunct="0">
+                        <a:lnSpc>
+                          <a:spcPct val="100000"/>
+                        </a:lnSpc>
+                        <a:spcBef>
+                          <a:spcPts val="700"/>
+                        </a:spcBef>
+                        <a:spcAft>
+                          <a:spcPct val="0"/>
+                        </a:spcAft>
+                        <a:buClr>
+                          <a:schemeClr val="tx2"/>
+                        </a:buClr>
+                        <a:buSzPct val="95000"/>
+                        <a:buFont typeface="Wingdings" pitchFamily="2" charset="2"/>
+                        <a:buNone/>
+                        <a:tabLst/>
+                      </a:pPr>
+                      <a:r>
+                        <a:rPr kumimoji="0" lang="pt-BR" sz="1400" b="1" i="0" u="none" strike="noStrike" cap="none" normalizeH="0" baseline="0" dirty="0" smtClean="0">
+                          <a:ln>
+                            <a:noFill/>
+                          </a:ln>
+                          <a:solidFill>
+                            <a:schemeClr val="tx1"/>
+                          </a:solidFill>
+                          <a:effectLst/>
+                          <a:latin typeface="Corbel" pitchFamily="34" charset="0"/>
+                        </a:rPr>
+                        <a:t>157</a:t>
+                      </a:r>
+                    </a:p>
+                  </a:txBody>
+                  <a:tcPr horzOverflow="overflow">
+                    <a:lnL w="12700" cap="flat" cmpd="sng" algn="ctr">
+                      <a:solidFill>
+                        <a:schemeClr val="tx1"/>
+                      </a:solidFill>
+                      <a:prstDash val="solid"/>
+                      <a:round/>
+                      <a:headEnd type="none" w="med" len="med"/>
+                      <a:tailEnd type="none" w="med" len="med"/>
+                    </a:lnL>
+                    <a:lnR w="28575" cap="flat" cmpd="sng" algn="ctr">
+                      <a:solidFill>
+                        <a:schemeClr val="tx1"/>
+                      </a:solidFill>
+                      <a:prstDash val="solid"/>
+                      <a:round/>
+                      <a:headEnd type="none" w="med" len="med"/>
+                      <a:tailEnd type="none" w="med" len="med"/>
+                    </a:lnR>
+                    <a:lnT w="12700" cap="flat" cmpd="sng" algn="ctr">
+                      <a:solidFill>
+                        <a:schemeClr val="tx1"/>
+                      </a:solidFill>
+                      <a:prstDash val="solid"/>
+                      <a:round/>
+                      <a:headEnd type="none" w="med" len="med"/>
+                      <a:tailEnd type="none" w="med" len="med"/>
+                    </a:lnT>
+                    <a:lnB w="12700" cap="flat" cmpd="sng" algn="ctr">
+                      <a:solidFill>
+                        <a:schemeClr val="tx1"/>
+                      </a:solidFill>
+                      <a:prstDash val="solid"/>
+                      <a:round/>
+                      <a:headEnd type="none" w="med" len="med"/>
+                      <a:tailEnd type="none" w="med" len="med"/>
+                    </a:lnB>
+                    <a:lnTlToBr>
+                      <a:noFill/>
+                    </a:lnTlToBr>
+                    <a:lnBlToTr>
+                      <a:noFill/>
+                    </a:lnBlToTr>
+                    <a:noFill/>
+                  </a:tcPr>
+                </a:tc>
+              </a:tr>
+              <a:tr h="359137">
+                <a:tc>
+                  <a:txBody>
+                    <a:bodyPr/>
+                    <a:lstStyle/>
+                    <a:p>
+                      <a:pPr marL="68263" marR="0" lvl="0" indent="0" algn="ctr" defTabSz="914400" rtl="0" eaLnBrk="0" fontAlgn="base" latinLnBrk="0" hangingPunct="0">
+                        <a:lnSpc>
+                          <a:spcPct val="100000"/>
+                        </a:lnSpc>
+                        <a:spcBef>
+                          <a:spcPts val="700"/>
+                        </a:spcBef>
+                        <a:spcAft>
+                          <a:spcPct val="0"/>
+                        </a:spcAft>
+                        <a:buClr>
+                          <a:schemeClr val="tx2"/>
+                        </a:buClr>
+                        <a:buSzPct val="95000"/>
+                        <a:buFont typeface="Wingdings" pitchFamily="2" charset="2"/>
+                        <a:buNone/>
+                        <a:tabLst/>
+                      </a:pPr>
+                      <a:r>
+                        <a:rPr kumimoji="0" lang="pt-BR" sz="1400" b="0" i="0" u="none" strike="noStrike" cap="none" normalizeH="0" baseline="0" smtClean="0">
+                          <a:ln>
+                            <a:noFill/>
+                          </a:ln>
+                          <a:solidFill>
+                            <a:schemeClr val="tx1"/>
+                          </a:solidFill>
+                          <a:effectLst/>
+                          <a:latin typeface="Corbel" pitchFamily="34" charset="0"/>
+                        </a:rPr>
+                        <a:t>Nº de </a:t>
+                      </a:r>
+                      <a:r>
+                        <a:rPr kumimoji="0" lang="pt-BR" sz="1400" b="1" i="1" u="none" strike="noStrike" cap="none" normalizeH="0" baseline="0" smtClean="0">
+                          <a:ln>
+                            <a:noFill/>
+                          </a:ln>
+                          <a:solidFill>
+                            <a:schemeClr val="tx1"/>
+                          </a:solidFill>
+                          <a:effectLst/>
+                          <a:latin typeface="Corbel" pitchFamily="34" charset="0"/>
+                        </a:rPr>
+                        <a:t>Fades</a:t>
+                      </a:r>
+                    </a:p>
+                  </a:txBody>
+                  <a:tcPr horzOverflow="overflow">
+                    <a:lnL w="28575" cap="flat" cmpd="sng" algn="ctr">
+                      <a:solidFill>
+                        <a:schemeClr val="tx1"/>
+                      </a:solidFill>
+                      <a:prstDash val="solid"/>
+                      <a:round/>
+                      <a:headEnd type="none" w="med" len="med"/>
+                      <a:tailEnd type="none" w="med" len="med"/>
+                    </a:lnL>
+                    <a:lnR w="12700" cap="flat" cmpd="sng" algn="ctr">
+                      <a:solidFill>
+                        <a:schemeClr val="tx1"/>
+                      </a:solidFill>
+                      <a:prstDash val="solid"/>
+                      <a:round/>
+                      <a:headEnd type="none" w="med" len="med"/>
+                      <a:tailEnd type="none" w="med" len="med"/>
+                    </a:lnR>
+                    <a:lnT w="12700" cap="flat" cmpd="sng" algn="ctr">
+                      <a:solidFill>
+                        <a:schemeClr val="tx1"/>
+                      </a:solidFill>
+                      <a:prstDash val="solid"/>
+                      <a:round/>
+                      <a:headEnd type="none" w="med" len="med"/>
+                      <a:tailEnd type="none" w="med" len="med"/>
+                    </a:lnT>
+                    <a:lnB w="12700" cap="flat" cmpd="sng" algn="ctr">
+                      <a:solidFill>
+                        <a:schemeClr val="tx1"/>
+                      </a:solidFill>
+                      <a:prstDash val="solid"/>
+                      <a:round/>
+                      <a:headEnd type="none" w="med" len="med"/>
+                      <a:tailEnd type="none" w="med" len="med"/>
+                    </a:lnB>
+                    <a:lnTlToBr>
+                      <a:noFill/>
+                    </a:lnTlToBr>
+                    <a:lnBlToTr>
+                      <a:noFill/>
+                    </a:lnBlToTr>
+                    <a:noFill/>
+                  </a:tcPr>
+                </a:tc>
+                <a:tc>
+                  <a:txBody>
+                    <a:bodyPr/>
+                    <a:lstStyle/>
+                    <a:p>
+                      <a:pPr marL="68263" marR="0" lvl="0" indent="0" algn="ctr" defTabSz="914400" rtl="0" eaLnBrk="0" fontAlgn="base" latinLnBrk="0" hangingPunct="0">
+                        <a:lnSpc>
+                          <a:spcPct val="100000"/>
+                        </a:lnSpc>
+                        <a:spcBef>
+                          <a:spcPts val="700"/>
+                        </a:spcBef>
+                        <a:spcAft>
+                          <a:spcPct val="0"/>
+                        </a:spcAft>
+                        <a:buClr>
+                          <a:schemeClr val="tx2"/>
+                        </a:buClr>
+                        <a:buSzPct val="95000"/>
+                        <a:buFont typeface="Wingdings" pitchFamily="2" charset="2"/>
+                        <a:buNone/>
+                        <a:tabLst/>
+                      </a:pPr>
+                      <a:r>
+                        <a:rPr kumimoji="0" lang="pt-BR" sz="1400" b="0" i="0" u="none" strike="noStrike" cap="none" normalizeH="0" baseline="0" smtClean="0">
+                          <a:ln>
+                            <a:noFill/>
+                          </a:ln>
+                          <a:solidFill>
+                            <a:schemeClr val="tx1"/>
+                          </a:solidFill>
+                          <a:effectLst/>
+                          <a:latin typeface="Corbel" pitchFamily="34" charset="0"/>
+                        </a:rPr>
+                        <a:t>20</a:t>
+                      </a:r>
+                    </a:p>
+                  </a:txBody>
+                  <a:tcPr horzOverflow="overflow">
+                    <a:lnL w="12700" cap="flat" cmpd="sng" algn="ctr">
+                      <a:solidFill>
+                        <a:schemeClr val="tx1"/>
+                      </a:solidFill>
+                      <a:prstDash val="solid"/>
+                      <a:round/>
+                      <a:headEnd type="none" w="med" len="med"/>
+                      <a:tailEnd type="none" w="med" len="med"/>
+                    </a:lnL>
+                    <a:lnR w="12700" cap="flat" cmpd="sng" algn="ctr">
+                      <a:solidFill>
+                        <a:schemeClr val="tx1"/>
+                      </a:solidFill>
+                      <a:prstDash val="solid"/>
+                      <a:round/>
+                      <a:headEnd type="none" w="med" len="med"/>
+                      <a:tailEnd type="none" w="med" len="med"/>
+                    </a:lnR>
+                    <a:lnT w="12700" cap="flat" cmpd="sng" algn="ctr">
+                      <a:solidFill>
+                        <a:schemeClr val="tx1"/>
+                      </a:solidFill>
+                      <a:prstDash val="solid"/>
+                      <a:round/>
+                      <a:headEnd type="none" w="med" len="med"/>
+                      <a:tailEnd type="none" w="med" len="med"/>
+                    </a:lnT>
+                    <a:lnB w="12700" cap="flat" cmpd="sng" algn="ctr">
+                      <a:solidFill>
+                        <a:schemeClr val="tx1"/>
+                      </a:solidFill>
+                      <a:prstDash val="solid"/>
+                      <a:round/>
+                      <a:headEnd type="none" w="med" len="med"/>
+                      <a:tailEnd type="none" w="med" len="med"/>
+                    </a:lnB>
+                    <a:lnTlToBr>
+                      <a:noFill/>
+                    </a:lnTlToBr>
+                    <a:lnBlToTr>
+                      <a:noFill/>
+                    </a:lnBlToTr>
+                    <a:noFill/>
+                  </a:tcPr>
+                </a:tc>
+                <a:tc>
+                  <a:txBody>
+                    <a:bodyPr/>
+                    <a:lstStyle/>
+                    <a:p>
+                      <a:pPr marL="68263" marR="0" lvl="0" indent="0" algn="ctr" defTabSz="914400" rtl="0" eaLnBrk="0" fontAlgn="base" latinLnBrk="0" hangingPunct="0">
+                        <a:lnSpc>
+                          <a:spcPct val="100000"/>
+                        </a:lnSpc>
+                        <a:spcBef>
+                          <a:spcPts val="700"/>
+                        </a:spcBef>
+                        <a:spcAft>
+                          <a:spcPct val="0"/>
+                        </a:spcAft>
+                        <a:buClr>
+                          <a:schemeClr val="tx2"/>
+                        </a:buClr>
+                        <a:buSzPct val="95000"/>
+                        <a:buFont typeface="Wingdings" pitchFamily="2" charset="2"/>
+                        <a:buNone/>
+                        <a:tabLst/>
+                      </a:pPr>
+                      <a:r>
+                        <a:rPr kumimoji="0" lang="pt-BR" sz="1400" b="0" i="0" u="none" strike="noStrike" cap="none" normalizeH="0" baseline="0" smtClean="0">
+                          <a:ln>
+                            <a:noFill/>
+                          </a:ln>
+                          <a:solidFill>
+                            <a:schemeClr val="tx1"/>
+                          </a:solidFill>
+                          <a:effectLst/>
+                          <a:latin typeface="Corbel" pitchFamily="34" charset="0"/>
+                        </a:rPr>
+                        <a:t>21</a:t>
+                      </a:r>
+                    </a:p>
+                  </a:txBody>
+                  <a:tcPr horzOverflow="overflow">
+                    <a:lnL w="12700" cap="flat" cmpd="sng" algn="ctr">
+                      <a:solidFill>
+                        <a:schemeClr val="tx1"/>
+                      </a:solidFill>
+                      <a:prstDash val="solid"/>
+                      <a:round/>
+                      <a:headEnd type="none" w="med" len="med"/>
+                      <a:tailEnd type="none" w="med" len="med"/>
+                    </a:lnL>
+                    <a:lnR w="12700" cap="flat" cmpd="sng" algn="ctr">
+                      <a:solidFill>
+                        <a:schemeClr val="tx1"/>
+                      </a:solidFill>
+                      <a:prstDash val="solid"/>
+                      <a:round/>
+                      <a:headEnd type="none" w="med" len="med"/>
+                      <a:tailEnd type="none" w="med" len="med"/>
+                    </a:lnR>
+                    <a:lnT w="12700" cap="flat" cmpd="sng" algn="ctr">
+                      <a:solidFill>
+                        <a:schemeClr val="tx1"/>
+                      </a:solidFill>
+                      <a:prstDash val="solid"/>
+                      <a:round/>
+                      <a:headEnd type="none" w="med" len="med"/>
+                      <a:tailEnd type="none" w="med" len="med"/>
+                    </a:lnT>
+                    <a:lnB w="12700" cap="flat" cmpd="sng" algn="ctr">
+                      <a:solidFill>
+                        <a:schemeClr val="tx1"/>
+                      </a:solidFill>
+                      <a:prstDash val="solid"/>
+                      <a:round/>
+                      <a:headEnd type="none" w="med" len="med"/>
+                      <a:tailEnd type="none" w="med" len="med"/>
+                    </a:lnB>
+                    <a:lnTlToBr>
+                      <a:noFill/>
+                    </a:lnTlToBr>
+                    <a:lnBlToTr>
+                      <a:noFill/>
+                    </a:lnBlToTr>
+                    <a:noFill/>
+                  </a:tcPr>
+                </a:tc>
+                <a:tc>
+                  <a:txBody>
+                    <a:bodyPr/>
+                    <a:lstStyle/>
+                    <a:p>
+                      <a:pPr marL="68263" marR="0" lvl="0" indent="0" algn="ctr" defTabSz="914400" rtl="0" eaLnBrk="0" fontAlgn="base" latinLnBrk="0" hangingPunct="0">
+                        <a:lnSpc>
+                          <a:spcPct val="100000"/>
+                        </a:lnSpc>
+                        <a:spcBef>
+                          <a:spcPts val="700"/>
+                        </a:spcBef>
+                        <a:spcAft>
+                          <a:spcPct val="0"/>
+                        </a:spcAft>
+                        <a:buClr>
+                          <a:schemeClr val="tx2"/>
+                        </a:buClr>
+                        <a:buSzPct val="95000"/>
+                        <a:buFont typeface="Wingdings" pitchFamily="2" charset="2"/>
+                        <a:buNone/>
+                        <a:tabLst/>
+                      </a:pPr>
+                      <a:r>
+                        <a:rPr kumimoji="0" lang="pt-BR" sz="1400" b="0" i="0" u="none" strike="noStrike" cap="none" normalizeH="0" baseline="0" smtClean="0">
+                          <a:ln>
+                            <a:noFill/>
+                          </a:ln>
+                          <a:solidFill>
+                            <a:schemeClr val="tx1"/>
+                          </a:solidFill>
+                          <a:effectLst/>
+                          <a:latin typeface="Corbel" pitchFamily="34" charset="0"/>
+                        </a:rPr>
+                        <a:t>2</a:t>
+                      </a:r>
+                    </a:p>
+                  </a:txBody>
+                  <a:tcPr horzOverflow="overflow">
+                    <a:lnL w="12700" cap="flat" cmpd="sng" algn="ctr">
+                      <a:solidFill>
+                        <a:schemeClr val="tx1"/>
+                      </a:solidFill>
+                      <a:prstDash val="solid"/>
+                      <a:round/>
+                      <a:headEnd type="none" w="med" len="med"/>
+                      <a:tailEnd type="none" w="med" len="med"/>
+                    </a:lnL>
+                    <a:lnR w="12700" cap="flat" cmpd="sng" algn="ctr">
+                      <a:solidFill>
+                        <a:schemeClr val="tx1"/>
+                      </a:solidFill>
+                      <a:prstDash val="solid"/>
+                      <a:round/>
+                      <a:headEnd type="none" w="med" len="med"/>
+                      <a:tailEnd type="none" w="med" len="med"/>
+                    </a:lnR>
+                    <a:lnT w="12700" cap="flat" cmpd="sng" algn="ctr">
+                      <a:solidFill>
+                        <a:schemeClr val="tx1"/>
+                      </a:solidFill>
+                      <a:prstDash val="solid"/>
+                      <a:round/>
+                      <a:headEnd type="none" w="med" len="med"/>
+                      <a:tailEnd type="none" w="med" len="med"/>
+                    </a:lnT>
+                    <a:lnB w="12700" cap="flat" cmpd="sng" algn="ctr">
+                      <a:solidFill>
+                        <a:schemeClr val="tx1"/>
+                      </a:solidFill>
+                      <a:prstDash val="solid"/>
+                      <a:round/>
+                      <a:headEnd type="none" w="med" len="med"/>
+                      <a:tailEnd type="none" w="med" len="med"/>
+                    </a:lnB>
+                    <a:lnTlToBr>
+                      <a:noFill/>
+                    </a:lnTlToBr>
+                    <a:lnBlToTr>
+                      <a:noFill/>
+                    </a:lnBlToTr>
+                    <a:noFill/>
+                  </a:tcPr>
+                </a:tc>
+                <a:tc>
+                  <a:txBody>
+                    <a:bodyPr/>
+                    <a:lstStyle/>
+                    <a:p>
+                      <a:pPr marL="68263" marR="0" lvl="0" indent="0" algn="ctr" defTabSz="914400" rtl="0" eaLnBrk="0" fontAlgn="base" latinLnBrk="0" hangingPunct="0">
+                        <a:lnSpc>
+                          <a:spcPct val="100000"/>
+                        </a:lnSpc>
+                        <a:spcBef>
+                          <a:spcPts val="700"/>
+                        </a:spcBef>
+                        <a:spcAft>
+                          <a:spcPct val="0"/>
+                        </a:spcAft>
+                        <a:buClr>
+                          <a:schemeClr val="tx2"/>
+                        </a:buClr>
+                        <a:buSzPct val="95000"/>
+                        <a:buFont typeface="Wingdings" pitchFamily="2" charset="2"/>
+                        <a:buNone/>
+                        <a:tabLst/>
+                      </a:pPr>
+                      <a:r>
+                        <a:rPr kumimoji="0" lang="pt-BR" sz="1400" b="1" i="0" u="none" strike="noStrike" cap="none" normalizeH="0" baseline="0" smtClean="0">
+                          <a:ln>
+                            <a:noFill/>
+                          </a:ln>
+                          <a:solidFill>
+                            <a:schemeClr val="tx1"/>
+                          </a:solidFill>
+                          <a:effectLst/>
+                          <a:latin typeface="Corbel" pitchFamily="34" charset="0"/>
+                        </a:rPr>
+                        <a:t>43</a:t>
+                      </a:r>
+                    </a:p>
+                  </a:txBody>
+                  <a:tcPr horzOverflow="overflow">
+                    <a:lnL w="12700" cap="flat" cmpd="sng" algn="ctr">
+                      <a:solidFill>
+                        <a:schemeClr val="tx1"/>
+                      </a:solidFill>
+                      <a:prstDash val="solid"/>
+                      <a:round/>
+                      <a:headEnd type="none" w="med" len="med"/>
+                      <a:tailEnd type="none" w="med" len="med"/>
+                    </a:lnL>
+                    <a:lnR w="28575" cap="flat" cmpd="sng" algn="ctr">
+                      <a:solidFill>
+                        <a:schemeClr val="tx1"/>
+                      </a:solidFill>
+                      <a:prstDash val="solid"/>
+                      <a:round/>
+                      <a:headEnd type="none" w="med" len="med"/>
+                      <a:tailEnd type="none" w="med" len="med"/>
+                    </a:lnR>
+                    <a:lnT w="12700" cap="flat" cmpd="sng" algn="ctr">
+                      <a:solidFill>
+                        <a:schemeClr val="tx1"/>
+                      </a:solidFill>
+                      <a:prstDash val="solid"/>
+                      <a:round/>
+                      <a:headEnd type="none" w="med" len="med"/>
+                      <a:tailEnd type="none" w="med" len="med"/>
+                    </a:lnT>
+                    <a:lnB w="12700" cap="flat" cmpd="sng" algn="ctr">
+                      <a:solidFill>
+                        <a:schemeClr val="tx1"/>
+                      </a:solidFill>
+                      <a:prstDash val="solid"/>
+                      <a:round/>
+                      <a:headEnd type="none" w="med" len="med"/>
+                      <a:tailEnd type="none" w="med" len="med"/>
+                    </a:lnB>
+                    <a:lnTlToBr>
+                      <a:noFill/>
+                    </a:lnTlToBr>
+                    <a:lnBlToTr>
+                      <a:noFill/>
+                    </a:lnBlToTr>
+                    <a:noFill/>
+                  </a:tcPr>
+                </a:tc>
+              </a:tr>
+              <a:tr h="359137">
+                <a:tc>
+                  <a:txBody>
+                    <a:bodyPr/>
+                    <a:lstStyle/>
+                    <a:p>
+                      <a:pPr marL="68263" marR="0" lvl="0" indent="0" algn="ctr" defTabSz="914400" rtl="0" eaLnBrk="0" fontAlgn="base" latinLnBrk="0" hangingPunct="0">
+                        <a:lnSpc>
+                          <a:spcPct val="100000"/>
+                        </a:lnSpc>
+                        <a:spcBef>
+                          <a:spcPts val="700"/>
+                        </a:spcBef>
+                        <a:spcAft>
+                          <a:spcPct val="0"/>
+                        </a:spcAft>
+                        <a:buClr>
+                          <a:schemeClr val="tx2"/>
+                        </a:buClr>
+                        <a:buSzPct val="95000"/>
+                        <a:buFont typeface="Wingdings" pitchFamily="2" charset="2"/>
+                        <a:buNone/>
+                        <a:tabLst/>
+                      </a:pPr>
+                      <a:r>
+                        <a:rPr kumimoji="0" lang="pt-BR" sz="1400" b="0" i="0" u="none" strike="noStrike" cap="none" normalizeH="0" baseline="0" smtClean="0">
+                          <a:ln>
+                            <a:noFill/>
+                          </a:ln>
+                          <a:solidFill>
+                            <a:schemeClr val="tx1"/>
+                          </a:solidFill>
+                          <a:effectLst/>
+                          <a:latin typeface="Corbel" pitchFamily="34" charset="0"/>
+                        </a:rPr>
+                        <a:t>Nº de </a:t>
+                      </a:r>
+                      <a:r>
+                        <a:rPr kumimoji="0" lang="pt-BR" sz="1400" b="1" i="1" u="none" strike="noStrike" cap="none" normalizeH="0" baseline="0" smtClean="0">
+                          <a:ln>
+                            <a:noFill/>
+                          </a:ln>
+                          <a:solidFill>
+                            <a:schemeClr val="tx1"/>
+                          </a:solidFill>
+                          <a:effectLst/>
+                          <a:latin typeface="Corbel" pitchFamily="34" charset="0"/>
+                        </a:rPr>
+                        <a:t>Dissolves</a:t>
+                      </a:r>
+                    </a:p>
+                  </a:txBody>
+                  <a:tcPr horzOverflow="overflow">
+                    <a:lnL w="28575" cap="flat" cmpd="sng" algn="ctr">
+                      <a:solidFill>
+                        <a:schemeClr val="tx1"/>
+                      </a:solidFill>
+                      <a:prstDash val="solid"/>
+                      <a:round/>
+                      <a:headEnd type="none" w="med" len="med"/>
+                      <a:tailEnd type="none" w="med" len="med"/>
+                    </a:lnL>
+                    <a:lnR w="12700" cap="flat" cmpd="sng" algn="ctr">
+                      <a:solidFill>
+                        <a:schemeClr val="tx1"/>
+                      </a:solidFill>
+                      <a:prstDash val="solid"/>
+                      <a:round/>
+                      <a:headEnd type="none" w="med" len="med"/>
+                      <a:tailEnd type="none" w="med" len="med"/>
+                    </a:lnR>
+                    <a:lnT w="12700" cap="flat" cmpd="sng" algn="ctr">
+                      <a:solidFill>
+                        <a:schemeClr val="tx1"/>
+                      </a:solidFill>
+                      <a:prstDash val="solid"/>
+                      <a:round/>
+                      <a:headEnd type="none" w="med" len="med"/>
+                      <a:tailEnd type="none" w="med" len="med"/>
+                    </a:lnT>
+                    <a:lnB w="12700" cap="flat" cmpd="sng" algn="ctr">
+                      <a:solidFill>
+                        <a:schemeClr val="tx1"/>
+                      </a:solidFill>
+                      <a:prstDash val="solid"/>
+                      <a:round/>
+                      <a:headEnd type="none" w="med" len="med"/>
+                      <a:tailEnd type="none" w="med" len="med"/>
+                    </a:lnB>
+                    <a:lnTlToBr>
+                      <a:noFill/>
+                    </a:lnTlToBr>
+                    <a:lnBlToTr>
+                      <a:noFill/>
+                    </a:lnBlToTr>
+                    <a:noFill/>
+                  </a:tcPr>
+                </a:tc>
+                <a:tc>
+                  <a:txBody>
+                    <a:bodyPr/>
+                    <a:lstStyle/>
+                    <a:p>
+                      <a:pPr marL="68263" marR="0" lvl="0" indent="0" algn="ctr" defTabSz="914400" rtl="0" eaLnBrk="0" fontAlgn="base" latinLnBrk="0" hangingPunct="0">
+                        <a:lnSpc>
+                          <a:spcPct val="100000"/>
+                        </a:lnSpc>
+                        <a:spcBef>
+                          <a:spcPts val="700"/>
+                        </a:spcBef>
+                        <a:spcAft>
+                          <a:spcPct val="0"/>
+                        </a:spcAft>
+                        <a:buClr>
+                          <a:schemeClr val="tx2"/>
+                        </a:buClr>
+                        <a:buSzPct val="95000"/>
+                        <a:buFont typeface="Wingdings" pitchFamily="2" charset="2"/>
+                        <a:buNone/>
+                        <a:tabLst/>
+                      </a:pPr>
+                      <a:r>
+                        <a:rPr kumimoji="0" lang="pt-BR" sz="1400" b="0" i="0" u="none" strike="noStrike" cap="none" normalizeH="0" baseline="0" smtClean="0">
+                          <a:ln>
+                            <a:noFill/>
+                          </a:ln>
+                          <a:solidFill>
+                            <a:schemeClr val="tx1"/>
+                          </a:solidFill>
+                          <a:effectLst/>
+                          <a:latin typeface="Corbel" pitchFamily="34" charset="0"/>
+                        </a:rPr>
+                        <a:t>4</a:t>
+                      </a:r>
+                    </a:p>
+                  </a:txBody>
+                  <a:tcPr horzOverflow="overflow">
+                    <a:lnL w="12700" cap="flat" cmpd="sng" algn="ctr">
+                      <a:solidFill>
+                        <a:schemeClr val="tx1"/>
+                      </a:solidFill>
+                      <a:prstDash val="solid"/>
+                      <a:round/>
+                      <a:headEnd type="none" w="med" len="med"/>
+                      <a:tailEnd type="none" w="med" len="med"/>
+                    </a:lnL>
+                    <a:lnR w="12700" cap="flat" cmpd="sng" algn="ctr">
+                      <a:solidFill>
+                        <a:schemeClr val="tx1"/>
+                      </a:solidFill>
+                      <a:prstDash val="solid"/>
+                      <a:round/>
+                      <a:headEnd type="none" w="med" len="med"/>
+                      <a:tailEnd type="none" w="med" len="med"/>
+                    </a:lnR>
+                    <a:lnT w="12700" cap="flat" cmpd="sng" algn="ctr">
+                      <a:solidFill>
+                        <a:schemeClr val="tx1"/>
+                      </a:solidFill>
+                      <a:prstDash val="solid"/>
+                      <a:round/>
+                      <a:headEnd type="none" w="med" len="med"/>
+                      <a:tailEnd type="none" w="med" len="med"/>
+                    </a:lnT>
+                    <a:lnB w="12700" cap="flat" cmpd="sng" algn="ctr">
+                      <a:solidFill>
+                        <a:schemeClr val="tx1"/>
+                      </a:solidFill>
+                      <a:prstDash val="solid"/>
+                      <a:round/>
+                      <a:headEnd type="none" w="med" len="med"/>
+                      <a:tailEnd type="none" w="med" len="med"/>
+                    </a:lnB>
+                    <a:lnTlToBr>
+                      <a:noFill/>
+                    </a:lnTlToBr>
+                    <a:lnBlToTr>
+                      <a:noFill/>
+                    </a:lnBlToTr>
+                    <a:noFill/>
+                  </a:tcPr>
+                </a:tc>
+                <a:tc>
+                  <a:txBody>
+                    <a:bodyPr/>
+                    <a:lstStyle/>
+                    <a:p>
+                      <a:pPr marL="68263" marR="0" lvl="0" indent="0" algn="ctr" defTabSz="914400" rtl="0" eaLnBrk="0" fontAlgn="base" latinLnBrk="0" hangingPunct="0">
+                        <a:lnSpc>
+                          <a:spcPct val="100000"/>
+                        </a:lnSpc>
+                        <a:spcBef>
+                          <a:spcPts val="700"/>
+                        </a:spcBef>
+                        <a:spcAft>
+                          <a:spcPct val="0"/>
+                        </a:spcAft>
+                        <a:buClr>
+                          <a:schemeClr val="tx2"/>
+                        </a:buClr>
+                        <a:buSzPct val="95000"/>
+                        <a:buFont typeface="Wingdings" pitchFamily="2" charset="2"/>
+                        <a:buNone/>
+                        <a:tabLst/>
+                      </a:pPr>
+                      <a:r>
+                        <a:rPr kumimoji="0" lang="pt-BR" sz="1400" b="0" i="0" u="none" strike="noStrike" cap="none" normalizeH="0" baseline="0" smtClean="0">
+                          <a:ln>
+                            <a:noFill/>
+                          </a:ln>
+                          <a:solidFill>
+                            <a:schemeClr val="tx1"/>
+                          </a:solidFill>
+                          <a:effectLst/>
+                          <a:latin typeface="Corbel" pitchFamily="34" charset="0"/>
+                        </a:rPr>
+                        <a:t>1</a:t>
+                      </a:r>
+                    </a:p>
+                  </a:txBody>
+                  <a:tcPr horzOverflow="overflow">
+                    <a:lnL w="12700" cap="flat" cmpd="sng" algn="ctr">
+                      <a:solidFill>
+                        <a:schemeClr val="tx1"/>
+                      </a:solidFill>
+                      <a:prstDash val="solid"/>
+                      <a:round/>
+                      <a:headEnd type="none" w="med" len="med"/>
+                      <a:tailEnd type="none" w="med" len="med"/>
+                    </a:lnL>
+                    <a:lnR w="12700" cap="flat" cmpd="sng" algn="ctr">
+                      <a:solidFill>
+                        <a:schemeClr val="tx1"/>
+                      </a:solidFill>
+                      <a:prstDash val="solid"/>
+                      <a:round/>
+                      <a:headEnd type="none" w="med" len="med"/>
+                      <a:tailEnd type="none" w="med" len="med"/>
+                    </a:lnR>
+                    <a:lnT w="12700" cap="flat" cmpd="sng" algn="ctr">
+                      <a:solidFill>
+                        <a:schemeClr val="tx1"/>
+                      </a:solidFill>
+                      <a:prstDash val="solid"/>
+                      <a:round/>
+                      <a:headEnd type="none" w="med" len="med"/>
+                      <a:tailEnd type="none" w="med" len="med"/>
+                    </a:lnT>
+                    <a:lnB w="12700" cap="flat" cmpd="sng" algn="ctr">
+                      <a:solidFill>
+                        <a:schemeClr val="tx1"/>
+                      </a:solidFill>
+                      <a:prstDash val="solid"/>
+                      <a:round/>
+                      <a:headEnd type="none" w="med" len="med"/>
+                      <a:tailEnd type="none" w="med" len="med"/>
+                    </a:lnB>
+                    <a:lnTlToBr>
+                      <a:noFill/>
+                    </a:lnTlToBr>
+                    <a:lnBlToTr>
+                      <a:noFill/>
+                    </a:lnBlToTr>
+                    <a:noFill/>
+                  </a:tcPr>
+                </a:tc>
+                <a:tc>
+                  <a:txBody>
+                    <a:bodyPr/>
+                    <a:lstStyle/>
+                    <a:p>
+                      <a:pPr marL="68263" marR="0" lvl="0" indent="0" algn="ctr" defTabSz="914400" rtl="0" eaLnBrk="0" fontAlgn="base" latinLnBrk="0" hangingPunct="0">
+                        <a:lnSpc>
+                          <a:spcPct val="100000"/>
+                        </a:lnSpc>
+                        <a:spcBef>
+                          <a:spcPts val="700"/>
+                        </a:spcBef>
+                        <a:spcAft>
+                          <a:spcPct val="0"/>
+                        </a:spcAft>
+                        <a:buClr>
+                          <a:schemeClr val="tx2"/>
+                        </a:buClr>
+                        <a:buSzPct val="95000"/>
+                        <a:buFont typeface="Wingdings" pitchFamily="2" charset="2"/>
+                        <a:buNone/>
+                        <a:tabLst/>
+                      </a:pPr>
+                      <a:r>
+                        <a:rPr kumimoji="0" lang="pt-BR" sz="1400" b="0" i="0" u="none" strike="noStrike" cap="none" normalizeH="0" baseline="0" smtClean="0">
+                          <a:ln>
+                            <a:noFill/>
+                          </a:ln>
+                          <a:solidFill>
+                            <a:schemeClr val="tx1"/>
+                          </a:solidFill>
+                          <a:effectLst/>
+                          <a:latin typeface="Corbel" pitchFamily="34" charset="0"/>
+                        </a:rPr>
+                        <a:t>2</a:t>
+                      </a:r>
+                    </a:p>
+                  </a:txBody>
+                  <a:tcPr horzOverflow="overflow">
+                    <a:lnL w="12700" cap="flat" cmpd="sng" algn="ctr">
+                      <a:solidFill>
+                        <a:schemeClr val="tx1"/>
+                      </a:solidFill>
+                      <a:prstDash val="solid"/>
+                      <a:round/>
+                      <a:headEnd type="none" w="med" len="med"/>
+                      <a:tailEnd type="none" w="med" len="med"/>
+                    </a:lnL>
+                    <a:lnR w="12700" cap="flat" cmpd="sng" algn="ctr">
+                      <a:solidFill>
+                        <a:schemeClr val="tx1"/>
+                      </a:solidFill>
+                      <a:prstDash val="solid"/>
+                      <a:round/>
+                      <a:headEnd type="none" w="med" len="med"/>
+                      <a:tailEnd type="none" w="med" len="med"/>
+                    </a:lnR>
+                    <a:lnT w="12700" cap="flat" cmpd="sng" algn="ctr">
+                      <a:solidFill>
+                        <a:schemeClr val="tx1"/>
+                      </a:solidFill>
+                      <a:prstDash val="solid"/>
+                      <a:round/>
+                      <a:headEnd type="none" w="med" len="med"/>
+                      <a:tailEnd type="none" w="med" len="med"/>
+                    </a:lnT>
+                    <a:lnB w="12700" cap="flat" cmpd="sng" algn="ctr">
+                      <a:solidFill>
+                        <a:schemeClr val="tx1"/>
+                      </a:solidFill>
+                      <a:prstDash val="solid"/>
+                      <a:round/>
+                      <a:headEnd type="none" w="med" len="med"/>
+                      <a:tailEnd type="none" w="med" len="med"/>
+                    </a:lnB>
+                    <a:lnTlToBr>
+                      <a:noFill/>
+                    </a:lnTlToBr>
+                    <a:lnBlToTr>
+                      <a:noFill/>
+                    </a:lnBlToTr>
+                    <a:noFill/>
+                  </a:tcPr>
+                </a:tc>
+                <a:tc>
+                  <a:txBody>
+                    <a:bodyPr/>
+                    <a:lstStyle/>
+                    <a:p>
+                      <a:pPr marL="68263" marR="0" lvl="0" indent="0" algn="ctr" defTabSz="914400" rtl="0" eaLnBrk="0" fontAlgn="base" latinLnBrk="0" hangingPunct="0">
+                        <a:lnSpc>
+                          <a:spcPct val="100000"/>
+                        </a:lnSpc>
+                        <a:spcBef>
+                          <a:spcPts val="700"/>
+                        </a:spcBef>
+                        <a:spcAft>
+                          <a:spcPct val="0"/>
+                        </a:spcAft>
+                        <a:buClr>
+                          <a:schemeClr val="tx2"/>
+                        </a:buClr>
+                        <a:buSzPct val="95000"/>
+                        <a:buFont typeface="Wingdings" pitchFamily="2" charset="2"/>
+                        <a:buNone/>
+                        <a:tabLst/>
+                      </a:pPr>
+                      <a:r>
+                        <a:rPr kumimoji="0" lang="pt-BR" sz="1400" b="1" i="0" u="none" strike="noStrike" cap="none" normalizeH="0" baseline="0" smtClean="0">
+                          <a:ln>
+                            <a:noFill/>
+                          </a:ln>
+                          <a:solidFill>
+                            <a:schemeClr val="tx1"/>
+                          </a:solidFill>
+                          <a:effectLst/>
+                          <a:latin typeface="Corbel" pitchFamily="34" charset="0"/>
+                        </a:rPr>
+                        <a:t>7</a:t>
+                      </a:r>
+                    </a:p>
+                  </a:txBody>
+                  <a:tcPr horzOverflow="overflow">
+                    <a:lnL w="12700" cap="flat" cmpd="sng" algn="ctr">
+                      <a:solidFill>
+                        <a:schemeClr val="tx1"/>
+                      </a:solidFill>
+                      <a:prstDash val="solid"/>
+                      <a:round/>
+                      <a:headEnd type="none" w="med" len="med"/>
+                      <a:tailEnd type="none" w="med" len="med"/>
+                    </a:lnL>
+                    <a:lnR w="28575" cap="flat" cmpd="sng" algn="ctr">
+                      <a:solidFill>
+                        <a:schemeClr val="tx1"/>
+                      </a:solidFill>
+                      <a:prstDash val="solid"/>
+                      <a:round/>
+                      <a:headEnd type="none" w="med" len="med"/>
+                      <a:tailEnd type="none" w="med" len="med"/>
+                    </a:lnR>
+                    <a:lnT w="12700" cap="flat" cmpd="sng" algn="ctr">
+                      <a:solidFill>
+                        <a:schemeClr val="tx1"/>
+                      </a:solidFill>
+                      <a:prstDash val="solid"/>
+                      <a:round/>
+                      <a:headEnd type="none" w="med" len="med"/>
+                      <a:tailEnd type="none" w="med" len="med"/>
+                    </a:lnT>
+                    <a:lnB w="12700" cap="flat" cmpd="sng" algn="ctr">
+                      <a:solidFill>
+                        <a:schemeClr val="tx1"/>
+                      </a:solidFill>
+                      <a:prstDash val="solid"/>
+                      <a:round/>
+                      <a:headEnd type="none" w="med" len="med"/>
+                      <a:tailEnd type="none" w="med" len="med"/>
+                    </a:lnB>
+                    <a:lnTlToBr>
+                      <a:noFill/>
+                    </a:lnTlToBr>
+                    <a:lnBlToTr>
+                      <a:noFill/>
+                    </a:lnBlToTr>
+                    <a:noFill/>
+                  </a:tcPr>
+                </a:tc>
+              </a:tr>
+              <a:tr h="436212">
+                <a:tc>
+                  <a:txBody>
+                    <a:bodyPr/>
+                    <a:lstStyle/>
+                    <a:p>
+                      <a:pPr marL="68263" marR="0" lvl="0" indent="0" algn="ctr" defTabSz="914400" rtl="0" eaLnBrk="0" fontAlgn="base" latinLnBrk="0" hangingPunct="0">
+                        <a:lnSpc>
+                          <a:spcPct val="100000"/>
+                        </a:lnSpc>
+                        <a:spcBef>
+                          <a:spcPts val="700"/>
+                        </a:spcBef>
+                        <a:spcAft>
+                          <a:spcPct val="0"/>
+                        </a:spcAft>
+                        <a:buClr>
+                          <a:schemeClr val="tx2"/>
+                        </a:buClr>
+                        <a:buSzPct val="95000"/>
+                        <a:buFont typeface="Wingdings" pitchFamily="2" charset="2"/>
+                        <a:buNone/>
+                        <a:tabLst/>
+                      </a:pPr>
+                      <a:r>
+                        <a:rPr kumimoji="0" lang="pt-BR" sz="1400" b="0" i="0" u="none" strike="noStrike" cap="none" normalizeH="0" baseline="0" smtClean="0">
+                          <a:ln>
+                            <a:noFill/>
+                          </a:ln>
+                          <a:solidFill>
+                            <a:schemeClr val="tx1"/>
+                          </a:solidFill>
+                          <a:effectLst/>
+                          <a:latin typeface="Corbel" pitchFamily="34" charset="0"/>
+                        </a:rPr>
+                        <a:t>Total de Transições</a:t>
+                      </a:r>
+                    </a:p>
+                  </a:txBody>
+                  <a:tcPr horzOverflow="overflow">
+                    <a:lnL w="28575" cap="flat" cmpd="sng" algn="ctr">
+                      <a:solidFill>
+                        <a:schemeClr val="tx1"/>
+                      </a:solidFill>
+                      <a:prstDash val="solid"/>
+                      <a:round/>
+                      <a:headEnd type="none" w="med" len="med"/>
+                      <a:tailEnd type="none" w="med" len="med"/>
+                    </a:lnL>
+                    <a:lnR w="12700" cap="flat" cmpd="sng" algn="ctr">
+                      <a:solidFill>
+                        <a:schemeClr val="tx1"/>
+                      </a:solidFill>
+                      <a:prstDash val="solid"/>
+                      <a:round/>
+                      <a:headEnd type="none" w="med" len="med"/>
+                      <a:tailEnd type="none" w="med" len="med"/>
+                    </a:lnR>
+                    <a:lnT w="12700" cap="flat" cmpd="sng" algn="ctr">
+                      <a:solidFill>
+                        <a:schemeClr val="tx1"/>
+                      </a:solidFill>
+                      <a:prstDash val="solid"/>
+                      <a:round/>
+                      <a:headEnd type="none" w="med" len="med"/>
+                      <a:tailEnd type="none" w="med" len="med"/>
+                    </a:lnT>
+                    <a:lnB w="12700" cap="flat" cmpd="sng" algn="ctr">
+                      <a:solidFill>
+                        <a:schemeClr val="tx1"/>
+                      </a:solidFill>
+                      <a:prstDash val="solid"/>
+                      <a:round/>
+                      <a:headEnd type="none" w="med" len="med"/>
+                      <a:tailEnd type="none" w="med" len="med"/>
+                    </a:lnB>
+                    <a:lnTlToBr>
+                      <a:noFill/>
+                    </a:lnTlToBr>
+                    <a:lnBlToTr>
+                      <a:noFill/>
+                    </a:lnBlToTr>
+                    <a:noFill/>
+                  </a:tcPr>
+                </a:tc>
+                <a:tc>
+                  <a:txBody>
+                    <a:bodyPr/>
+                    <a:lstStyle/>
+                    <a:p>
+                      <a:pPr marL="68263" marR="0" lvl="0" indent="0" algn="ctr" defTabSz="914400" rtl="0" eaLnBrk="0" fontAlgn="base" latinLnBrk="0" hangingPunct="0">
+                        <a:lnSpc>
+                          <a:spcPct val="100000"/>
+                        </a:lnSpc>
+                        <a:spcBef>
+                          <a:spcPts val="700"/>
+                        </a:spcBef>
+                        <a:spcAft>
+                          <a:spcPct val="0"/>
+                        </a:spcAft>
+                        <a:buClr>
+                          <a:schemeClr val="tx2"/>
+                        </a:buClr>
+                        <a:buSzPct val="95000"/>
+                        <a:buFont typeface="Wingdings" pitchFamily="2" charset="2"/>
+                        <a:buNone/>
+                        <a:tabLst/>
+                      </a:pPr>
+                      <a:r>
+                        <a:rPr kumimoji="0" lang="pt-BR" sz="1400" b="0" i="0" u="none" strike="noStrike" cap="none" normalizeH="0" baseline="0" smtClean="0">
+                          <a:ln>
+                            <a:noFill/>
+                          </a:ln>
+                          <a:solidFill>
+                            <a:schemeClr val="tx1"/>
+                          </a:solidFill>
+                          <a:effectLst/>
+                          <a:latin typeface="Corbel" pitchFamily="34" charset="0"/>
+                        </a:rPr>
+                        <a:t>72</a:t>
+                      </a:r>
+                    </a:p>
+                  </a:txBody>
+                  <a:tcPr horzOverflow="overflow">
+                    <a:lnL w="12700" cap="flat" cmpd="sng" algn="ctr">
+                      <a:solidFill>
+                        <a:schemeClr val="tx1"/>
+                      </a:solidFill>
+                      <a:prstDash val="solid"/>
+                      <a:round/>
+                      <a:headEnd type="none" w="med" len="med"/>
+                      <a:tailEnd type="none" w="med" len="med"/>
+                    </a:lnL>
+                    <a:lnR w="12700" cap="flat" cmpd="sng" algn="ctr">
+                      <a:solidFill>
+                        <a:schemeClr val="tx1"/>
+                      </a:solidFill>
+                      <a:prstDash val="solid"/>
+                      <a:round/>
+                      <a:headEnd type="none" w="med" len="med"/>
+                      <a:tailEnd type="none" w="med" len="med"/>
+                    </a:lnR>
+                    <a:lnT w="12700" cap="flat" cmpd="sng" algn="ctr">
+                      <a:solidFill>
+                        <a:schemeClr val="tx1"/>
+                      </a:solidFill>
+                      <a:prstDash val="solid"/>
+                      <a:round/>
+                      <a:headEnd type="none" w="med" len="med"/>
+                      <a:tailEnd type="none" w="med" len="med"/>
+                    </a:lnT>
+                    <a:lnB w="12700" cap="flat" cmpd="sng" algn="ctr">
+                      <a:solidFill>
+                        <a:schemeClr val="tx1"/>
+                      </a:solidFill>
+                      <a:prstDash val="solid"/>
+                      <a:round/>
+                      <a:headEnd type="none" w="med" len="med"/>
+                      <a:tailEnd type="none" w="med" len="med"/>
+                    </a:lnB>
+                    <a:lnTlToBr>
+                      <a:noFill/>
+                    </a:lnTlToBr>
+                    <a:lnBlToTr>
+                      <a:noFill/>
+                    </a:lnBlToTr>
+                    <a:noFill/>
+                  </a:tcPr>
+                </a:tc>
+                <a:tc>
+                  <a:txBody>
+                    <a:bodyPr/>
+                    <a:lstStyle/>
+                    <a:p>
+                      <a:pPr marL="68263" marR="0" lvl="0" indent="0" algn="ctr" defTabSz="914400" rtl="0" eaLnBrk="0" fontAlgn="base" latinLnBrk="0" hangingPunct="0">
+                        <a:lnSpc>
+                          <a:spcPct val="100000"/>
+                        </a:lnSpc>
+                        <a:spcBef>
+                          <a:spcPts val="700"/>
+                        </a:spcBef>
+                        <a:spcAft>
+                          <a:spcPct val="0"/>
+                        </a:spcAft>
+                        <a:buClr>
+                          <a:schemeClr val="tx2"/>
+                        </a:buClr>
+                        <a:buSzPct val="95000"/>
+                        <a:buFont typeface="Wingdings" pitchFamily="2" charset="2"/>
+                        <a:buNone/>
+                        <a:tabLst/>
+                      </a:pPr>
+                      <a:r>
+                        <a:rPr kumimoji="0" lang="pt-BR" sz="1400" b="0" i="0" u="none" strike="noStrike" cap="none" normalizeH="0" baseline="0" smtClean="0">
+                          <a:ln>
+                            <a:noFill/>
+                          </a:ln>
+                          <a:solidFill>
+                            <a:schemeClr val="tx1"/>
+                          </a:solidFill>
+                          <a:effectLst/>
+                          <a:latin typeface="Corbel" pitchFamily="34" charset="0"/>
+                        </a:rPr>
+                        <a:t>129</a:t>
+                      </a:r>
+                    </a:p>
+                  </a:txBody>
+                  <a:tcPr horzOverflow="overflow">
+                    <a:lnL w="12700" cap="flat" cmpd="sng" algn="ctr">
+                      <a:solidFill>
+                        <a:schemeClr val="tx1"/>
+                      </a:solidFill>
+                      <a:prstDash val="solid"/>
+                      <a:round/>
+                      <a:headEnd type="none" w="med" len="med"/>
+                      <a:tailEnd type="none" w="med" len="med"/>
+                    </a:lnL>
+                    <a:lnR w="12700" cap="flat" cmpd="sng" algn="ctr">
+                      <a:solidFill>
+                        <a:schemeClr val="tx1"/>
+                      </a:solidFill>
+                      <a:prstDash val="solid"/>
+                      <a:round/>
+                      <a:headEnd type="none" w="med" len="med"/>
+                      <a:tailEnd type="none" w="med" len="med"/>
+                    </a:lnR>
+                    <a:lnT w="12700" cap="flat" cmpd="sng" algn="ctr">
+                      <a:solidFill>
+                        <a:schemeClr val="tx1"/>
+                      </a:solidFill>
+                      <a:prstDash val="solid"/>
+                      <a:round/>
+                      <a:headEnd type="none" w="med" len="med"/>
+                      <a:tailEnd type="none" w="med" len="med"/>
+                    </a:lnT>
+                    <a:lnB w="12700" cap="flat" cmpd="sng" algn="ctr">
+                      <a:solidFill>
+                        <a:schemeClr val="tx1"/>
+                      </a:solidFill>
+                      <a:prstDash val="solid"/>
+                      <a:round/>
+                      <a:headEnd type="none" w="med" len="med"/>
+                      <a:tailEnd type="none" w="med" len="med"/>
+                    </a:lnB>
+                    <a:lnTlToBr>
+                      <a:noFill/>
+                    </a:lnTlToBr>
+                    <a:lnBlToTr>
+                      <a:noFill/>
+                    </a:lnBlToTr>
+                    <a:noFill/>
+                  </a:tcPr>
+                </a:tc>
+                <a:tc>
+                  <a:txBody>
+                    <a:bodyPr/>
+                    <a:lstStyle/>
+                    <a:p>
+                      <a:pPr marL="68263" marR="0" lvl="0" indent="0" algn="ctr" defTabSz="914400" rtl="0" eaLnBrk="0" fontAlgn="base" latinLnBrk="0" hangingPunct="0">
+                        <a:lnSpc>
+                          <a:spcPct val="100000"/>
+                        </a:lnSpc>
+                        <a:spcBef>
+                          <a:spcPts val="700"/>
+                        </a:spcBef>
+                        <a:spcAft>
+                          <a:spcPct val="0"/>
+                        </a:spcAft>
+                        <a:buClr>
+                          <a:schemeClr val="tx2"/>
+                        </a:buClr>
+                        <a:buSzPct val="95000"/>
+                        <a:buFont typeface="Wingdings" pitchFamily="2" charset="2"/>
+                        <a:buNone/>
+                        <a:tabLst/>
+                      </a:pPr>
+                      <a:r>
+                        <a:rPr kumimoji="0" lang="pt-BR" sz="1400" b="0" i="0" u="none" strike="noStrike" cap="none" normalizeH="0" baseline="0" smtClean="0">
+                          <a:ln>
+                            <a:noFill/>
+                          </a:ln>
+                          <a:solidFill>
+                            <a:schemeClr val="tx1"/>
+                          </a:solidFill>
+                          <a:effectLst/>
+                          <a:latin typeface="Corbel" pitchFamily="34" charset="0"/>
+                        </a:rPr>
+                        <a:t>6</a:t>
+                      </a:r>
+                    </a:p>
+                  </a:txBody>
+                  <a:tcPr horzOverflow="overflow">
+                    <a:lnL w="12700" cap="flat" cmpd="sng" algn="ctr">
+                      <a:solidFill>
+                        <a:schemeClr val="tx1"/>
+                      </a:solidFill>
+                      <a:prstDash val="solid"/>
+                      <a:round/>
+                      <a:headEnd type="none" w="med" len="med"/>
+                      <a:tailEnd type="none" w="med" len="med"/>
+                    </a:lnL>
+                    <a:lnR w="12700" cap="flat" cmpd="sng" algn="ctr">
+                      <a:solidFill>
+                        <a:schemeClr val="tx1"/>
+                      </a:solidFill>
+                      <a:prstDash val="solid"/>
+                      <a:round/>
+                      <a:headEnd type="none" w="med" len="med"/>
+                      <a:tailEnd type="none" w="med" len="med"/>
+                    </a:lnR>
+                    <a:lnT w="12700" cap="flat" cmpd="sng" algn="ctr">
+                      <a:solidFill>
+                        <a:schemeClr val="tx1"/>
+                      </a:solidFill>
+                      <a:prstDash val="solid"/>
+                      <a:round/>
+                      <a:headEnd type="none" w="med" len="med"/>
+                      <a:tailEnd type="none" w="med" len="med"/>
+                    </a:lnT>
+                    <a:lnB w="12700" cap="flat" cmpd="sng" algn="ctr">
+                      <a:solidFill>
+                        <a:schemeClr val="tx1"/>
+                      </a:solidFill>
+                      <a:prstDash val="solid"/>
+                      <a:round/>
+                      <a:headEnd type="none" w="med" len="med"/>
+                      <a:tailEnd type="none" w="med" len="med"/>
+                    </a:lnB>
+                    <a:lnTlToBr>
+                      <a:noFill/>
+                    </a:lnTlToBr>
+                    <a:lnBlToTr>
+                      <a:noFill/>
+                    </a:lnBlToTr>
+                    <a:noFill/>
+                  </a:tcPr>
+                </a:tc>
+                <a:tc>
+                  <a:txBody>
+                    <a:bodyPr/>
+                    <a:lstStyle/>
+                    <a:p>
+                      <a:pPr marL="68263" marR="0" lvl="0" indent="0" algn="ctr" defTabSz="914400" rtl="0" eaLnBrk="0" fontAlgn="base" latinLnBrk="0" hangingPunct="0">
+                        <a:lnSpc>
+                          <a:spcPct val="100000"/>
+                        </a:lnSpc>
+                        <a:spcBef>
+                          <a:spcPts val="700"/>
+                        </a:spcBef>
+                        <a:spcAft>
+                          <a:spcPct val="0"/>
+                        </a:spcAft>
+                        <a:buClr>
+                          <a:schemeClr val="tx2"/>
+                        </a:buClr>
+                        <a:buSzPct val="95000"/>
+                        <a:buFont typeface="Wingdings" pitchFamily="2" charset="2"/>
+                        <a:buNone/>
+                        <a:tabLst/>
+                      </a:pPr>
+                      <a:r>
+                        <a:rPr kumimoji="0" lang="pt-BR" sz="1400" b="1" i="0" u="none" strike="noStrike" cap="none" normalizeH="0" baseline="0" smtClean="0">
+                          <a:ln>
+                            <a:noFill/>
+                          </a:ln>
+                          <a:solidFill>
+                            <a:schemeClr val="tx1"/>
+                          </a:solidFill>
+                          <a:effectLst/>
+                          <a:latin typeface="Corbel" pitchFamily="34" charset="0"/>
+                        </a:rPr>
+                        <a:t>207</a:t>
+                      </a:r>
+                    </a:p>
+                  </a:txBody>
+                  <a:tcPr horzOverflow="overflow">
+                    <a:lnL w="12700" cap="flat" cmpd="sng" algn="ctr">
+                      <a:solidFill>
+                        <a:schemeClr val="tx1"/>
+                      </a:solidFill>
+                      <a:prstDash val="solid"/>
+                      <a:round/>
+                      <a:headEnd type="none" w="med" len="med"/>
+                      <a:tailEnd type="none" w="med" len="med"/>
+                    </a:lnL>
+                    <a:lnR w="28575" cap="flat" cmpd="sng" algn="ctr">
+                      <a:solidFill>
+                        <a:schemeClr val="tx1"/>
+                      </a:solidFill>
+                      <a:prstDash val="solid"/>
+                      <a:round/>
+                      <a:headEnd type="none" w="med" len="med"/>
+                      <a:tailEnd type="none" w="med" len="med"/>
+                    </a:lnR>
+                    <a:lnT w="12700" cap="flat" cmpd="sng" algn="ctr">
+                      <a:solidFill>
+                        <a:schemeClr val="tx1"/>
+                      </a:solidFill>
+                      <a:prstDash val="solid"/>
+                      <a:round/>
+                      <a:headEnd type="none" w="med" len="med"/>
+                      <a:tailEnd type="none" w="med" len="med"/>
+                    </a:lnT>
+                    <a:lnB w="12700" cap="flat" cmpd="sng" algn="ctr">
+                      <a:solidFill>
+                        <a:schemeClr val="tx1"/>
+                      </a:solidFill>
+                      <a:prstDash val="solid"/>
+                      <a:round/>
+                      <a:headEnd type="none" w="med" len="med"/>
+                      <a:tailEnd type="none" w="med" len="med"/>
+                    </a:lnB>
+                    <a:lnTlToBr>
+                      <a:noFill/>
+                    </a:lnTlToBr>
+                    <a:lnBlToTr>
+                      <a:noFill/>
+                    </a:lnBlToTr>
+                    <a:noFill/>
+                  </a:tcPr>
+                </a:tc>
+              </a:tr>
+              <a:tr h="437852">
+                <a:tc>
+                  <a:txBody>
+                    <a:bodyPr/>
+                    <a:lstStyle/>
+                    <a:p>
+                      <a:pPr marL="68263" marR="0" lvl="0" indent="0" algn="ctr" defTabSz="914400" rtl="0" eaLnBrk="0" fontAlgn="base" latinLnBrk="0" hangingPunct="0">
+                        <a:lnSpc>
+                          <a:spcPct val="100000"/>
+                        </a:lnSpc>
+                        <a:spcBef>
+                          <a:spcPts val="700"/>
+                        </a:spcBef>
+                        <a:spcAft>
+                          <a:spcPct val="0"/>
+                        </a:spcAft>
+                        <a:buClr>
+                          <a:schemeClr val="tx2"/>
+                        </a:buClr>
+                        <a:buSzPct val="95000"/>
+                        <a:buFont typeface="Wingdings" pitchFamily="2" charset="2"/>
+                        <a:buNone/>
+                        <a:tabLst/>
+                      </a:pPr>
+                      <a:r>
+                        <a:rPr kumimoji="0" lang="pt-BR" sz="1400" b="0" i="0" u="none" strike="noStrike" cap="none" normalizeH="0" baseline="0" dirty="0" smtClean="0">
+                          <a:ln>
+                            <a:noFill/>
+                          </a:ln>
+                          <a:solidFill>
+                            <a:schemeClr val="tx1"/>
+                          </a:solidFill>
+                          <a:effectLst/>
+                          <a:latin typeface="Corbel" pitchFamily="34" charset="0"/>
+                        </a:rPr>
+                        <a:t>Total Detectadas</a:t>
+                      </a:r>
+                    </a:p>
+                  </a:txBody>
+                  <a:tcPr horzOverflow="overflow">
+                    <a:lnL w="28575" cap="flat" cmpd="sng" algn="ctr">
+                      <a:solidFill>
+                        <a:schemeClr val="tx1"/>
+                      </a:solidFill>
+                      <a:prstDash val="solid"/>
+                      <a:round/>
+                      <a:headEnd type="none" w="med" len="med"/>
+                      <a:tailEnd type="none" w="med" len="med"/>
+                    </a:lnL>
+                    <a:lnR w="12700" cap="flat" cmpd="sng" algn="ctr">
+                      <a:solidFill>
+                        <a:schemeClr val="tx1"/>
+                      </a:solidFill>
+                      <a:prstDash val="solid"/>
+                      <a:round/>
+                      <a:headEnd type="none" w="med" len="med"/>
+                      <a:tailEnd type="none" w="med" len="med"/>
+                    </a:lnR>
+                    <a:lnT w="12700" cap="flat" cmpd="sng" algn="ctr">
+                      <a:solidFill>
+                        <a:schemeClr val="tx1"/>
+                      </a:solidFill>
+                      <a:prstDash val="solid"/>
+                      <a:round/>
+                      <a:headEnd type="none" w="med" len="med"/>
+                      <a:tailEnd type="none" w="med" len="med"/>
+                    </a:lnT>
+                    <a:lnB w="12700" cap="flat" cmpd="sng" algn="ctr">
+                      <a:solidFill>
+                        <a:schemeClr val="tx1"/>
+                      </a:solidFill>
+                      <a:prstDash val="solid"/>
+                      <a:round/>
+                      <a:headEnd type="none" w="med" len="med"/>
+                      <a:tailEnd type="none" w="med" len="med"/>
+                    </a:lnB>
+                    <a:lnTlToBr>
+                      <a:noFill/>
+                    </a:lnTlToBr>
+                    <a:lnBlToTr>
+                      <a:noFill/>
+                    </a:lnBlToTr>
+                    <a:noFill/>
+                  </a:tcPr>
+                </a:tc>
+                <a:tc>
+                  <a:txBody>
+                    <a:bodyPr/>
+                    <a:lstStyle/>
+                    <a:p>
+                      <a:pPr marL="68263" marR="0" lvl="0" indent="0" algn="ctr" defTabSz="914400" rtl="0" eaLnBrk="0" fontAlgn="base" latinLnBrk="0" hangingPunct="0">
+                        <a:lnSpc>
+                          <a:spcPct val="100000"/>
+                        </a:lnSpc>
+                        <a:spcBef>
+                          <a:spcPts val="700"/>
+                        </a:spcBef>
+                        <a:spcAft>
+                          <a:spcPct val="0"/>
+                        </a:spcAft>
+                        <a:buClr>
+                          <a:schemeClr val="tx2"/>
+                        </a:buClr>
+                        <a:buSzPct val="95000"/>
+                        <a:buFont typeface="Wingdings" pitchFamily="2" charset="2"/>
+                        <a:buNone/>
+                        <a:tabLst/>
+                      </a:pPr>
+                      <a:r>
+                        <a:rPr kumimoji="0" lang="pt-BR" sz="1400" b="0" i="0" u="none" strike="noStrike" cap="none" normalizeH="0" baseline="0" smtClean="0">
+                          <a:ln>
+                            <a:noFill/>
+                          </a:ln>
+                          <a:solidFill>
+                            <a:schemeClr val="tx1"/>
+                          </a:solidFill>
+                          <a:effectLst/>
+                          <a:latin typeface="Corbel" pitchFamily="34" charset="0"/>
+                        </a:rPr>
+                        <a:t>45</a:t>
+                      </a:r>
+                    </a:p>
+                  </a:txBody>
+                  <a:tcPr horzOverflow="overflow">
+                    <a:lnL w="12700" cap="flat" cmpd="sng" algn="ctr">
+                      <a:solidFill>
+                        <a:schemeClr val="tx1"/>
+                      </a:solidFill>
+                      <a:prstDash val="solid"/>
+                      <a:round/>
+                      <a:headEnd type="none" w="med" len="med"/>
+                      <a:tailEnd type="none" w="med" len="med"/>
+                    </a:lnL>
+                    <a:lnR w="12700" cap="flat" cmpd="sng" algn="ctr">
+                      <a:solidFill>
+                        <a:schemeClr val="tx1"/>
+                      </a:solidFill>
+                      <a:prstDash val="solid"/>
+                      <a:round/>
+                      <a:headEnd type="none" w="med" len="med"/>
+                      <a:tailEnd type="none" w="med" len="med"/>
+                    </a:lnR>
+                    <a:lnT w="12700" cap="flat" cmpd="sng" algn="ctr">
+                      <a:solidFill>
+                        <a:schemeClr val="tx1"/>
+                      </a:solidFill>
+                      <a:prstDash val="solid"/>
+                      <a:round/>
+                      <a:headEnd type="none" w="med" len="med"/>
+                      <a:tailEnd type="none" w="med" len="med"/>
+                    </a:lnT>
+                    <a:lnB w="12700" cap="flat" cmpd="sng" algn="ctr">
+                      <a:solidFill>
+                        <a:schemeClr val="tx1"/>
+                      </a:solidFill>
+                      <a:prstDash val="solid"/>
+                      <a:round/>
+                      <a:headEnd type="none" w="med" len="med"/>
+                      <a:tailEnd type="none" w="med" len="med"/>
+                    </a:lnB>
+                    <a:lnTlToBr>
+                      <a:noFill/>
+                    </a:lnTlToBr>
+                    <a:lnBlToTr>
+                      <a:noFill/>
+                    </a:lnBlToTr>
+                    <a:noFill/>
+                  </a:tcPr>
+                </a:tc>
+                <a:tc>
+                  <a:txBody>
+                    <a:bodyPr/>
+                    <a:lstStyle/>
+                    <a:p>
+                      <a:pPr marL="68263" marR="0" lvl="0" indent="0" algn="ctr" defTabSz="914400" rtl="0" eaLnBrk="0" fontAlgn="base" latinLnBrk="0" hangingPunct="0">
+                        <a:lnSpc>
+                          <a:spcPct val="100000"/>
+                        </a:lnSpc>
+                        <a:spcBef>
+                          <a:spcPts val="700"/>
+                        </a:spcBef>
+                        <a:spcAft>
+                          <a:spcPct val="0"/>
+                        </a:spcAft>
+                        <a:buClr>
+                          <a:schemeClr val="tx2"/>
+                        </a:buClr>
+                        <a:buSzPct val="95000"/>
+                        <a:buFont typeface="Wingdings" pitchFamily="2" charset="2"/>
+                        <a:buNone/>
+                        <a:tabLst/>
+                      </a:pPr>
+                      <a:r>
+                        <a:rPr kumimoji="0" lang="pt-BR" sz="1400" b="0" i="0" u="none" strike="noStrike" cap="none" normalizeH="0" baseline="0" smtClean="0">
+                          <a:ln>
+                            <a:noFill/>
+                          </a:ln>
+                          <a:solidFill>
+                            <a:schemeClr val="tx1"/>
+                          </a:solidFill>
+                          <a:effectLst/>
+                          <a:latin typeface="Corbel" pitchFamily="34" charset="0"/>
+                        </a:rPr>
+                        <a:t>103</a:t>
+                      </a:r>
+                    </a:p>
+                  </a:txBody>
+                  <a:tcPr horzOverflow="overflow">
+                    <a:lnL w="12700" cap="flat" cmpd="sng" algn="ctr">
+                      <a:solidFill>
+                        <a:schemeClr val="tx1"/>
+                      </a:solidFill>
+                      <a:prstDash val="solid"/>
+                      <a:round/>
+                      <a:headEnd type="none" w="med" len="med"/>
+                      <a:tailEnd type="none" w="med" len="med"/>
+                    </a:lnL>
+                    <a:lnR w="12700" cap="flat" cmpd="sng" algn="ctr">
+                      <a:solidFill>
+                        <a:schemeClr val="tx1"/>
+                      </a:solidFill>
+                      <a:prstDash val="solid"/>
+                      <a:round/>
+                      <a:headEnd type="none" w="med" len="med"/>
+                      <a:tailEnd type="none" w="med" len="med"/>
+                    </a:lnR>
+                    <a:lnT w="12700" cap="flat" cmpd="sng" algn="ctr">
+                      <a:solidFill>
+                        <a:schemeClr val="tx1"/>
+                      </a:solidFill>
+                      <a:prstDash val="solid"/>
+                      <a:round/>
+                      <a:headEnd type="none" w="med" len="med"/>
+                      <a:tailEnd type="none" w="med" len="med"/>
+                    </a:lnT>
+                    <a:lnB w="12700" cap="flat" cmpd="sng" algn="ctr">
+                      <a:solidFill>
+                        <a:schemeClr val="tx1"/>
+                      </a:solidFill>
+                      <a:prstDash val="solid"/>
+                      <a:round/>
+                      <a:headEnd type="none" w="med" len="med"/>
+                      <a:tailEnd type="none" w="med" len="med"/>
+                    </a:lnB>
+                    <a:lnTlToBr>
+                      <a:noFill/>
+                    </a:lnTlToBr>
+                    <a:lnBlToTr>
+                      <a:noFill/>
+                    </a:lnBlToTr>
+                    <a:noFill/>
+                  </a:tcPr>
+                </a:tc>
+                <a:tc>
+                  <a:txBody>
+                    <a:bodyPr/>
+                    <a:lstStyle/>
+                    <a:p>
+                      <a:pPr marL="68263" marR="0" lvl="0" indent="0" algn="ctr" defTabSz="914400" rtl="0" eaLnBrk="0" fontAlgn="base" latinLnBrk="0" hangingPunct="0">
+                        <a:lnSpc>
+                          <a:spcPct val="100000"/>
+                        </a:lnSpc>
+                        <a:spcBef>
+                          <a:spcPts val="700"/>
+                        </a:spcBef>
+                        <a:spcAft>
+                          <a:spcPct val="0"/>
+                        </a:spcAft>
+                        <a:buClr>
+                          <a:schemeClr val="tx2"/>
+                        </a:buClr>
+                        <a:buSzPct val="95000"/>
+                        <a:buFont typeface="Wingdings" pitchFamily="2" charset="2"/>
+                        <a:buNone/>
+                        <a:tabLst/>
+                      </a:pPr>
+                      <a:r>
+                        <a:rPr kumimoji="0" lang="pt-BR" sz="1400" b="0" i="0" u="none" strike="noStrike" cap="none" normalizeH="0" baseline="0" smtClean="0">
+                          <a:ln>
+                            <a:noFill/>
+                          </a:ln>
+                          <a:solidFill>
+                            <a:schemeClr val="tx1"/>
+                          </a:solidFill>
+                          <a:effectLst/>
+                          <a:latin typeface="Corbel" pitchFamily="34" charset="0"/>
+                        </a:rPr>
+                        <a:t>6</a:t>
+                      </a:r>
+                    </a:p>
+                  </a:txBody>
+                  <a:tcPr horzOverflow="overflow">
+                    <a:lnL w="12700" cap="flat" cmpd="sng" algn="ctr">
+                      <a:solidFill>
+                        <a:schemeClr val="tx1"/>
+                      </a:solidFill>
+                      <a:prstDash val="solid"/>
+                      <a:round/>
+                      <a:headEnd type="none" w="med" len="med"/>
+                      <a:tailEnd type="none" w="med" len="med"/>
+                    </a:lnL>
+                    <a:lnR w="12700" cap="flat" cmpd="sng" algn="ctr">
+                      <a:solidFill>
+                        <a:schemeClr val="tx1"/>
+                      </a:solidFill>
+                      <a:prstDash val="solid"/>
+                      <a:round/>
+                      <a:headEnd type="none" w="med" len="med"/>
+                      <a:tailEnd type="none" w="med" len="med"/>
+                    </a:lnR>
+                    <a:lnT w="12700" cap="flat" cmpd="sng" algn="ctr">
+                      <a:solidFill>
+                        <a:schemeClr val="tx1"/>
+                      </a:solidFill>
+                      <a:prstDash val="solid"/>
+                      <a:round/>
+                      <a:headEnd type="none" w="med" len="med"/>
+                      <a:tailEnd type="none" w="med" len="med"/>
+                    </a:lnT>
+                    <a:lnB w="12700" cap="flat" cmpd="sng" algn="ctr">
+                      <a:solidFill>
+                        <a:schemeClr val="tx1"/>
+                      </a:solidFill>
+                      <a:prstDash val="solid"/>
+                      <a:round/>
+                      <a:headEnd type="none" w="med" len="med"/>
+                      <a:tailEnd type="none" w="med" len="med"/>
+                    </a:lnB>
+                    <a:lnTlToBr>
+                      <a:noFill/>
+                    </a:lnTlToBr>
+                    <a:lnBlToTr>
+                      <a:noFill/>
+                    </a:lnBlToTr>
+                    <a:noFill/>
+                  </a:tcPr>
+                </a:tc>
+                <a:tc>
+                  <a:txBody>
+                    <a:bodyPr/>
+                    <a:lstStyle/>
+                    <a:p>
+                      <a:pPr marL="68263" marR="0" lvl="0" indent="0" algn="ctr" defTabSz="914400" rtl="0" eaLnBrk="0" fontAlgn="base" latinLnBrk="0" hangingPunct="0">
+                        <a:lnSpc>
+                          <a:spcPct val="100000"/>
+                        </a:lnSpc>
+                        <a:spcBef>
+                          <a:spcPts val="700"/>
+                        </a:spcBef>
+                        <a:spcAft>
+                          <a:spcPct val="0"/>
+                        </a:spcAft>
+                        <a:buClr>
+                          <a:schemeClr val="tx2"/>
+                        </a:buClr>
+                        <a:buSzPct val="95000"/>
+                        <a:buFont typeface="Wingdings" pitchFamily="2" charset="2"/>
+                        <a:buNone/>
+                        <a:tabLst/>
+                      </a:pPr>
+                      <a:r>
+                        <a:rPr kumimoji="0" lang="pt-BR" sz="1400" b="1" i="0" u="none" strike="noStrike" cap="none" normalizeH="0" baseline="0" smtClean="0">
+                          <a:ln>
+                            <a:noFill/>
+                          </a:ln>
+                          <a:solidFill>
+                            <a:schemeClr val="tx1"/>
+                          </a:solidFill>
+                          <a:effectLst/>
+                          <a:latin typeface="Corbel" pitchFamily="34" charset="0"/>
+                        </a:rPr>
+                        <a:t>154</a:t>
+                      </a:r>
+                    </a:p>
+                  </a:txBody>
+                  <a:tcPr horzOverflow="overflow">
+                    <a:lnL w="12700" cap="flat" cmpd="sng" algn="ctr">
+                      <a:solidFill>
+                        <a:schemeClr val="tx1"/>
+                      </a:solidFill>
+                      <a:prstDash val="solid"/>
+                      <a:round/>
+                      <a:headEnd type="none" w="med" len="med"/>
+                      <a:tailEnd type="none" w="med" len="med"/>
+                    </a:lnL>
+                    <a:lnR w="28575" cap="flat" cmpd="sng" algn="ctr">
+                      <a:solidFill>
+                        <a:schemeClr val="tx1"/>
+                      </a:solidFill>
+                      <a:prstDash val="solid"/>
+                      <a:round/>
+                      <a:headEnd type="none" w="med" len="med"/>
+                      <a:tailEnd type="none" w="med" len="med"/>
+                    </a:lnR>
+                    <a:lnT w="12700" cap="flat" cmpd="sng" algn="ctr">
+                      <a:solidFill>
+                        <a:schemeClr val="tx1"/>
+                      </a:solidFill>
+                      <a:prstDash val="solid"/>
+                      <a:round/>
+                      <a:headEnd type="none" w="med" len="med"/>
+                      <a:tailEnd type="none" w="med" len="med"/>
+                    </a:lnT>
+                    <a:lnB w="12700" cap="flat" cmpd="sng" algn="ctr">
+                      <a:solidFill>
+                        <a:schemeClr val="tx1"/>
+                      </a:solidFill>
+                      <a:prstDash val="solid"/>
+                      <a:round/>
+                      <a:headEnd type="none" w="med" len="med"/>
+                      <a:tailEnd type="none" w="med" len="med"/>
+                    </a:lnB>
+                    <a:lnTlToBr>
+                      <a:noFill/>
+                    </a:lnTlToBr>
+                    <a:lnBlToTr>
+                      <a:noFill/>
+                    </a:lnBlToTr>
+                    <a:noFill/>
+                  </a:tcPr>
+                </a:tc>
+              </a:tr>
+              <a:tr h="401775">
+                <a:tc>
+                  <a:txBody>
+                    <a:bodyPr/>
+                    <a:lstStyle/>
+                    <a:p>
+                      <a:pPr marL="68263" marR="0" lvl="0" indent="0" algn="ctr" defTabSz="914400" rtl="0" eaLnBrk="0" fontAlgn="base" latinLnBrk="0" hangingPunct="0">
+                        <a:lnSpc>
+                          <a:spcPct val="100000"/>
+                        </a:lnSpc>
+                        <a:spcBef>
+                          <a:spcPts val="700"/>
+                        </a:spcBef>
+                        <a:spcAft>
+                          <a:spcPct val="0"/>
+                        </a:spcAft>
+                        <a:buClr>
+                          <a:schemeClr val="tx2"/>
+                        </a:buClr>
+                        <a:buSzPct val="95000"/>
+                        <a:buFont typeface="Wingdings" pitchFamily="2" charset="2"/>
+                        <a:buNone/>
+                        <a:tabLst/>
+                      </a:pPr>
+                      <a:r>
+                        <a:rPr kumimoji="0" lang="pt-BR" sz="1400" b="0" i="0" u="none" strike="noStrike" cap="none" normalizeH="0" baseline="0" dirty="0" smtClean="0">
+                          <a:ln>
+                            <a:noFill/>
+                          </a:ln>
+                          <a:solidFill>
+                            <a:schemeClr val="tx1"/>
+                          </a:solidFill>
+                          <a:effectLst/>
+                          <a:latin typeface="Corbel" pitchFamily="34" charset="0"/>
+                        </a:rPr>
+                        <a:t>Falsos Positivos</a:t>
+                      </a:r>
+                    </a:p>
+                  </a:txBody>
+                  <a:tcPr horzOverflow="overflow">
+                    <a:lnL w="28575" cap="flat" cmpd="sng" algn="ctr">
+                      <a:solidFill>
+                        <a:schemeClr val="tx1"/>
+                      </a:solidFill>
+                      <a:prstDash val="solid"/>
+                      <a:round/>
+                      <a:headEnd type="none" w="med" len="med"/>
+                      <a:tailEnd type="none" w="med" len="med"/>
+                    </a:lnL>
+                    <a:lnR w="12700" cap="flat" cmpd="sng" algn="ctr">
+                      <a:solidFill>
+                        <a:schemeClr val="tx1"/>
+                      </a:solidFill>
+                      <a:prstDash val="solid"/>
+                      <a:round/>
+                      <a:headEnd type="none" w="med" len="med"/>
+                      <a:tailEnd type="none" w="med" len="med"/>
+                    </a:lnR>
+                    <a:lnT w="12700" cap="flat" cmpd="sng" algn="ctr">
+                      <a:solidFill>
+                        <a:schemeClr val="tx1"/>
+                      </a:solidFill>
+                      <a:prstDash val="solid"/>
+                      <a:round/>
+                      <a:headEnd type="none" w="med" len="med"/>
+                      <a:tailEnd type="none" w="med" len="med"/>
+                    </a:lnT>
+                    <a:lnB w="12700" cap="flat" cmpd="sng" algn="ctr">
+                      <a:solidFill>
+                        <a:schemeClr val="tx1"/>
+                      </a:solidFill>
+                      <a:prstDash val="solid"/>
+                      <a:round/>
+                      <a:headEnd type="none" w="med" len="med"/>
+                      <a:tailEnd type="none" w="med" len="med"/>
+                    </a:lnB>
+                    <a:lnTlToBr>
+                      <a:noFill/>
+                    </a:lnTlToBr>
+                    <a:lnBlToTr>
+                      <a:noFill/>
+                    </a:lnBlToTr>
+                    <a:noFill/>
+                  </a:tcPr>
+                </a:tc>
+                <a:tc>
+                  <a:txBody>
+                    <a:bodyPr/>
+                    <a:lstStyle/>
+                    <a:p>
+                      <a:pPr marL="68263" marR="0" lvl="0" indent="0" algn="ctr" defTabSz="914400" rtl="0" eaLnBrk="0" fontAlgn="base" latinLnBrk="0" hangingPunct="0">
+                        <a:lnSpc>
+                          <a:spcPct val="100000"/>
+                        </a:lnSpc>
+                        <a:spcBef>
+                          <a:spcPts val="700"/>
+                        </a:spcBef>
+                        <a:spcAft>
+                          <a:spcPct val="0"/>
+                        </a:spcAft>
+                        <a:buClr>
+                          <a:schemeClr val="tx2"/>
+                        </a:buClr>
+                        <a:buSzPct val="95000"/>
+                        <a:buFont typeface="Wingdings" pitchFamily="2" charset="2"/>
+                        <a:buNone/>
+                        <a:tabLst/>
+                      </a:pPr>
+                      <a:r>
+                        <a:rPr kumimoji="0" lang="pt-BR" sz="1400" b="0" i="0" u="none" strike="noStrike" cap="none" normalizeH="0" baseline="0" smtClean="0">
+                          <a:ln>
+                            <a:noFill/>
+                          </a:ln>
+                          <a:solidFill>
+                            <a:schemeClr val="tx1"/>
+                          </a:solidFill>
+                          <a:effectLst/>
+                          <a:latin typeface="Corbel" pitchFamily="34" charset="0"/>
+                        </a:rPr>
+                        <a:t>5</a:t>
+                      </a:r>
+                    </a:p>
+                  </a:txBody>
+                  <a:tcPr horzOverflow="overflow">
+                    <a:lnL w="12700" cap="flat" cmpd="sng" algn="ctr">
+                      <a:solidFill>
+                        <a:schemeClr val="tx1"/>
+                      </a:solidFill>
+                      <a:prstDash val="solid"/>
+                      <a:round/>
+                      <a:headEnd type="none" w="med" len="med"/>
+                      <a:tailEnd type="none" w="med" len="med"/>
+                    </a:lnL>
+                    <a:lnR w="12700" cap="flat" cmpd="sng" algn="ctr">
+                      <a:solidFill>
+                        <a:schemeClr val="tx1"/>
+                      </a:solidFill>
+                      <a:prstDash val="solid"/>
+                      <a:round/>
+                      <a:headEnd type="none" w="med" len="med"/>
+                      <a:tailEnd type="none" w="med" len="med"/>
+                    </a:lnR>
+                    <a:lnT w="12700" cap="flat" cmpd="sng" algn="ctr">
+                      <a:solidFill>
+                        <a:schemeClr val="tx1"/>
+                      </a:solidFill>
+                      <a:prstDash val="solid"/>
+                      <a:round/>
+                      <a:headEnd type="none" w="med" len="med"/>
+                      <a:tailEnd type="none" w="med" len="med"/>
+                    </a:lnT>
+                    <a:lnB w="12700" cap="flat" cmpd="sng" algn="ctr">
+                      <a:solidFill>
+                        <a:schemeClr val="tx1"/>
+                      </a:solidFill>
+                      <a:prstDash val="solid"/>
+                      <a:round/>
+                      <a:headEnd type="none" w="med" len="med"/>
+                      <a:tailEnd type="none" w="med" len="med"/>
+                    </a:lnB>
+                    <a:lnTlToBr>
+                      <a:noFill/>
+                    </a:lnTlToBr>
+                    <a:lnBlToTr>
+                      <a:noFill/>
+                    </a:lnBlToTr>
+                    <a:noFill/>
+                  </a:tcPr>
+                </a:tc>
+                <a:tc>
+                  <a:txBody>
+                    <a:bodyPr/>
+                    <a:lstStyle/>
+                    <a:p>
+                      <a:pPr marL="68263" marR="0" lvl="0" indent="0" algn="ctr" defTabSz="914400" rtl="0" eaLnBrk="0" fontAlgn="base" latinLnBrk="0" hangingPunct="0">
+                        <a:lnSpc>
+                          <a:spcPct val="100000"/>
+                        </a:lnSpc>
+                        <a:spcBef>
+                          <a:spcPts val="700"/>
+                        </a:spcBef>
+                        <a:spcAft>
+                          <a:spcPct val="0"/>
+                        </a:spcAft>
+                        <a:buClr>
+                          <a:schemeClr val="tx2"/>
+                        </a:buClr>
+                        <a:buSzPct val="95000"/>
+                        <a:buFont typeface="Wingdings" pitchFamily="2" charset="2"/>
+                        <a:buNone/>
+                        <a:tabLst/>
+                      </a:pPr>
+                      <a:r>
+                        <a:rPr kumimoji="0" lang="pt-BR" sz="1400" b="0" i="0" u="none" strike="noStrike" cap="none" normalizeH="0" baseline="0" smtClean="0">
+                          <a:ln>
+                            <a:noFill/>
+                          </a:ln>
+                          <a:solidFill>
+                            <a:schemeClr val="tx1"/>
+                          </a:solidFill>
+                          <a:effectLst/>
+                          <a:latin typeface="Corbel" pitchFamily="34" charset="0"/>
+                        </a:rPr>
+                        <a:t>39</a:t>
+                      </a:r>
+                    </a:p>
+                  </a:txBody>
+                  <a:tcPr horzOverflow="overflow">
+                    <a:lnL w="12700" cap="flat" cmpd="sng" algn="ctr">
+                      <a:solidFill>
+                        <a:schemeClr val="tx1"/>
+                      </a:solidFill>
+                      <a:prstDash val="solid"/>
+                      <a:round/>
+                      <a:headEnd type="none" w="med" len="med"/>
+                      <a:tailEnd type="none" w="med" len="med"/>
+                    </a:lnL>
+                    <a:lnR w="12700" cap="flat" cmpd="sng" algn="ctr">
+                      <a:solidFill>
+                        <a:schemeClr val="tx1"/>
+                      </a:solidFill>
+                      <a:prstDash val="solid"/>
+                      <a:round/>
+                      <a:headEnd type="none" w="med" len="med"/>
+                      <a:tailEnd type="none" w="med" len="med"/>
+                    </a:lnR>
+                    <a:lnT w="12700" cap="flat" cmpd="sng" algn="ctr">
+                      <a:solidFill>
+                        <a:schemeClr val="tx1"/>
+                      </a:solidFill>
+                      <a:prstDash val="solid"/>
+                      <a:round/>
+                      <a:headEnd type="none" w="med" len="med"/>
+                      <a:tailEnd type="none" w="med" len="med"/>
+                    </a:lnT>
+                    <a:lnB w="12700" cap="flat" cmpd="sng" algn="ctr">
+                      <a:solidFill>
+                        <a:schemeClr val="tx1"/>
+                      </a:solidFill>
+                      <a:prstDash val="solid"/>
+                      <a:round/>
+                      <a:headEnd type="none" w="med" len="med"/>
+                      <a:tailEnd type="none" w="med" len="med"/>
+                    </a:lnB>
+                    <a:lnTlToBr>
+                      <a:noFill/>
+                    </a:lnTlToBr>
+                    <a:lnBlToTr>
+                      <a:noFill/>
+                    </a:lnBlToTr>
+                    <a:noFill/>
+                  </a:tcPr>
+                </a:tc>
+                <a:tc>
+                  <a:txBody>
+                    <a:bodyPr/>
+                    <a:lstStyle/>
+                    <a:p>
+                      <a:pPr marL="68263" marR="0" lvl="0" indent="0" algn="ctr" defTabSz="914400" rtl="0" eaLnBrk="0" fontAlgn="base" latinLnBrk="0" hangingPunct="0">
+                        <a:lnSpc>
+                          <a:spcPct val="100000"/>
+                        </a:lnSpc>
+                        <a:spcBef>
+                          <a:spcPts val="700"/>
+                        </a:spcBef>
+                        <a:spcAft>
+                          <a:spcPct val="0"/>
+                        </a:spcAft>
+                        <a:buClr>
+                          <a:schemeClr val="tx2"/>
+                        </a:buClr>
+                        <a:buSzPct val="95000"/>
+                        <a:buFont typeface="Wingdings" pitchFamily="2" charset="2"/>
+                        <a:buNone/>
+                        <a:tabLst/>
+                      </a:pPr>
+                      <a:r>
+                        <a:rPr kumimoji="0" lang="pt-BR" sz="1400" b="0" i="0" u="none" strike="noStrike" cap="none" normalizeH="0" baseline="0" smtClean="0">
+                          <a:ln>
+                            <a:noFill/>
+                          </a:ln>
+                          <a:solidFill>
+                            <a:schemeClr val="tx1"/>
+                          </a:solidFill>
+                          <a:effectLst/>
+                          <a:latin typeface="Corbel" pitchFamily="34" charset="0"/>
+                        </a:rPr>
+                        <a:t>0</a:t>
+                      </a:r>
+                    </a:p>
+                  </a:txBody>
+                  <a:tcPr horzOverflow="overflow">
+                    <a:lnL w="12700" cap="flat" cmpd="sng" algn="ctr">
+                      <a:solidFill>
+                        <a:schemeClr val="tx1"/>
+                      </a:solidFill>
+                      <a:prstDash val="solid"/>
+                      <a:round/>
+                      <a:headEnd type="none" w="med" len="med"/>
+                      <a:tailEnd type="none" w="med" len="med"/>
+                    </a:lnL>
+                    <a:lnR w="12700" cap="flat" cmpd="sng" algn="ctr">
+                      <a:solidFill>
+                        <a:schemeClr val="tx1"/>
+                      </a:solidFill>
+                      <a:prstDash val="solid"/>
+                      <a:round/>
+                      <a:headEnd type="none" w="med" len="med"/>
+                      <a:tailEnd type="none" w="med" len="med"/>
+                    </a:lnR>
+                    <a:lnT w="12700" cap="flat" cmpd="sng" algn="ctr">
+                      <a:solidFill>
+                        <a:schemeClr val="tx1"/>
+                      </a:solidFill>
+                      <a:prstDash val="solid"/>
+                      <a:round/>
+                      <a:headEnd type="none" w="med" len="med"/>
+                      <a:tailEnd type="none" w="med" len="med"/>
+                    </a:lnT>
+                    <a:lnB w="12700" cap="flat" cmpd="sng" algn="ctr">
+                      <a:solidFill>
+                        <a:schemeClr val="tx1"/>
+                      </a:solidFill>
+                      <a:prstDash val="solid"/>
+                      <a:round/>
+                      <a:headEnd type="none" w="med" len="med"/>
+                      <a:tailEnd type="none" w="med" len="med"/>
+                    </a:lnB>
+                    <a:lnTlToBr>
+                      <a:noFill/>
+                    </a:lnTlToBr>
+                    <a:lnBlToTr>
+                      <a:noFill/>
+                    </a:lnBlToTr>
+                    <a:noFill/>
+                  </a:tcPr>
+                </a:tc>
+                <a:tc>
+                  <a:txBody>
+                    <a:bodyPr/>
+                    <a:lstStyle/>
+                    <a:p>
+                      <a:pPr marL="68263" marR="0" lvl="0" indent="0" algn="ctr" defTabSz="914400" rtl="0" eaLnBrk="0" fontAlgn="base" latinLnBrk="0" hangingPunct="0">
+                        <a:lnSpc>
+                          <a:spcPct val="100000"/>
+                        </a:lnSpc>
+                        <a:spcBef>
+                          <a:spcPts val="700"/>
+                        </a:spcBef>
+                        <a:spcAft>
+                          <a:spcPct val="0"/>
+                        </a:spcAft>
+                        <a:buClr>
+                          <a:schemeClr val="tx2"/>
+                        </a:buClr>
+                        <a:buSzPct val="95000"/>
+                        <a:buFont typeface="Wingdings" pitchFamily="2" charset="2"/>
+                        <a:buNone/>
+                        <a:tabLst/>
+                      </a:pPr>
+                      <a:r>
+                        <a:rPr kumimoji="0" lang="pt-BR" sz="1400" b="1" i="0" u="none" strike="noStrike" cap="none" normalizeH="0" baseline="0" dirty="0" smtClean="0">
+                          <a:ln>
+                            <a:noFill/>
+                          </a:ln>
+                          <a:solidFill>
+                            <a:schemeClr val="tx1"/>
+                          </a:solidFill>
+                          <a:effectLst/>
+                          <a:latin typeface="Corbel" pitchFamily="34" charset="0"/>
+                        </a:rPr>
+                        <a:t>44</a:t>
+                      </a:r>
+                    </a:p>
+                  </a:txBody>
+                  <a:tcPr horzOverflow="overflow">
+                    <a:lnL w="12700" cap="flat" cmpd="sng" algn="ctr">
+                      <a:solidFill>
+                        <a:schemeClr val="tx1"/>
+                      </a:solidFill>
+                      <a:prstDash val="solid"/>
+                      <a:round/>
+                      <a:headEnd type="none" w="med" len="med"/>
+                      <a:tailEnd type="none" w="med" len="med"/>
+                    </a:lnL>
+                    <a:lnR w="28575" cap="flat" cmpd="sng" algn="ctr">
+                      <a:solidFill>
+                        <a:schemeClr val="tx1"/>
+                      </a:solidFill>
+                      <a:prstDash val="solid"/>
+                      <a:round/>
+                      <a:headEnd type="none" w="med" len="med"/>
+                      <a:tailEnd type="none" w="med" len="med"/>
+                    </a:lnR>
+                    <a:lnT w="12700" cap="flat" cmpd="sng" algn="ctr">
+                      <a:solidFill>
+                        <a:schemeClr val="tx1"/>
+                      </a:solidFill>
+                      <a:prstDash val="solid"/>
+                      <a:round/>
+                      <a:headEnd type="none" w="med" len="med"/>
+                      <a:tailEnd type="none" w="med" len="med"/>
+                    </a:lnT>
+                    <a:lnB w="12700" cap="flat" cmpd="sng" algn="ctr">
+                      <a:solidFill>
+                        <a:schemeClr val="tx1"/>
+                      </a:solidFill>
+                      <a:prstDash val="solid"/>
+                      <a:round/>
+                      <a:headEnd type="none" w="med" len="med"/>
+                      <a:tailEnd type="none" w="med" len="med"/>
+                    </a:lnB>
+                    <a:lnTlToBr>
+                      <a:noFill/>
+                    </a:lnTlToBr>
+                    <a:lnBlToTr>
+                      <a:noFill/>
+                    </a:lnBlToTr>
+                    <a:noFill/>
+                  </a:tcPr>
+                </a:tc>
+              </a:tr>
+              <a:tr h="401775">
+                <a:tc>
+                  <a:txBody>
+                    <a:bodyPr/>
+                    <a:lstStyle/>
+                    <a:p>
+                      <a:pPr marL="68263" marR="0" lvl="0" indent="0" algn="ctr" defTabSz="914400" rtl="0" eaLnBrk="0" fontAlgn="base" latinLnBrk="0" hangingPunct="0">
+                        <a:lnSpc>
+                          <a:spcPct val="100000"/>
+                        </a:lnSpc>
+                        <a:spcBef>
+                          <a:spcPts val="700"/>
+                        </a:spcBef>
+                        <a:spcAft>
+                          <a:spcPct val="0"/>
+                        </a:spcAft>
+                        <a:buClr>
+                          <a:schemeClr val="tx2"/>
+                        </a:buClr>
+                        <a:buSzPct val="95000"/>
+                        <a:buFont typeface="Wingdings" pitchFamily="2" charset="2"/>
+                        <a:buNone/>
+                        <a:tabLst/>
+                      </a:pPr>
+                      <a:r>
+                        <a:rPr kumimoji="0" lang="pt-BR" sz="1400" b="0" i="0" u="none" strike="noStrike" cap="none" normalizeH="0" baseline="0" dirty="0" smtClean="0">
+                          <a:ln>
+                            <a:noFill/>
+                          </a:ln>
+                          <a:solidFill>
+                            <a:schemeClr val="tx1"/>
+                          </a:solidFill>
+                          <a:effectLst/>
+                          <a:latin typeface="Corbel" pitchFamily="34" charset="0"/>
+                        </a:rPr>
+                        <a:t>Taxa de acerto</a:t>
+                      </a:r>
+                    </a:p>
+                  </a:txBody>
+                  <a:tcPr horzOverflow="overflow">
+                    <a:lnL w="28575" cap="flat" cmpd="sng" algn="ctr">
+                      <a:solidFill>
+                        <a:schemeClr val="tx1"/>
+                      </a:solidFill>
+                      <a:prstDash val="solid"/>
+                      <a:round/>
+                      <a:headEnd type="none" w="med" len="med"/>
+                      <a:tailEnd type="none" w="med" len="med"/>
+                    </a:lnL>
+                    <a:lnR w="12700" cap="flat" cmpd="sng" algn="ctr">
+                      <a:solidFill>
+                        <a:schemeClr val="tx1"/>
+                      </a:solidFill>
+                      <a:prstDash val="solid"/>
+                      <a:round/>
+                      <a:headEnd type="none" w="med" len="med"/>
+                      <a:tailEnd type="none" w="med" len="med"/>
+                    </a:lnR>
+                    <a:lnT w="12700" cap="flat" cmpd="sng" algn="ctr">
+                      <a:solidFill>
+                        <a:schemeClr val="tx1"/>
+                      </a:solidFill>
+                      <a:prstDash val="solid"/>
+                      <a:round/>
+                      <a:headEnd type="none" w="med" len="med"/>
+                      <a:tailEnd type="none" w="med" len="med"/>
+                    </a:lnT>
+                    <a:lnB w="12700" cap="flat" cmpd="sng" algn="ctr">
+                      <a:solidFill>
+                        <a:schemeClr val="tx1"/>
+                      </a:solidFill>
+                      <a:prstDash val="solid"/>
+                      <a:round/>
+                      <a:headEnd type="none" w="med" len="med"/>
+                      <a:tailEnd type="none" w="med" len="med"/>
+                    </a:lnB>
+                    <a:lnTlToBr>
+                      <a:noFill/>
+                    </a:lnTlToBr>
+                    <a:lnBlToTr>
+                      <a:noFill/>
+                    </a:lnBlToTr>
+                    <a:noFill/>
+                  </a:tcPr>
+                </a:tc>
+                <a:tc>
+                  <a:txBody>
+                    <a:bodyPr/>
+                    <a:lstStyle/>
+                    <a:p>
+                      <a:pPr marL="68263" marR="0" lvl="0" indent="0" algn="ctr" defTabSz="914400" rtl="0" eaLnBrk="0" fontAlgn="base" latinLnBrk="0" hangingPunct="0">
+                        <a:lnSpc>
+                          <a:spcPct val="100000"/>
+                        </a:lnSpc>
+                        <a:spcBef>
+                          <a:spcPts val="700"/>
+                        </a:spcBef>
+                        <a:spcAft>
+                          <a:spcPct val="0"/>
+                        </a:spcAft>
+                        <a:buClr>
+                          <a:schemeClr val="tx2"/>
+                        </a:buClr>
+                        <a:buSzPct val="95000"/>
+                        <a:buFont typeface="Wingdings" pitchFamily="2" charset="2"/>
+                        <a:buNone/>
+                        <a:tabLst/>
+                      </a:pPr>
+                      <a:r>
+                        <a:rPr kumimoji="0" lang="pt-BR" sz="1400" b="0" i="0" u="none" strike="noStrike" cap="none" normalizeH="0" baseline="0" dirty="0" smtClean="0">
+                          <a:ln>
+                            <a:noFill/>
+                          </a:ln>
+                          <a:solidFill>
+                            <a:schemeClr val="tx1"/>
+                          </a:solidFill>
+                          <a:effectLst/>
+                          <a:latin typeface="Corbel" pitchFamily="34" charset="0"/>
+                        </a:rPr>
+                        <a:t>55,56%</a:t>
+                      </a:r>
+                      <a:endParaRPr kumimoji="0" lang="pt-BR" sz="1400" b="0" i="0" u="none" strike="noStrike" cap="none" normalizeH="0" baseline="0" dirty="0" smtClean="0">
+                        <a:ln>
+                          <a:noFill/>
+                        </a:ln>
+                        <a:solidFill>
+                          <a:schemeClr val="tx1"/>
+                        </a:solidFill>
+                        <a:effectLst/>
+                        <a:latin typeface="Corbel" pitchFamily="34" charset="0"/>
+                      </a:endParaRPr>
+                    </a:p>
+                  </a:txBody>
+                  <a:tcPr horzOverflow="overflow">
+                    <a:lnL w="12700" cap="flat" cmpd="sng" algn="ctr">
+                      <a:solidFill>
+                        <a:schemeClr val="tx1"/>
+                      </a:solidFill>
+                      <a:prstDash val="solid"/>
+                      <a:round/>
+                      <a:headEnd type="none" w="med" len="med"/>
+                      <a:tailEnd type="none" w="med" len="med"/>
+                    </a:lnL>
+                    <a:lnR w="12700" cap="flat" cmpd="sng" algn="ctr">
+                      <a:solidFill>
+                        <a:schemeClr val="tx1"/>
+                      </a:solidFill>
+                      <a:prstDash val="solid"/>
+                      <a:round/>
+                      <a:headEnd type="none" w="med" len="med"/>
+                      <a:tailEnd type="none" w="med" len="med"/>
+                    </a:lnR>
+                    <a:lnT w="12700" cap="flat" cmpd="sng" algn="ctr">
+                      <a:solidFill>
+                        <a:schemeClr val="tx1"/>
+                      </a:solidFill>
+                      <a:prstDash val="solid"/>
+                      <a:round/>
+                      <a:headEnd type="none" w="med" len="med"/>
+                      <a:tailEnd type="none" w="med" len="med"/>
+                    </a:lnT>
+                    <a:lnB w="12700" cap="flat" cmpd="sng" algn="ctr">
+                      <a:solidFill>
+                        <a:schemeClr val="tx1"/>
+                      </a:solidFill>
+                      <a:prstDash val="solid"/>
+                      <a:round/>
+                      <a:headEnd type="none" w="med" len="med"/>
+                      <a:tailEnd type="none" w="med" len="med"/>
+                    </a:lnB>
+                    <a:lnTlToBr>
+                      <a:noFill/>
+                    </a:lnTlToBr>
+                    <a:lnBlToTr>
+                      <a:noFill/>
+                    </a:lnBlToTr>
+                    <a:noFill/>
+                  </a:tcPr>
+                </a:tc>
+                <a:tc>
+                  <a:txBody>
+                    <a:bodyPr/>
+                    <a:lstStyle/>
+                    <a:p>
+                      <a:pPr marL="68263" marR="0" lvl="0" indent="0" algn="ctr" defTabSz="914400" rtl="0" eaLnBrk="0" fontAlgn="base" latinLnBrk="0" hangingPunct="0">
+                        <a:lnSpc>
+                          <a:spcPct val="100000"/>
+                        </a:lnSpc>
+                        <a:spcBef>
+                          <a:spcPts val="700"/>
+                        </a:spcBef>
+                        <a:spcAft>
+                          <a:spcPct val="0"/>
+                        </a:spcAft>
+                        <a:buClr>
+                          <a:schemeClr val="tx2"/>
+                        </a:buClr>
+                        <a:buSzPct val="95000"/>
+                        <a:buFont typeface="Wingdings" pitchFamily="2" charset="2"/>
+                        <a:buNone/>
+                        <a:tabLst/>
+                      </a:pPr>
+                      <a:r>
+                        <a:rPr kumimoji="0" lang="pt-BR" sz="1400" b="0" i="0" u="none" strike="noStrike" cap="none" normalizeH="0" baseline="0" dirty="0" smtClean="0">
+                          <a:ln>
+                            <a:noFill/>
+                          </a:ln>
+                          <a:solidFill>
+                            <a:schemeClr val="tx1"/>
+                          </a:solidFill>
+                          <a:effectLst/>
+                          <a:latin typeface="Corbel" pitchFamily="34" charset="0"/>
+                        </a:rPr>
+                        <a:t>49,61%</a:t>
+                      </a:r>
+                      <a:endParaRPr kumimoji="0" lang="pt-BR" sz="1400" b="0" i="0" u="none" strike="noStrike" cap="none" normalizeH="0" baseline="0" dirty="0" smtClean="0">
+                        <a:ln>
+                          <a:noFill/>
+                        </a:ln>
+                        <a:solidFill>
+                          <a:schemeClr val="tx1"/>
+                        </a:solidFill>
+                        <a:effectLst/>
+                        <a:latin typeface="Corbel" pitchFamily="34" charset="0"/>
+                      </a:endParaRPr>
+                    </a:p>
+                  </a:txBody>
+                  <a:tcPr horzOverflow="overflow">
+                    <a:lnL w="12700" cap="flat" cmpd="sng" algn="ctr">
+                      <a:solidFill>
+                        <a:schemeClr val="tx1"/>
+                      </a:solidFill>
+                      <a:prstDash val="solid"/>
+                      <a:round/>
+                      <a:headEnd type="none" w="med" len="med"/>
+                      <a:tailEnd type="none" w="med" len="med"/>
+                    </a:lnL>
+                    <a:lnR w="12700" cap="flat" cmpd="sng" algn="ctr">
+                      <a:solidFill>
+                        <a:schemeClr val="tx1"/>
+                      </a:solidFill>
+                      <a:prstDash val="solid"/>
+                      <a:round/>
+                      <a:headEnd type="none" w="med" len="med"/>
+                      <a:tailEnd type="none" w="med" len="med"/>
+                    </a:lnR>
+                    <a:lnT w="12700" cap="flat" cmpd="sng" algn="ctr">
+                      <a:solidFill>
+                        <a:schemeClr val="tx1"/>
+                      </a:solidFill>
+                      <a:prstDash val="solid"/>
+                      <a:round/>
+                      <a:headEnd type="none" w="med" len="med"/>
+                      <a:tailEnd type="none" w="med" len="med"/>
+                    </a:lnT>
+                    <a:lnB w="12700" cap="flat" cmpd="sng" algn="ctr">
+                      <a:solidFill>
+                        <a:schemeClr val="tx1"/>
+                      </a:solidFill>
+                      <a:prstDash val="solid"/>
+                      <a:round/>
+                      <a:headEnd type="none" w="med" len="med"/>
+                      <a:tailEnd type="none" w="med" len="med"/>
+                    </a:lnB>
+                    <a:lnTlToBr>
+                      <a:noFill/>
+                    </a:lnTlToBr>
+                    <a:lnBlToTr>
+                      <a:noFill/>
+                    </a:lnBlToTr>
+                    <a:noFill/>
+                  </a:tcPr>
+                </a:tc>
+                <a:tc>
+                  <a:txBody>
+                    <a:bodyPr/>
+                    <a:lstStyle/>
+                    <a:p>
+                      <a:pPr marL="68263" marR="0" lvl="0" indent="0" algn="ctr" defTabSz="914400" rtl="0" eaLnBrk="0" fontAlgn="base" latinLnBrk="0" hangingPunct="0">
+                        <a:lnSpc>
+                          <a:spcPct val="100000"/>
+                        </a:lnSpc>
+                        <a:spcBef>
+                          <a:spcPts val="700"/>
+                        </a:spcBef>
+                        <a:spcAft>
+                          <a:spcPct val="0"/>
+                        </a:spcAft>
+                        <a:buClr>
+                          <a:schemeClr val="tx2"/>
+                        </a:buClr>
+                        <a:buSzPct val="95000"/>
+                        <a:buFont typeface="Wingdings" pitchFamily="2" charset="2"/>
+                        <a:buNone/>
+                        <a:tabLst/>
+                      </a:pPr>
+                      <a:r>
+                        <a:rPr kumimoji="0" lang="pt-BR" sz="1400" b="0" i="0" u="none" strike="noStrike" cap="none" normalizeH="0" baseline="0" dirty="0" smtClean="0">
+                          <a:ln>
+                            <a:noFill/>
+                          </a:ln>
+                          <a:solidFill>
+                            <a:schemeClr val="tx1"/>
+                          </a:solidFill>
+                          <a:effectLst/>
+                          <a:latin typeface="Corbel" pitchFamily="34" charset="0"/>
+                        </a:rPr>
+                        <a:t>100%</a:t>
+                      </a:r>
+                      <a:endParaRPr kumimoji="0" lang="pt-BR" sz="1400" b="0" i="0" u="none" strike="noStrike" cap="none" normalizeH="0" baseline="0" dirty="0" smtClean="0">
+                        <a:ln>
+                          <a:noFill/>
+                        </a:ln>
+                        <a:solidFill>
+                          <a:schemeClr val="tx1"/>
+                        </a:solidFill>
+                        <a:effectLst/>
+                        <a:latin typeface="Corbel" pitchFamily="34" charset="0"/>
+                      </a:endParaRPr>
+                    </a:p>
+                  </a:txBody>
+                  <a:tcPr horzOverflow="overflow">
+                    <a:lnL w="12700" cap="flat" cmpd="sng" algn="ctr">
+                      <a:solidFill>
+                        <a:schemeClr val="tx1"/>
+                      </a:solidFill>
+                      <a:prstDash val="solid"/>
+                      <a:round/>
+                      <a:headEnd type="none" w="med" len="med"/>
+                      <a:tailEnd type="none" w="med" len="med"/>
+                    </a:lnL>
+                    <a:lnR w="12700" cap="flat" cmpd="sng" algn="ctr">
+                      <a:solidFill>
+                        <a:schemeClr val="tx1"/>
+                      </a:solidFill>
+                      <a:prstDash val="solid"/>
+                      <a:round/>
+                      <a:headEnd type="none" w="med" len="med"/>
+                      <a:tailEnd type="none" w="med" len="med"/>
+                    </a:lnR>
+                    <a:lnT w="12700" cap="flat" cmpd="sng" algn="ctr">
+                      <a:solidFill>
+                        <a:schemeClr val="tx1"/>
+                      </a:solidFill>
+                      <a:prstDash val="solid"/>
+                      <a:round/>
+                      <a:headEnd type="none" w="med" len="med"/>
+                      <a:tailEnd type="none" w="med" len="med"/>
+                    </a:lnT>
+                    <a:lnB w="12700" cap="flat" cmpd="sng" algn="ctr">
+                      <a:solidFill>
+                        <a:schemeClr val="tx1"/>
+                      </a:solidFill>
+                      <a:prstDash val="solid"/>
+                      <a:round/>
+                      <a:headEnd type="none" w="med" len="med"/>
+                      <a:tailEnd type="none" w="med" len="med"/>
+                    </a:lnB>
+                    <a:lnTlToBr>
+                      <a:noFill/>
+                    </a:lnTlToBr>
+                    <a:lnBlToTr>
+                      <a:noFill/>
+                    </a:lnBlToTr>
+                    <a:noFill/>
+                  </a:tcPr>
+                </a:tc>
+                <a:tc>
+                  <a:txBody>
+                    <a:bodyPr/>
+                    <a:lstStyle/>
+                    <a:p>
+                      <a:pPr marL="68263" marR="0" lvl="0" indent="0" algn="ctr" defTabSz="914400" rtl="0" eaLnBrk="0" fontAlgn="base" latinLnBrk="0" hangingPunct="0">
+                        <a:lnSpc>
+                          <a:spcPct val="100000"/>
+                        </a:lnSpc>
+                        <a:spcBef>
+                          <a:spcPts val="700"/>
+                        </a:spcBef>
+                        <a:spcAft>
+                          <a:spcPct val="0"/>
+                        </a:spcAft>
+                        <a:buClr>
+                          <a:schemeClr val="tx2"/>
+                        </a:buClr>
+                        <a:buSzPct val="95000"/>
+                        <a:buFont typeface="Wingdings" pitchFamily="2" charset="2"/>
+                        <a:buNone/>
+                        <a:tabLst/>
+                      </a:pPr>
+                      <a:r>
+                        <a:rPr kumimoji="0" lang="pt-BR" sz="1400" b="1" i="0" u="none" strike="noStrike" cap="none" normalizeH="0" baseline="0" dirty="0" smtClean="0">
+                          <a:ln>
+                            <a:noFill/>
+                          </a:ln>
+                          <a:solidFill>
+                            <a:schemeClr val="tx1"/>
+                          </a:solidFill>
+                          <a:effectLst/>
+                          <a:latin typeface="Corbel" pitchFamily="34" charset="0"/>
+                        </a:rPr>
+                        <a:t>53,14%</a:t>
+                      </a:r>
+                      <a:endParaRPr kumimoji="0" lang="pt-BR" sz="1400" b="1" i="0" u="none" strike="noStrike" cap="none" normalizeH="0" baseline="0" dirty="0" smtClean="0">
+                        <a:ln>
+                          <a:noFill/>
+                        </a:ln>
+                        <a:solidFill>
+                          <a:schemeClr val="tx1"/>
+                        </a:solidFill>
+                        <a:effectLst/>
+                        <a:latin typeface="Corbel" pitchFamily="34" charset="0"/>
+                      </a:endParaRPr>
+                    </a:p>
+                  </a:txBody>
+                  <a:tcPr horzOverflow="overflow">
+                    <a:lnL w="12700" cap="flat" cmpd="sng" algn="ctr">
+                      <a:solidFill>
+                        <a:schemeClr val="tx1"/>
+                      </a:solidFill>
+                      <a:prstDash val="solid"/>
+                      <a:round/>
+                      <a:headEnd type="none" w="med" len="med"/>
+                      <a:tailEnd type="none" w="med" len="med"/>
+                    </a:lnL>
+                    <a:lnR w="28575" cap="flat" cmpd="sng" algn="ctr">
+                      <a:solidFill>
+                        <a:schemeClr val="tx1"/>
+                      </a:solidFill>
+                      <a:prstDash val="solid"/>
+                      <a:round/>
+                      <a:headEnd type="none" w="med" len="med"/>
+                      <a:tailEnd type="none" w="med" len="med"/>
+                    </a:lnR>
+                    <a:lnT w="12700" cap="flat" cmpd="sng" algn="ctr">
+                      <a:solidFill>
+                        <a:schemeClr val="tx1"/>
+                      </a:solidFill>
+                      <a:prstDash val="solid"/>
+                      <a:round/>
+                      <a:headEnd type="none" w="med" len="med"/>
+                      <a:tailEnd type="none" w="med" len="med"/>
+                    </a:lnT>
+                    <a:lnB w="12700" cap="flat" cmpd="sng" algn="ctr">
+                      <a:solidFill>
+                        <a:schemeClr val="tx1"/>
+                      </a:solidFill>
+                      <a:prstDash val="solid"/>
+                      <a:round/>
+                      <a:headEnd type="none" w="med" len="med"/>
+                      <a:tailEnd type="none" w="med" len="med"/>
+                    </a:lnB>
+                    <a:lnTlToBr>
+                      <a:noFill/>
+                    </a:lnTlToBr>
+                    <a:lnBlToTr>
+                      <a:noFill/>
+                    </a:lnBlToTr>
+                    <a:noFill/>
+                  </a:tcPr>
+                </a:tc>
+              </a:tr>
+              <a:tr h="401775">
+                <a:tc>
+                  <a:txBody>
+                    <a:bodyPr/>
+                    <a:lstStyle/>
+                    <a:p>
+                      <a:pPr marL="68263" marR="0" lvl="0" indent="0" algn="ctr" defTabSz="914400" rtl="0" eaLnBrk="0" fontAlgn="base" latinLnBrk="0" hangingPunct="0">
+                        <a:lnSpc>
+                          <a:spcPct val="100000"/>
+                        </a:lnSpc>
+                        <a:spcBef>
+                          <a:spcPts val="700"/>
+                        </a:spcBef>
+                        <a:spcAft>
+                          <a:spcPct val="0"/>
+                        </a:spcAft>
+                        <a:buClr>
+                          <a:schemeClr val="tx2"/>
+                        </a:buClr>
+                        <a:buSzPct val="95000"/>
+                        <a:buFont typeface="Wingdings" pitchFamily="2" charset="2"/>
+                        <a:buNone/>
+                        <a:tabLst/>
+                      </a:pPr>
+                      <a:r>
+                        <a:rPr kumimoji="0" lang="pt-BR" sz="1400" b="0" i="0" u="none" strike="noStrike" cap="none" normalizeH="0" baseline="0" dirty="0" smtClean="0">
+                          <a:ln>
+                            <a:noFill/>
+                          </a:ln>
+                          <a:solidFill>
+                            <a:schemeClr val="tx1"/>
+                          </a:solidFill>
+                          <a:effectLst/>
+                          <a:latin typeface="Corbel" pitchFamily="34" charset="0"/>
+                        </a:rPr>
+                        <a:t>Precisão</a:t>
+                      </a:r>
+                      <a:endParaRPr kumimoji="0" lang="pt-BR" sz="1400" b="0" i="0" u="none" strike="noStrike" cap="none" normalizeH="0" baseline="0" dirty="0" smtClean="0">
+                        <a:ln>
+                          <a:noFill/>
+                        </a:ln>
+                        <a:solidFill>
+                          <a:schemeClr val="tx1"/>
+                        </a:solidFill>
+                        <a:effectLst/>
+                        <a:latin typeface="Corbel" pitchFamily="34" charset="0"/>
+                      </a:endParaRPr>
+                    </a:p>
+                  </a:txBody>
+                  <a:tcPr horzOverflow="overflow">
+                    <a:lnL w="28575" cap="flat" cmpd="sng" algn="ctr">
+                      <a:solidFill>
+                        <a:schemeClr val="tx1"/>
+                      </a:solidFill>
+                      <a:prstDash val="solid"/>
+                      <a:round/>
+                      <a:headEnd type="none" w="med" len="med"/>
+                      <a:tailEnd type="none" w="med" len="med"/>
+                    </a:lnL>
+                    <a:lnR w="12700" cap="flat" cmpd="sng" algn="ctr">
+                      <a:solidFill>
+                        <a:schemeClr val="tx1"/>
+                      </a:solidFill>
+                      <a:prstDash val="solid"/>
+                      <a:round/>
+                      <a:headEnd type="none" w="med" len="med"/>
+                      <a:tailEnd type="none" w="med" len="med"/>
+                    </a:lnR>
+                    <a:lnT w="12700" cap="flat" cmpd="sng" algn="ctr">
+                      <a:solidFill>
+                        <a:schemeClr val="tx1"/>
+                      </a:solidFill>
+                      <a:prstDash val="solid"/>
+                      <a:round/>
+                      <a:headEnd type="none" w="med" len="med"/>
+                      <a:tailEnd type="none" w="med" len="med"/>
+                    </a:lnT>
+                    <a:lnB w="28575" cap="flat" cmpd="sng" algn="ctr">
+                      <a:solidFill>
+                        <a:schemeClr val="tx1"/>
+                      </a:solidFill>
+                      <a:prstDash val="solid"/>
+                      <a:round/>
+                      <a:headEnd type="none" w="med" len="med"/>
+                      <a:tailEnd type="none" w="med" len="med"/>
+                    </a:lnB>
+                    <a:lnTlToBr>
+                      <a:noFill/>
+                    </a:lnTlToBr>
+                    <a:lnBlToTr>
+                      <a:noFill/>
+                    </a:lnBlToTr>
+                    <a:noFill/>
+                  </a:tcPr>
+                </a:tc>
+                <a:tc>
+                  <a:txBody>
+                    <a:bodyPr/>
+                    <a:lstStyle/>
+                    <a:p>
+                      <a:pPr marL="68263" marR="0" lvl="0" indent="0" algn="ctr" defTabSz="914400" rtl="0" eaLnBrk="0" fontAlgn="base" latinLnBrk="0" hangingPunct="0">
+                        <a:lnSpc>
+                          <a:spcPct val="100000"/>
+                        </a:lnSpc>
+                        <a:spcBef>
+                          <a:spcPts val="700"/>
+                        </a:spcBef>
+                        <a:spcAft>
+                          <a:spcPct val="0"/>
+                        </a:spcAft>
+                        <a:buClr>
+                          <a:schemeClr val="tx2"/>
+                        </a:buClr>
+                        <a:buSzPct val="95000"/>
+                        <a:buFont typeface="Wingdings" pitchFamily="2" charset="2"/>
+                        <a:buNone/>
+                        <a:tabLst/>
+                      </a:pPr>
+                      <a:r>
+                        <a:rPr kumimoji="0" lang="pt-BR" sz="1400" b="0" i="0" u="none" strike="noStrike" cap="none" normalizeH="0" baseline="0" dirty="0" smtClean="0">
+                          <a:ln>
+                            <a:noFill/>
+                          </a:ln>
+                          <a:solidFill>
+                            <a:schemeClr val="tx1"/>
+                          </a:solidFill>
+                          <a:effectLst/>
+                          <a:latin typeface="Corbel" pitchFamily="34" charset="0"/>
+                        </a:rPr>
+                        <a:t>88,89%</a:t>
+                      </a:r>
+                      <a:endParaRPr kumimoji="0" lang="pt-BR" sz="1400" b="0" i="0" u="none" strike="noStrike" cap="none" normalizeH="0" baseline="0" dirty="0" smtClean="0">
+                        <a:ln>
+                          <a:noFill/>
+                        </a:ln>
+                        <a:solidFill>
+                          <a:schemeClr val="tx1"/>
+                        </a:solidFill>
+                        <a:effectLst/>
+                        <a:latin typeface="Corbel" pitchFamily="34" charset="0"/>
+                      </a:endParaRPr>
+                    </a:p>
+                  </a:txBody>
+                  <a:tcPr horzOverflow="overflow">
+                    <a:lnL w="12700" cap="flat" cmpd="sng" algn="ctr">
+                      <a:solidFill>
+                        <a:schemeClr val="tx1"/>
+                      </a:solidFill>
+                      <a:prstDash val="solid"/>
+                      <a:round/>
+                      <a:headEnd type="none" w="med" len="med"/>
+                      <a:tailEnd type="none" w="med" len="med"/>
+                    </a:lnL>
+                    <a:lnR w="12700" cap="flat" cmpd="sng" algn="ctr">
+                      <a:solidFill>
+                        <a:schemeClr val="tx1"/>
+                      </a:solidFill>
+                      <a:prstDash val="solid"/>
+                      <a:round/>
+                      <a:headEnd type="none" w="med" len="med"/>
+                      <a:tailEnd type="none" w="med" len="med"/>
+                    </a:lnR>
+                    <a:lnT w="12700" cap="flat" cmpd="sng" algn="ctr">
+                      <a:solidFill>
+                        <a:schemeClr val="tx1"/>
+                      </a:solidFill>
+                      <a:prstDash val="solid"/>
+                      <a:round/>
+                      <a:headEnd type="none" w="med" len="med"/>
+                      <a:tailEnd type="none" w="med" len="med"/>
+                    </a:lnT>
+                    <a:lnB w="28575" cap="flat" cmpd="sng" algn="ctr">
+                      <a:solidFill>
+                        <a:schemeClr val="tx1"/>
+                      </a:solidFill>
+                      <a:prstDash val="solid"/>
+                      <a:round/>
+                      <a:headEnd type="none" w="med" len="med"/>
+                      <a:tailEnd type="none" w="med" len="med"/>
+                    </a:lnB>
+                    <a:lnTlToBr>
+                      <a:noFill/>
+                    </a:lnTlToBr>
+                    <a:lnBlToTr>
+                      <a:noFill/>
+                    </a:lnBlToTr>
+                    <a:noFill/>
+                  </a:tcPr>
+                </a:tc>
+                <a:tc>
+                  <a:txBody>
+                    <a:bodyPr/>
+                    <a:lstStyle/>
+                    <a:p>
+                      <a:pPr marL="68263" marR="0" lvl="0" indent="0" algn="ctr" defTabSz="914400" rtl="0" eaLnBrk="0" fontAlgn="base" latinLnBrk="0" hangingPunct="0">
+                        <a:lnSpc>
+                          <a:spcPct val="100000"/>
+                        </a:lnSpc>
+                        <a:spcBef>
+                          <a:spcPts val="700"/>
+                        </a:spcBef>
+                        <a:spcAft>
+                          <a:spcPct val="0"/>
+                        </a:spcAft>
+                        <a:buClr>
+                          <a:schemeClr val="tx2"/>
+                        </a:buClr>
+                        <a:buSzPct val="95000"/>
+                        <a:buFont typeface="Wingdings" pitchFamily="2" charset="2"/>
+                        <a:buNone/>
+                        <a:tabLst/>
+                      </a:pPr>
+                      <a:r>
+                        <a:rPr kumimoji="0" lang="pt-BR" sz="1400" b="0" i="0" u="none" strike="noStrike" cap="none" normalizeH="0" baseline="0" dirty="0" smtClean="0">
+                          <a:ln>
+                            <a:noFill/>
+                          </a:ln>
+                          <a:solidFill>
+                            <a:schemeClr val="tx1"/>
+                          </a:solidFill>
+                          <a:effectLst/>
+                          <a:latin typeface="Corbel" pitchFamily="34" charset="0"/>
+                        </a:rPr>
+                        <a:t>62,14%</a:t>
+                      </a:r>
+                      <a:endParaRPr kumimoji="0" lang="pt-BR" sz="1400" b="0" i="0" u="none" strike="noStrike" cap="none" normalizeH="0" baseline="0" dirty="0" smtClean="0">
+                        <a:ln>
+                          <a:noFill/>
+                        </a:ln>
+                        <a:solidFill>
+                          <a:schemeClr val="tx1"/>
+                        </a:solidFill>
+                        <a:effectLst/>
+                        <a:latin typeface="Corbel" pitchFamily="34" charset="0"/>
+                      </a:endParaRPr>
+                    </a:p>
+                  </a:txBody>
+                  <a:tcPr horzOverflow="overflow">
+                    <a:lnL w="12700" cap="flat" cmpd="sng" algn="ctr">
+                      <a:solidFill>
+                        <a:schemeClr val="tx1"/>
+                      </a:solidFill>
+                      <a:prstDash val="solid"/>
+                      <a:round/>
+                      <a:headEnd type="none" w="med" len="med"/>
+                      <a:tailEnd type="none" w="med" len="med"/>
+                    </a:lnL>
+                    <a:lnR w="12700" cap="flat" cmpd="sng" algn="ctr">
+                      <a:solidFill>
+                        <a:schemeClr val="tx1"/>
+                      </a:solidFill>
+                      <a:prstDash val="solid"/>
+                      <a:round/>
+                      <a:headEnd type="none" w="med" len="med"/>
+                      <a:tailEnd type="none" w="med" len="med"/>
+                    </a:lnR>
+                    <a:lnT w="12700" cap="flat" cmpd="sng" algn="ctr">
+                      <a:solidFill>
+                        <a:schemeClr val="tx1"/>
+                      </a:solidFill>
+                      <a:prstDash val="solid"/>
+                      <a:round/>
+                      <a:headEnd type="none" w="med" len="med"/>
+                      <a:tailEnd type="none" w="med" len="med"/>
+                    </a:lnT>
+                    <a:lnB w="28575" cap="flat" cmpd="sng" algn="ctr">
+                      <a:solidFill>
+                        <a:schemeClr val="tx1"/>
+                      </a:solidFill>
+                      <a:prstDash val="solid"/>
+                      <a:round/>
+                      <a:headEnd type="none" w="med" len="med"/>
+                      <a:tailEnd type="none" w="med" len="med"/>
+                    </a:lnB>
+                    <a:lnTlToBr>
+                      <a:noFill/>
+                    </a:lnTlToBr>
+                    <a:lnBlToTr>
+                      <a:noFill/>
+                    </a:lnBlToTr>
+                    <a:noFill/>
+                  </a:tcPr>
+                </a:tc>
+                <a:tc>
+                  <a:txBody>
+                    <a:bodyPr/>
+                    <a:lstStyle/>
+                    <a:p>
+                      <a:pPr marL="68263" marR="0" lvl="0" indent="0" algn="ctr" defTabSz="914400" rtl="0" eaLnBrk="0" fontAlgn="base" latinLnBrk="0" hangingPunct="0">
+                        <a:lnSpc>
+                          <a:spcPct val="100000"/>
+                        </a:lnSpc>
+                        <a:spcBef>
+                          <a:spcPts val="700"/>
+                        </a:spcBef>
+                        <a:spcAft>
+                          <a:spcPct val="0"/>
+                        </a:spcAft>
+                        <a:buClr>
+                          <a:schemeClr val="tx2"/>
+                        </a:buClr>
+                        <a:buSzPct val="95000"/>
+                        <a:buFont typeface="Wingdings" pitchFamily="2" charset="2"/>
+                        <a:buNone/>
+                        <a:tabLst/>
+                      </a:pPr>
+                      <a:r>
+                        <a:rPr kumimoji="0" lang="pt-BR" sz="1400" b="0" i="0" u="none" strike="noStrike" cap="none" normalizeH="0" baseline="0" dirty="0" smtClean="0">
+                          <a:ln>
+                            <a:noFill/>
+                          </a:ln>
+                          <a:solidFill>
+                            <a:schemeClr val="tx1"/>
+                          </a:solidFill>
+                          <a:effectLst/>
+                          <a:latin typeface="Corbel" pitchFamily="34" charset="0"/>
+                        </a:rPr>
+                        <a:t>100%</a:t>
+                      </a:r>
+                      <a:endParaRPr kumimoji="0" lang="pt-BR" sz="1400" b="0" i="0" u="none" strike="noStrike" cap="none" normalizeH="0" baseline="0" dirty="0" smtClean="0">
+                        <a:ln>
+                          <a:noFill/>
+                        </a:ln>
+                        <a:solidFill>
+                          <a:schemeClr val="tx1"/>
+                        </a:solidFill>
+                        <a:effectLst/>
+                        <a:latin typeface="Corbel" pitchFamily="34" charset="0"/>
+                      </a:endParaRPr>
+                    </a:p>
+                  </a:txBody>
+                  <a:tcPr horzOverflow="overflow">
+                    <a:lnL w="12700" cap="flat" cmpd="sng" algn="ctr">
+                      <a:solidFill>
+                        <a:schemeClr val="tx1"/>
+                      </a:solidFill>
+                      <a:prstDash val="solid"/>
+                      <a:round/>
+                      <a:headEnd type="none" w="med" len="med"/>
+                      <a:tailEnd type="none" w="med" len="med"/>
+                    </a:lnL>
+                    <a:lnR w="12700" cap="flat" cmpd="sng" algn="ctr">
+                      <a:solidFill>
+                        <a:schemeClr val="tx1"/>
+                      </a:solidFill>
+                      <a:prstDash val="solid"/>
+                      <a:round/>
+                      <a:headEnd type="none" w="med" len="med"/>
+                      <a:tailEnd type="none" w="med" len="med"/>
+                    </a:lnR>
+                    <a:lnT w="12700" cap="flat" cmpd="sng" algn="ctr">
+                      <a:solidFill>
+                        <a:schemeClr val="tx1"/>
+                      </a:solidFill>
+                      <a:prstDash val="solid"/>
+                      <a:round/>
+                      <a:headEnd type="none" w="med" len="med"/>
+                      <a:tailEnd type="none" w="med" len="med"/>
+                    </a:lnT>
+                    <a:lnB w="28575" cap="flat" cmpd="sng" algn="ctr">
+                      <a:solidFill>
+                        <a:schemeClr val="tx1"/>
+                      </a:solidFill>
+                      <a:prstDash val="solid"/>
+                      <a:round/>
+                      <a:headEnd type="none" w="med" len="med"/>
+                      <a:tailEnd type="none" w="med" len="med"/>
+                    </a:lnB>
+                    <a:lnTlToBr>
+                      <a:noFill/>
+                    </a:lnTlToBr>
+                    <a:lnBlToTr>
+                      <a:noFill/>
+                    </a:lnBlToTr>
+                    <a:noFill/>
+                  </a:tcPr>
+                </a:tc>
+                <a:tc>
+                  <a:txBody>
+                    <a:bodyPr/>
+                    <a:lstStyle/>
+                    <a:p>
+                      <a:pPr marL="68263" marR="0" lvl="0" indent="0" algn="ctr" defTabSz="914400" rtl="0" eaLnBrk="0" fontAlgn="base" latinLnBrk="0" hangingPunct="0">
+                        <a:lnSpc>
+                          <a:spcPct val="100000"/>
+                        </a:lnSpc>
+                        <a:spcBef>
+                          <a:spcPts val="700"/>
+                        </a:spcBef>
+                        <a:spcAft>
+                          <a:spcPct val="0"/>
+                        </a:spcAft>
+                        <a:buClr>
+                          <a:schemeClr val="tx2"/>
+                        </a:buClr>
+                        <a:buSzPct val="95000"/>
+                        <a:buFont typeface="Wingdings" pitchFamily="2" charset="2"/>
+                        <a:buNone/>
+                        <a:tabLst/>
+                      </a:pPr>
+                      <a:r>
+                        <a:rPr kumimoji="0" lang="pt-BR" sz="1400" b="1" i="0" u="none" strike="noStrike" cap="none" normalizeH="0" baseline="0" dirty="0" smtClean="0">
+                          <a:ln>
+                            <a:noFill/>
+                          </a:ln>
+                          <a:solidFill>
+                            <a:schemeClr val="tx1"/>
+                          </a:solidFill>
+                          <a:effectLst/>
+                          <a:latin typeface="Corbel" pitchFamily="34" charset="0"/>
+                        </a:rPr>
+                        <a:t>71,43%</a:t>
+                      </a:r>
+                      <a:endParaRPr kumimoji="0" lang="pt-BR" sz="1400" b="1" i="0" u="none" strike="noStrike" cap="none" normalizeH="0" baseline="0" dirty="0" smtClean="0">
+                        <a:ln>
+                          <a:noFill/>
+                        </a:ln>
+                        <a:solidFill>
+                          <a:schemeClr val="tx1"/>
+                        </a:solidFill>
+                        <a:effectLst/>
+                        <a:latin typeface="Corbel" pitchFamily="34" charset="0"/>
+                      </a:endParaRPr>
+                    </a:p>
+                  </a:txBody>
+                  <a:tcPr horzOverflow="overflow">
+                    <a:lnL w="12700" cap="flat" cmpd="sng" algn="ctr">
+                      <a:solidFill>
+                        <a:schemeClr val="tx1"/>
+                      </a:solidFill>
+                      <a:prstDash val="solid"/>
+                      <a:round/>
+                      <a:headEnd type="none" w="med" len="med"/>
+                      <a:tailEnd type="none" w="med" len="med"/>
+                    </a:lnL>
+                    <a:lnR w="28575" cap="flat" cmpd="sng" algn="ctr">
+                      <a:solidFill>
+                        <a:schemeClr val="tx1"/>
+                      </a:solidFill>
+                      <a:prstDash val="solid"/>
+                      <a:round/>
+                      <a:headEnd type="none" w="med" len="med"/>
+                      <a:tailEnd type="none" w="med" len="med"/>
+                    </a:lnR>
+                    <a:lnT w="12700" cap="flat" cmpd="sng" algn="ctr">
+                      <a:solidFill>
+                        <a:schemeClr val="tx1"/>
+                      </a:solidFill>
+                      <a:prstDash val="solid"/>
+                      <a:round/>
+                      <a:headEnd type="none" w="med" len="med"/>
+                      <a:tailEnd type="none" w="med" len="med"/>
+                    </a:lnT>
+                    <a:lnB w="28575" cap="flat" cmpd="sng" algn="ctr">
+                      <a:solidFill>
+                        <a:schemeClr val="tx1"/>
+                      </a:solidFill>
+                      <a:prstDash val="solid"/>
+                      <a:round/>
+                      <a:headEnd type="none" w="med" len="med"/>
+                      <a:tailEnd type="none" w="med" len="med"/>
+                    </a:lnB>
+                    <a:lnTlToBr>
+                      <a:noFill/>
+                    </a:lnTlToBr>
+                    <a:lnBlToTr>
+                      <a:noFill/>
+                    </a:lnBlToTr>
+                    <a:noFill/>
+                  </a:tcPr>
+                </a:tc>
+              </a:tr>
+            </a:tbl>
+          </a:graphicData>
+        </a:graphic>
+      </p:graphicFrame>
+    </p:spTree>
+  </p:cSld>
+  <p:clrMapOvr>
+    <a:masterClrMapping/>
+  </p:clrMapOvr>
+</p:sld>
+</file>
+
+<file path=ppt/slides/slide14.xml><?xml version="1.0" encoding="utf-8"?>
+<p:sld xmlns:a="http://schemas.openxmlformats.org/drawingml/2006/main" xmlns:r="http://schemas.openxmlformats.org/officeDocument/2006/relationships" xmlns:p="http://schemas.openxmlformats.org/presentationml/2006/main">
+  <p:cSld>
+    <p:spTree>
+      <p:nvGrpSpPr>
+        <p:cNvPr id="1" name=""/>
+        <p:cNvGrpSpPr/>
+        <p:nvPr/>
+      </p:nvGrpSpPr>
+      <p:grpSpPr>
+        <a:xfrm>
+          <a:off x="0" y="0"/>
+          <a:ext cx="0" cy="0"/>
+          <a:chOff x="0" y="0"/>
+          <a:chExt cx="0" cy="0"/>
+        </a:xfrm>
+      </p:grpSpPr>
+      <p:sp>
+        <p:nvSpPr>
+          <p:cNvPr id="4" name="Título 1"/>
+          <p:cNvSpPr>
+            <a:spLocks noGrp="1"/>
+          </p:cNvSpPr>
+          <p:nvPr>
+            <p:ph type="title"/>
+          </p:nvPr>
+        </p:nvSpPr>
+        <p:spPr>
+          <a:xfrm>
+            <a:off x="642910" y="357166"/>
+            <a:ext cx="7772400" cy="914400"/>
+          </a:xfrm>
+        </p:spPr>
+        <p:txBody>
+          <a:bodyPr>
+            <a:normAutofit fontScale="90000"/>
+            <a:scene3d>
+              <a:camera prst="orthographicFront">
+                <a:rot lat="0" lon="0" rev="0"/>
+              </a:camera>
+              <a:lightRig rig="contrasting" dir="t">
+                <a:rot lat="0" lon="0" rev="4500000"/>
+              </a:lightRig>
+            </a:scene3d>
+            <a:sp3d contourW="6350" prstMaterial="metal">
+              <a:bevelT w="127000" h="31750" prst="relaxedInset"/>
+              <a:contourClr>
+                <a:schemeClr val="accent1">
+                  <a:shade val="75000"/>
+                </a:schemeClr>
+              </a:contourClr>
+            </a:sp3d>
+          </a:bodyPr>
+          <a:lstStyle/>
+          <a:p>
+            <a:pPr algn="ctr" eaLnBrk="1" fontAlgn="auto" hangingPunct="1">
+              <a:spcAft>
+                <a:spcPts val="0"/>
+              </a:spcAft>
+              <a:defRPr/>
+            </a:pPr>
+            <a:r>
+              <a:rPr lang="pt-BR" sz="6600" b="1" cap="all" dirty="0" smtClean="0">
+                <a:ln w="0"/>
+                <a:solidFill>
+                  <a:schemeClr val="tx2"/>
+                </a:solidFill>
+                <a:effectLst>
+                  <a:reflection blurRad="12700" stA="50000" endPos="50000" dist="5000" dir="5400000" sy="-100000" rotWithShape="0"/>
+                </a:effectLst>
+                <a:latin typeface="Tahoma" pitchFamily="34" charset="0"/>
+                <a:cs typeface="Tahoma" pitchFamily="34" charset="0"/>
+              </a:rPr>
+              <a:t>CONCLUSÃO</a:t>
+            </a:r>
+            <a:endParaRPr lang="pt-BR" sz="6600" b="1" cap="all" spc="0" dirty="0" smtClean="0">
+              <a:ln w="0"/>
+              <a:solidFill>
+                <a:schemeClr val="tx2"/>
+              </a:solidFill>
+              <a:effectLst>
+                <a:reflection blurRad="12700" stA="50000" endPos="50000" dist="5000" dir="5400000" sy="-100000" rotWithShape="0"/>
+              </a:effectLst>
+              <a:latin typeface="Tahoma" pitchFamily="34" charset="0"/>
+              <a:cs typeface="Tahoma" pitchFamily="34" charset="0"/>
+            </a:endParaRPr>
+          </a:p>
+        </p:txBody>
+      </p:sp>
+      <p:pic>
+        <p:nvPicPr>
+          <p:cNvPr id="5" name="Picture 1" descr="C:\Documents and Settings\Mizu\Meus documentos\FEI\TCC\Expocom\logo.png"/>
+          <p:cNvPicPr>
+            <a:picLocks noChangeAspect="1" noChangeArrowheads="1"/>
+          </p:cNvPicPr>
+          <p:nvPr/>
+        </p:nvPicPr>
+        <p:blipFill>
+          <a:blip r:embed="rId2" cstate="print"/>
+          <a:srcRect/>
+          <a:stretch>
+            <a:fillRect/>
+          </a:stretch>
+        </p:blipFill>
+        <p:spPr bwMode="auto">
+          <a:xfrm>
+            <a:off x="7072330" y="214289"/>
+            <a:ext cx="1714512" cy="1293403"/>
+          </a:xfrm>
+          <a:prstGeom prst="rect">
+            <a:avLst/>
+          </a:prstGeom>
+          <a:noFill/>
+        </p:spPr>
+      </p:pic>
+      <p:sp>
+        <p:nvSpPr>
+          <p:cNvPr id="6" name="Text Box 3"/>
+          <p:cNvSpPr txBox="1">
+            <a:spLocks noChangeArrowheads="1"/>
+          </p:cNvSpPr>
+          <p:nvPr/>
+        </p:nvSpPr>
+        <p:spPr bwMode="auto">
+          <a:xfrm>
+            <a:off x="785786" y="1776535"/>
+            <a:ext cx="7529513" cy="4224233"/>
+          </a:xfrm>
+          <a:prstGeom prst="rect">
+            <a:avLst/>
+          </a:prstGeom>
+          <a:noFill/>
+          <a:ln w="9525">
+            <a:noFill/>
+            <a:miter lim="800000"/>
+            <a:headEnd/>
+            <a:tailEnd/>
+          </a:ln>
+        </p:spPr>
+        <p:txBody>
+          <a:bodyPr>
+            <a:spAutoFit/>
+          </a:bodyPr>
+          <a:lstStyle/>
+          <a:p>
+            <a:pPr marL="411163" indent="-342900">
+              <a:spcBef>
+                <a:spcPts val="700"/>
+              </a:spcBef>
+              <a:buClr>
+                <a:schemeClr val="tx2"/>
+              </a:buClr>
+              <a:buSzPct val="95000"/>
+              <a:buFont typeface="Wingdings" pitchFamily="2" charset="2"/>
+              <a:buChar char=""/>
+            </a:pPr>
+            <a:r>
+              <a:rPr lang="pt-BR" dirty="0">
+                <a:latin typeface="Corbel" pitchFamily="34" charset="0"/>
+              </a:rPr>
+              <a:t>Detecções :</a:t>
+            </a:r>
+          </a:p>
+          <a:p>
+            <a:pPr marL="411163" indent="-342900">
+              <a:spcBef>
+                <a:spcPts val="700"/>
+              </a:spcBef>
+              <a:buClr>
+                <a:schemeClr val="tx2"/>
+              </a:buClr>
+              <a:buSzPct val="95000"/>
+              <a:buFont typeface="Wingdings" pitchFamily="2" charset="2"/>
+              <a:buChar char=""/>
+            </a:pPr>
+            <a:r>
+              <a:rPr lang="pt-BR" dirty="0">
+                <a:latin typeface="Corbel" pitchFamily="34" charset="0"/>
+              </a:rPr>
+              <a:t>1. Corte</a:t>
+            </a:r>
+          </a:p>
+          <a:p>
+            <a:pPr marL="411163" indent="-342900">
+              <a:spcBef>
+                <a:spcPts val="700"/>
+              </a:spcBef>
+              <a:buClr>
+                <a:schemeClr val="tx2"/>
+              </a:buClr>
+              <a:buSzPct val="95000"/>
+            </a:pPr>
+            <a:r>
+              <a:rPr lang="pt-BR" dirty="0">
+                <a:latin typeface="Corbel" pitchFamily="34" charset="0"/>
+              </a:rPr>
+              <a:t>	</a:t>
+            </a:r>
+            <a:r>
+              <a:rPr lang="pt-BR" dirty="0" smtClean="0">
+                <a:latin typeface="Corbel" pitchFamily="34" charset="0"/>
+              </a:rPr>
+              <a:t>- Precisão: 83,90%	- Acerto: 60,47%</a:t>
+            </a:r>
+            <a:endParaRPr lang="pt-BR" dirty="0">
+              <a:latin typeface="Corbel" pitchFamily="34" charset="0"/>
+            </a:endParaRPr>
+          </a:p>
+          <a:p>
+            <a:pPr marL="411163" indent="-342900">
+              <a:spcBef>
+                <a:spcPts val="700"/>
+              </a:spcBef>
+              <a:buClr>
+                <a:schemeClr val="tx2"/>
+              </a:buClr>
+              <a:buSzPct val="95000"/>
+            </a:pPr>
+            <a:r>
+              <a:rPr lang="pt-BR" dirty="0">
+                <a:latin typeface="Corbel" pitchFamily="34" charset="0"/>
+              </a:rPr>
+              <a:t>	- Vulnerável quando a transição se dá entre tomadas de luminosidade muito baixa.</a:t>
+            </a:r>
+          </a:p>
+          <a:p>
+            <a:pPr marL="411163" indent="-342900">
+              <a:spcBef>
+                <a:spcPts val="700"/>
+              </a:spcBef>
+              <a:buClr>
+                <a:schemeClr val="tx2"/>
+              </a:buClr>
+              <a:buSzPct val="95000"/>
+              <a:buFont typeface="Wingdings" pitchFamily="2" charset="2"/>
+              <a:buChar char=""/>
+            </a:pPr>
+            <a:r>
+              <a:rPr lang="pt-BR" dirty="0">
+                <a:latin typeface="Corbel" pitchFamily="34" charset="0"/>
+              </a:rPr>
+              <a:t>2. Fade</a:t>
+            </a:r>
+          </a:p>
+          <a:p>
+            <a:pPr marL="411163" indent="-342900">
+              <a:spcBef>
+                <a:spcPts val="700"/>
+              </a:spcBef>
+              <a:buClr>
+                <a:schemeClr val="tx2"/>
+              </a:buClr>
+              <a:buSzPct val="95000"/>
+            </a:pPr>
+            <a:r>
+              <a:rPr lang="pt-BR" dirty="0">
+                <a:latin typeface="Corbel" pitchFamily="34" charset="0"/>
+              </a:rPr>
+              <a:t>	- </a:t>
+            </a:r>
+            <a:r>
+              <a:rPr lang="pt-BR" dirty="0" smtClean="0">
+                <a:latin typeface="Corbel" pitchFamily="34" charset="0"/>
+              </a:rPr>
+              <a:t>Precisão: 98,13%	- Acerto: 89,39%</a:t>
+            </a:r>
+            <a:endParaRPr lang="pt-BR" dirty="0">
+              <a:latin typeface="Corbel" pitchFamily="34" charset="0"/>
+            </a:endParaRPr>
+          </a:p>
+          <a:p>
+            <a:pPr marL="411163" indent="-342900">
+              <a:spcBef>
+                <a:spcPts val="700"/>
+              </a:spcBef>
+              <a:buClr>
+                <a:schemeClr val="tx2"/>
+              </a:buClr>
+              <a:buSzPct val="95000"/>
+            </a:pPr>
+            <a:r>
+              <a:rPr lang="pt-BR" dirty="0">
+                <a:latin typeface="Corbel" pitchFamily="34" charset="0"/>
+              </a:rPr>
+              <a:t>	- Falho quando a transição tem baixa duração.</a:t>
+            </a:r>
+          </a:p>
+          <a:p>
+            <a:pPr marL="411163" indent="-342900">
+              <a:spcBef>
+                <a:spcPts val="700"/>
+              </a:spcBef>
+              <a:buClr>
+                <a:schemeClr val="tx2"/>
+              </a:buClr>
+              <a:buSzPct val="95000"/>
+              <a:buFont typeface="Wingdings" pitchFamily="2" charset="2"/>
+              <a:buChar char=""/>
+            </a:pPr>
+            <a:r>
+              <a:rPr lang="pt-BR" dirty="0">
+                <a:latin typeface="Corbel" pitchFamily="34" charset="0"/>
+              </a:rPr>
+              <a:t>3.  Dissolve</a:t>
+            </a:r>
+          </a:p>
+          <a:p>
+            <a:pPr marL="411163" indent="-342900">
+              <a:spcBef>
+                <a:spcPts val="700"/>
+              </a:spcBef>
+              <a:buClr>
+                <a:schemeClr val="tx2"/>
+              </a:buClr>
+              <a:buSzPct val="95000"/>
+            </a:pPr>
+            <a:r>
+              <a:rPr lang="pt-BR" dirty="0">
+                <a:latin typeface="Corbel" pitchFamily="34" charset="0"/>
+              </a:rPr>
+              <a:t>	- </a:t>
+            </a:r>
+            <a:r>
+              <a:rPr lang="pt-BR" dirty="0" smtClean="0">
+                <a:latin typeface="Corbel" pitchFamily="34" charset="0"/>
+              </a:rPr>
+              <a:t>Precisão: 66,60%	- Acerto: 41,66%</a:t>
+            </a:r>
+            <a:endParaRPr lang="pt-BR" dirty="0">
+              <a:latin typeface="Corbel" pitchFamily="34" charset="0"/>
+            </a:endParaRPr>
+          </a:p>
+          <a:p>
+            <a:pPr marL="411163" indent="-342900">
+              <a:spcBef>
+                <a:spcPts val="700"/>
+              </a:spcBef>
+              <a:buClr>
+                <a:schemeClr val="tx2"/>
+              </a:buClr>
+              <a:buSzPct val="95000"/>
+            </a:pPr>
+            <a:r>
+              <a:rPr lang="pt-BR" dirty="0">
+                <a:latin typeface="Corbel" pitchFamily="34" charset="0"/>
+              </a:rPr>
+              <a:t>	- Falho quando as tomadas apresentam movimentação de câmera (zoom) ou rápida movimentação dos objetos em cena.</a:t>
+            </a:r>
+          </a:p>
+        </p:txBody>
+      </p:sp>
+    </p:spTree>
+  </p:cSld>
+  <p:clrMapOvr>
+    <a:masterClrMapping/>
+  </p:clrMapOvr>
 </p:sld>
 </file>
 
@@ -7048,17 +11895,6 @@
               </a:rPr>
               <a:t>O sistema</a:t>
             </a:r>
-            <a:endParaRPr lang="pt-BR" sz="6600" b="1" cap="all" spc="0" dirty="0" smtClean="0">
-              <a:ln w="0"/>
-              <a:solidFill>
-                <a:schemeClr val="tx2"/>
-              </a:solidFill>
-              <a:effectLst>
-                <a:reflection blurRad="12700" stA="50000" endPos="50000" dist="5000" dir="5400000" sy="-100000" rotWithShape="0"/>
-              </a:effectLst>
-              <a:latin typeface="Tahoma" pitchFamily="34" charset="0"/>
-              <a:cs typeface="Tahoma" pitchFamily="34" charset="0"/>
-            </a:endParaRPr>
           </a:p>
         </p:txBody>
       </p:sp>
@@ -7318,17 +12154,6 @@
               </a:rPr>
               <a:t>O sistema</a:t>
             </a:r>
-            <a:endParaRPr lang="pt-BR" sz="6600" b="1" cap="all" spc="0" dirty="0" smtClean="0">
-              <a:ln w="0"/>
-              <a:solidFill>
-                <a:schemeClr val="tx2"/>
-              </a:solidFill>
-              <a:effectLst>
-                <a:reflection blurRad="12700" stA="50000" endPos="50000" dist="5000" dir="5400000" sy="-100000" rotWithShape="0"/>
-              </a:effectLst>
-              <a:latin typeface="Tahoma" pitchFamily="34" charset="0"/>
-              <a:cs typeface="Tahoma" pitchFamily="34" charset="0"/>
-            </a:endParaRPr>
           </a:p>
         </p:txBody>
       </p:sp>
@@ -7525,17 +12350,6 @@
               </a:rPr>
               <a:t>O sistema</a:t>
             </a:r>
-            <a:endParaRPr lang="pt-BR" sz="6600" b="1" cap="all" spc="0" dirty="0" smtClean="0">
-              <a:ln w="0"/>
-              <a:solidFill>
-                <a:schemeClr val="tx2"/>
-              </a:solidFill>
-              <a:effectLst>
-                <a:reflection blurRad="12700" stA="50000" endPos="50000" dist="5000" dir="5400000" sy="-100000" rotWithShape="0"/>
-              </a:effectLst>
-              <a:latin typeface="Tahoma" pitchFamily="34" charset="0"/>
-              <a:cs typeface="Tahoma" pitchFamily="34" charset="0"/>
-            </a:endParaRPr>
           </a:p>
         </p:txBody>
       </p:sp>
